--- a/2019系统仿真-4-动态函数.pptx
+++ b/2019系统仿真-4-动态函数.pptx
@@ -8383,14 +8383,17 @@
         </p:nvSpPr>
         <p:spPr/>
         <p:txBody>
-          <a:bodyPr/>
+          <a:bodyPr>
+            <a:normAutofit/>
+          </a:bodyPr>
           <a:lstStyle/>
           <a:p>
-            <a:r>
-              <a:rPr lang="zh-CN" altLang="en-US" smtClean="0"/>
+            <a:pPr algn="ctr"/>
+            <a:r>
+              <a:rPr lang="zh-CN" altLang="en-US" sz="3200" dirty="0" smtClean="0"/>
               <a:t>测试函数</a:t>
             </a:r>
-            <a:endParaRPr lang="zh-CN" altLang="en-US"/>
+            <a:endParaRPr lang="zh-CN" altLang="en-US" sz="3200" dirty="0"/>
           </a:p>
         </p:txBody>
       </p:sp>
@@ -8410,68 +8413,65 @@
           <a:lstStyle/>
           <a:p>
             <a:r>
-              <a:rPr lang="zh-CN" altLang="en-US" smtClean="0"/>
-              <a:t>除典型数学函数外，系统仿真涉及大量动态性问题，其中还有一些常见动态性函数必须掌握</a:t>
-            </a:r>
-            <a:endParaRPr lang="en-US" altLang="zh-CN" smtClean="0"/>
-          </a:p>
-          <a:p>
-            <a:r>
-              <a:rPr lang="zh-CN" altLang="en-US"/>
-              <a:t>有</a:t>
-            </a:r>
-            <a:r>
-              <a:rPr lang="zh-CN" altLang="en-US" smtClean="0"/>
-              <a:t>一类日常业务中常见的函数类型，常用来测试系统的输入输出性质，在软件里被归入“测试函数”类</a:t>
-            </a:r>
-            <a:endParaRPr lang="en-US" altLang="zh-CN" smtClean="0"/>
-          </a:p>
-          <a:p>
-            <a:r>
-              <a:rPr lang="zh-CN" altLang="en-US" smtClean="0"/>
+              <a:rPr lang="zh-CN" altLang="en-US" dirty="0" smtClean="0"/>
+              <a:t>测试函数常用</a:t>
+            </a:r>
+            <a:r>
+              <a:rPr lang="zh-CN" altLang="en-US" dirty="0" smtClean="0"/>
+              <a:t>来测试系统的输入输出性质，在软件里被归入“测试函数”</a:t>
+            </a:r>
+            <a:r>
+              <a:rPr lang="zh-CN" altLang="en-US" dirty="0" smtClean="0"/>
+              <a:t>类，其自身具有动态性。</a:t>
+            </a:r>
+            <a:endParaRPr lang="en-US" altLang="zh-CN" dirty="0" smtClean="0"/>
+          </a:p>
+          <a:p>
+            <a:r>
+              <a:rPr lang="zh-CN" altLang="en-US" dirty="0" smtClean="0"/>
               <a:t>必须掌握的几个测试函数</a:t>
             </a:r>
-            <a:endParaRPr lang="en-US" altLang="zh-CN" smtClean="0"/>
+            <a:endParaRPr lang="en-US" altLang="zh-CN" dirty="0" smtClean="0"/>
           </a:p>
           <a:p>
             <a:pPr lvl="1"/>
             <a:r>
-              <a:rPr lang="zh-CN" altLang="en-US" smtClean="0"/>
+              <a:rPr lang="zh-CN" altLang="en-US" dirty="0" smtClean="0"/>
               <a:t>阶跃函数</a:t>
             </a:r>
-            <a:endParaRPr lang="en-US" altLang="zh-CN" smtClean="0"/>
+            <a:endParaRPr lang="en-US" altLang="zh-CN" dirty="0" smtClean="0"/>
           </a:p>
           <a:p>
             <a:pPr lvl="1"/>
             <a:r>
-              <a:rPr lang="zh-CN" altLang="en-US" smtClean="0"/>
+              <a:rPr lang="zh-CN" altLang="en-US" dirty="0" smtClean="0"/>
               <a:t>斜坡函数</a:t>
             </a:r>
-            <a:endParaRPr lang="en-US" altLang="zh-CN" smtClean="0"/>
+            <a:endParaRPr lang="en-US" altLang="zh-CN" dirty="0" smtClean="0"/>
           </a:p>
           <a:p>
             <a:pPr lvl="1"/>
             <a:r>
-              <a:rPr lang="zh-CN" altLang="en-US" smtClean="0"/>
+              <a:rPr lang="zh-CN" altLang="en-US" dirty="0" smtClean="0"/>
               <a:t>脉冲函数</a:t>
             </a:r>
-            <a:endParaRPr lang="en-US" altLang="zh-CN" smtClean="0"/>
+            <a:endParaRPr lang="en-US" altLang="zh-CN" dirty="0" smtClean="0"/>
           </a:p>
           <a:p>
             <a:pPr lvl="1"/>
             <a:r>
-              <a:rPr lang="zh-CN" altLang="en-US" smtClean="0"/>
+              <a:rPr lang="zh-CN" altLang="en-US" dirty="0" smtClean="0"/>
               <a:t>延迟函数</a:t>
             </a:r>
-            <a:endParaRPr lang="en-US" altLang="zh-CN" smtClean="0"/>
+            <a:endParaRPr lang="en-US" altLang="zh-CN" dirty="0" smtClean="0"/>
           </a:p>
           <a:p>
             <a:pPr lvl="1"/>
             <a:r>
-              <a:rPr lang="zh-CN" altLang="en-US" smtClean="0"/>
+              <a:rPr lang="zh-CN" altLang="en-US" dirty="0" smtClean="0"/>
               <a:t>平滑函数</a:t>
             </a:r>
-            <a:endParaRPr lang="zh-CN" altLang="en-US"/>
+            <a:endParaRPr lang="zh-CN" altLang="en-US" dirty="0"/>
           </a:p>
         </p:txBody>
       </p:sp>
@@ -9828,11 +9828,16 @@
           <a:bodyPr/>
           <a:lstStyle/>
           <a:p>
-            <a:r>
-              <a:rPr lang="zh-CN" altLang="en-US" smtClean="0"/>
-              <a:t>统计函数</a:t>
-            </a:r>
-            <a:endParaRPr lang="zh-CN" altLang="en-US"/>
+            <a:pPr algn="ctr"/>
+            <a:r>
+              <a:rPr lang="zh-CN" altLang="en-US" dirty="0"/>
+              <a:t>随机</a:t>
+            </a:r>
+            <a:r>
+              <a:rPr lang="zh-CN" altLang="en-US" dirty="0" smtClean="0"/>
+              <a:t>函数</a:t>
+            </a:r>
+            <a:endParaRPr lang="zh-CN" altLang="en-US" dirty="0"/>
           </a:p>
         </p:txBody>
       </p:sp>
@@ -10286,7 +10291,7 @@
         </p:nvSpPr>
         <p:spPr>
           <a:xfrm>
-            <a:off x="1485900" y="332656"/>
+            <a:off x="1514138" y="692696"/>
             <a:ext cx="9782801" cy="5760640"/>
           </a:xfrm>
         </p:spPr>
@@ -10598,11 +10603,12 @@
           <a:bodyPr/>
           <a:lstStyle/>
           <a:p>
-            <a:r>
-              <a:rPr lang="zh-CN" altLang="en-US" smtClean="0"/>
+            <a:pPr algn="ctr"/>
+            <a:r>
+              <a:rPr lang="zh-CN" altLang="en-US" dirty="0" smtClean="0"/>
               <a:t>逻辑函数</a:t>
             </a:r>
-            <a:endParaRPr lang="zh-CN" altLang="en-US"/>
+            <a:endParaRPr lang="zh-CN" altLang="en-US" dirty="0"/>
           </a:p>
         </p:txBody>
       </p:sp>
@@ -13505,13 +13511,13 @@
 
 <file path=customXml/item2.xml><?xml version="1.0" encoding="utf-8"?>
 <Control xmlns="http://schemas.microsoft.com/VisualStudio/2011/storyboarding/control">
-  <Id Name="System.Storyboarding.WindowsApps.WindowsAppsProgressRing" Revision="1" Stencil="System.Storyboarding.WindowsApps" StencilVersion="0.1"/>
+  <Id Name="System.Storyboarding.Annotation.StickyNote" Revision="1" Stencil="System.Storyboarding.Annotation" StencilVersion="0.1"/>
 </Control>
 </file>
 
 <file path=customXml/item3.xml><?xml version="1.0" encoding="utf-8"?>
 <Control xmlns="http://schemas.microsoft.com/VisualStudio/2011/storyboarding/control">
-  <Id Name="5e505f8e-b0aa-429a-bb4c-92ab0e8a8ee6" RevisionId="d2083f08-ba4f-4330-87aa-e4d23a4443d7" Stencil="172d6d98-e5c9-42e9-a209-79f7a94bbd38" StencilRevisionId="00000000-0000-0000-0000-000000000000" StencilVersion="0.0"/>
+  <Id Name="System.Storyboarding.Annotation.StickyNote" Revision="1" Stencil="System.Storyboarding.Annotation" StencilVersion="0.1"/>
 </Control>
 </file>
 
@@ -13522,24 +13528,6 @@
 </file>
 
 <file path=customXml/item5.xml><?xml version="1.0" encoding="utf-8"?>
-<Control xmlns="http://schemas.microsoft.com/VisualStudio/2011/storyboarding/control">
-  <Id Name="System.Storyboarding.Annotation.StickyNote" Revision="1" Stencil="System.Storyboarding.Annotation" StencilVersion="0.1"/>
-</Control>
-</file>
-
-<file path=customXml/item6.xml><?xml version="1.0" encoding="utf-8"?>
-<Control xmlns="http://schemas.microsoft.com/VisualStudio/2011/storyboarding/control">
-  <Id Name="System.Storyboarding.Annotation.StickyNote" Revision="1" Stencil="System.Storyboarding.Annotation" StencilVersion="0.1"/>
-</Control>
-</file>
-
-<file path=customXml/item7.xml><?xml version="1.0" encoding="utf-8"?>
-<Control xmlns="http://schemas.microsoft.com/VisualStudio/2011/storyboarding/control">
-  <Id Name="System.Storyboarding.Common.DragSelection" Revision="1" Stencil="System.Storyboarding.Common" StencilVersion="0.1"/>
-</Control>
-</file>
-
-<file path=customXml/item8.xml><?xml version="1.0" encoding="utf-8"?>
 <p:properties xmlns:p="http://schemas.microsoft.com/office/2006/metadata/properties" xmlns:xsi="http://www.w3.org/2001/XMLSchema-instance" xmlns:pc="http://schemas.microsoft.com/office/infopath/2007/PartnerControls">
   <documentManagement>
     <_dlc_DocId xmlns="b4ebf394-daf6-497a-96c5-a2f8c10b38cf">TT6HZDVJM2HV-178-321</_dlc_DocId>
@@ -13551,6 +13539,24 @@
 </p:properties>
 </file>
 
+<file path=customXml/item6.xml><?xml version="1.0" encoding="utf-8"?>
+<Control xmlns="http://schemas.microsoft.com/VisualStudio/2011/storyboarding/control">
+  <Id Name="5e505f8e-b0aa-429a-bb4c-92ab0e8a8ee6" RevisionId="d2083f08-ba4f-4330-87aa-e4d23a4443d7" Stencil="172d6d98-e5c9-42e9-a209-79f7a94bbd38" StencilRevisionId="00000000-0000-0000-0000-000000000000" StencilVersion="0.0"/>
+</Control>
+</file>
+
+<file path=customXml/item7.xml><?xml version="1.0" encoding="utf-8"?>
+<Control xmlns="http://schemas.microsoft.com/VisualStudio/2011/storyboarding/control">
+  <Id Name="System.Storyboarding.Common.DragSelection" Revision="1" Stencil="System.Storyboarding.Common" StencilVersion="0.1"/>
+</Control>
+</file>
+
+<file path=customXml/item8.xml><?xml version="1.0" encoding="utf-8"?>
+<Control xmlns="http://schemas.microsoft.com/VisualStudio/2011/storyboarding/control">
+  <Id Name="System.Storyboarding.WindowsApps.WindowsAppsProgressRing" Revision="1" Stencil="System.Storyboarding.WindowsApps" StencilVersion="0.1"/>
+</Control>
+</file>
+
 <file path=customXml/itemProps1.xml><?xml version="1.0" encoding="utf-8"?>
 <ds:datastoreItem xmlns:ds="http://schemas.openxmlformats.org/officeDocument/2006/customXml" ds:itemID="{195C3A57-25C5-4CAC-A396-8711CE839175}">
   <ds:schemaRefs>
@@ -13560,7 +13566,7 @@
 </file>
 
 <file path=customXml/itemProps2.xml><?xml version="1.0" encoding="utf-8"?>
-<ds:datastoreItem xmlns:ds="http://schemas.openxmlformats.org/officeDocument/2006/customXml" ds:itemID="{EE994FE8-9D1B-4C75-9803-F4D3D8088B5B}">
+<ds:datastoreItem xmlns:ds="http://schemas.openxmlformats.org/officeDocument/2006/customXml" ds:itemID="{35CD12A2-2187-402A-B9D9-EF68624DB0B9}">
   <ds:schemaRefs>
     <ds:schemaRef ds:uri="http://schemas.microsoft.com/VisualStudio/2011/storyboarding/control"/>
   </ds:schemaRefs>
@@ -13568,7 +13574,7 @@
 </file>
 
 <file path=customXml/itemProps3.xml><?xml version="1.0" encoding="utf-8"?>
-<ds:datastoreItem xmlns:ds="http://schemas.openxmlformats.org/officeDocument/2006/customXml" ds:itemID="{22271091-DDCE-44B5-B608-BB96BCA0C299}">
+<ds:datastoreItem xmlns:ds="http://schemas.openxmlformats.org/officeDocument/2006/customXml" ds:itemID="{C83C598A-8CB1-49BE-A132-CFCF837BD013}">
   <ds:schemaRefs>
     <ds:schemaRef ds:uri="http://schemas.microsoft.com/VisualStudio/2011/storyboarding/control"/>
   </ds:schemaRefs>
@@ -13584,15 +13590,17 @@
 </file>
 
 <file path=customXml/itemProps5.xml><?xml version="1.0" encoding="utf-8"?>
-<ds:datastoreItem xmlns:ds="http://schemas.openxmlformats.org/officeDocument/2006/customXml" ds:itemID="{C83C598A-8CB1-49BE-A132-CFCF837BD013}">
+<ds:datastoreItem xmlns:ds="http://schemas.openxmlformats.org/officeDocument/2006/customXml" ds:itemID="{1322E1B6-B69B-4B1E-9F64-FFB1E4A65691}">
   <ds:schemaRefs>
-    <ds:schemaRef ds:uri="http://schemas.microsoft.com/VisualStudio/2011/storyboarding/control"/>
+    <ds:schemaRef ds:uri="http://schemas.microsoft.com/office/2006/metadata/properties"/>
+    <ds:schemaRef ds:uri="http://schemas.microsoft.com/office/infopath/2007/PartnerControls"/>
+    <ds:schemaRef ds:uri="b4ebf394-daf6-497a-96c5-a2f8c10b38cf"/>
   </ds:schemaRefs>
 </ds:datastoreItem>
 </file>
 
 <file path=customXml/itemProps6.xml><?xml version="1.0" encoding="utf-8"?>
-<ds:datastoreItem xmlns:ds="http://schemas.openxmlformats.org/officeDocument/2006/customXml" ds:itemID="{35CD12A2-2187-402A-B9D9-EF68624DB0B9}">
+<ds:datastoreItem xmlns:ds="http://schemas.openxmlformats.org/officeDocument/2006/customXml" ds:itemID="{22271091-DDCE-44B5-B608-BB96BCA0C299}">
   <ds:schemaRefs>
     <ds:schemaRef ds:uri="http://schemas.microsoft.com/VisualStudio/2011/storyboarding/control"/>
   </ds:schemaRefs>
@@ -13608,11 +13616,9 @@
 </file>
 
 <file path=customXml/itemProps8.xml><?xml version="1.0" encoding="utf-8"?>
-<ds:datastoreItem xmlns:ds="http://schemas.openxmlformats.org/officeDocument/2006/customXml" ds:itemID="{1322E1B6-B69B-4B1E-9F64-FFB1E4A65691}">
+<ds:datastoreItem xmlns:ds="http://schemas.openxmlformats.org/officeDocument/2006/customXml" ds:itemID="{EE994FE8-9D1B-4C75-9803-F4D3D8088B5B}">
   <ds:schemaRefs>
-    <ds:schemaRef ds:uri="http://schemas.microsoft.com/office/2006/metadata/properties"/>
-    <ds:schemaRef ds:uri="http://schemas.microsoft.com/office/infopath/2007/PartnerControls"/>
-    <ds:schemaRef ds:uri="b4ebf394-daf6-497a-96c5-a2f8c10b38cf"/>
+    <ds:schemaRef ds:uri="http://schemas.microsoft.com/VisualStudio/2011/storyboarding/control"/>
   </ds:schemaRefs>
 </ds:datastoreItem>
 </file>
--- a/2019系统仿真-4-动态函数.pptx
+++ b/2019系统仿真-4-动态函数.pptx
@@ -5,10 +5,10 @@
     <p:sldMasterId id="2147483648" r:id="rId9"/>
   </p:sldMasterIdLst>
   <p:notesMasterIdLst>
-    <p:notesMasterId r:id="rId32"/>
+    <p:notesMasterId r:id="rId30"/>
   </p:notesMasterIdLst>
   <p:handoutMasterIdLst>
-    <p:handoutMasterId r:id="rId33"/>
+    <p:handoutMasterId r:id="rId31"/>
   </p:handoutMasterIdLst>
   <p:sldIdLst>
     <p:sldId id="256" r:id="rId10"/>
@@ -24,15 +24,13 @@
     <p:sldId id="272" r:id="rId20"/>
     <p:sldId id="273" r:id="rId21"/>
     <p:sldId id="274" r:id="rId22"/>
-    <p:sldId id="281" r:id="rId23"/>
-    <p:sldId id="282" r:id="rId24"/>
-    <p:sldId id="276" r:id="rId25"/>
-    <p:sldId id="264" r:id="rId26"/>
-    <p:sldId id="265" r:id="rId27"/>
+    <p:sldId id="291" r:id="rId23"/>
+    <p:sldId id="292" r:id="rId24"/>
+    <p:sldId id="264" r:id="rId25"/>
+    <p:sldId id="265" r:id="rId26"/>
+    <p:sldId id="276" r:id="rId27"/>
     <p:sldId id="266" r:id="rId28"/>
     <p:sldId id="270" r:id="rId29"/>
-    <p:sldId id="279" r:id="rId30"/>
-    <p:sldId id="280" r:id="rId31"/>
   </p:sldIdLst>
   <p:sldSz cx="12188825" cy="6858000"/>
   <p:notesSz cx="6858000" cy="9144000"/>
@@ -8391,7 +8389,7 @@
             <a:pPr algn="ctr"/>
             <a:r>
               <a:rPr lang="zh-CN" altLang="en-US" sz="3200" dirty="0" smtClean="0"/>
-              <a:t>测试函数</a:t>
+              <a:t>三、测试函数</a:t>
             </a:r>
             <a:endParaRPr lang="zh-CN" altLang="en-US" sz="3200" dirty="0"/>
           </a:p>
@@ -8414,15 +8412,7 @@
           <a:p>
             <a:r>
               <a:rPr lang="zh-CN" altLang="en-US" dirty="0" smtClean="0"/>
-              <a:t>测试函数常用</a:t>
-            </a:r>
-            <a:r>
-              <a:rPr lang="zh-CN" altLang="en-US" dirty="0" smtClean="0"/>
-              <a:t>来测试系统的输入输出性质，在软件里被归入“测试函数”</a:t>
-            </a:r>
-            <a:r>
-              <a:rPr lang="zh-CN" altLang="en-US" dirty="0" smtClean="0"/>
-              <a:t>类，其自身具有动态性。</a:t>
+              <a:t>测试函数常用来测试系统的输入输出性质，在软件里被归入“测试函数”类，其自身具有动态性。</a:t>
             </a:r>
             <a:endParaRPr lang="en-US" altLang="zh-CN" dirty="0" smtClean="0"/>
           </a:p>
@@ -8985,7 +8975,7 @@
         </p:blipFill>
         <p:spPr>
           <a:xfrm>
-            <a:off x="8615452" y="0"/>
+            <a:off x="7966620" y="2617"/>
             <a:ext cx="3573373" cy="4005064"/>
           </a:xfrm>
           <a:prstGeom prst="rect">
@@ -9270,10 +9260,18 @@
           <a:lstStyle/>
           <a:p>
             <a:r>
-              <a:rPr lang="zh-CN" altLang="en-US" smtClean="0"/>
-              <a:t>延迟函数</a:t>
-            </a:r>
-            <a:endParaRPr lang="zh-CN" altLang="en-US"/>
+              <a:rPr lang="en-US" altLang="zh-CN" dirty="0" smtClean="0"/>
+              <a:t>*</a:t>
+            </a:r>
+            <a:r>
+              <a:rPr lang="zh-CN" altLang="en-US" dirty="0" smtClean="0"/>
+              <a:t>延迟</a:t>
+            </a:r>
+            <a:r>
+              <a:rPr lang="zh-CN" altLang="en-US" dirty="0" smtClean="0"/>
+              <a:t>函数</a:t>
+            </a:r>
+            <a:endParaRPr lang="zh-CN" altLang="en-US" dirty="0"/>
           </a:p>
         </p:txBody>
       </p:sp>
@@ -9425,34 +9423,10 @@
           </a:p>
         </p:txBody>
       </p:sp>
-      <p:pic>
-        <p:nvPicPr>
-          <p:cNvPr id="4" name="图片 3"/>
-          <p:cNvPicPr>
-            <a:picLocks noChangeAspect="1"/>
-          </p:cNvPicPr>
-          <p:nvPr/>
-        </p:nvPicPr>
-        <p:blipFill>
-          <a:blip r:embed="rId2"/>
-          <a:stretch>
-            <a:fillRect/>
-          </a:stretch>
-        </p:blipFill>
-        <p:spPr>
-          <a:xfrm>
-            <a:off x="6598468" y="4615111"/>
-            <a:ext cx="4992683" cy="1739652"/>
-          </a:xfrm>
-          <a:prstGeom prst="rect">
-            <a:avLst/>
-          </a:prstGeom>
-        </p:spPr>
-      </p:pic>
     </p:spTree>
     <p:extLst>
       <p:ext uri="{BB962C8B-B14F-4D97-AF65-F5344CB8AC3E}">
-        <p14:creationId xmlns:p14="http://schemas.microsoft.com/office/powerpoint/2010/main" val="447263062"/>
+        <p14:creationId xmlns:p14="http://schemas.microsoft.com/office/powerpoint/2010/main" val="3693176570"/>
       </p:ext>
     </p:extLst>
   </p:cSld>
@@ -9507,10 +9481,18 @@
           <a:lstStyle/>
           <a:p>
             <a:r>
-              <a:rPr lang="zh-CN" altLang="en-US" smtClean="0"/>
-              <a:t>平滑函数</a:t>
-            </a:r>
-            <a:endParaRPr lang="zh-CN" altLang="en-US"/>
+              <a:rPr lang="en-US" altLang="zh-CN" dirty="0" smtClean="0"/>
+              <a:t>*</a:t>
+            </a:r>
+            <a:r>
+              <a:rPr lang="zh-CN" altLang="en-US" dirty="0" smtClean="0"/>
+              <a:t>平滑</a:t>
+            </a:r>
+            <a:r>
+              <a:rPr lang="zh-CN" altLang="en-US" dirty="0" smtClean="0"/>
+              <a:t>函数</a:t>
+            </a:r>
+            <a:endParaRPr lang="zh-CN" altLang="en-US" dirty="0"/>
           </a:p>
         </p:txBody>
       </p:sp>
@@ -9663,7 +9645,7 @@
     </p:spTree>
     <p:extLst>
       <p:ext uri="{BB962C8B-B14F-4D97-AF65-F5344CB8AC3E}">
-        <p14:creationId xmlns:p14="http://schemas.microsoft.com/office/powerpoint/2010/main" val="2861010309"/>
+        <p14:creationId xmlns:p14="http://schemas.microsoft.com/office/powerpoint/2010/main" val="3587656229"/>
       </p:ext>
     </p:extLst>
   </p:cSld>
@@ -9686,6 +9668,484 @@
 </file>
 
 <file path=ppt/slides/slide16.xml><?xml version="1.0" encoding="utf-8"?>
+<p:sld xmlns:a="http://schemas.openxmlformats.org/drawingml/2006/main" xmlns:r="http://schemas.openxmlformats.org/officeDocument/2006/relationships" xmlns:p="http://schemas.openxmlformats.org/presentationml/2006/main">
+  <p:cSld>
+    <p:spTree>
+      <p:nvGrpSpPr>
+        <p:cNvPr id="1" name=""/>
+        <p:cNvGrpSpPr/>
+        <p:nvPr/>
+      </p:nvGrpSpPr>
+      <p:grpSpPr>
+        <a:xfrm>
+          <a:off x="0" y="0"/>
+          <a:ext cx="0" cy="0"/>
+          <a:chOff x="0" y="0"/>
+          <a:chExt cx="0" cy="0"/>
+        </a:xfrm>
+      </p:grpSpPr>
+      <p:sp>
+        <p:nvSpPr>
+          <p:cNvPr id="2" name="标题 1"/>
+          <p:cNvSpPr>
+            <a:spLocks noGrp="1"/>
+          </p:cNvSpPr>
+          <p:nvPr>
+            <p:ph type="title"/>
+          </p:nvPr>
+        </p:nvSpPr>
+        <p:spPr/>
+        <p:txBody>
+          <a:bodyPr/>
+          <a:lstStyle/>
+          <a:p>
+            <a:pPr algn="ctr"/>
+            <a:r>
+              <a:rPr lang="zh-CN" altLang="en-US" dirty="0" smtClean="0"/>
+              <a:t>四、随机函数</a:t>
+            </a:r>
+            <a:endParaRPr lang="zh-CN" altLang="en-US" dirty="0"/>
+          </a:p>
+        </p:txBody>
+      </p:sp>
+      <p:sp>
+        <p:nvSpPr>
+          <p:cNvPr id="3" name="内容占位符 2"/>
+          <p:cNvSpPr>
+            <a:spLocks noGrp="1"/>
+          </p:cNvSpPr>
+          <p:nvPr>
+            <p:ph idx="1"/>
+          </p:nvPr>
+        </p:nvSpPr>
+        <p:spPr/>
+        <p:txBody>
+          <a:bodyPr/>
+          <a:lstStyle/>
+          <a:p>
+            <a:r>
+              <a:rPr lang="zh-CN" altLang="en-US" smtClean="0"/>
+              <a:t>随机函数 </a:t>
+            </a:r>
+            <a:r>
+              <a:rPr lang="en-US" altLang="zh-CN" smtClean="0"/>
+              <a:t>RANDOM</a:t>
+            </a:r>
+            <a:r>
+              <a:rPr lang="zh-CN" altLang="en-US" smtClean="0"/>
+              <a:t>系列函数</a:t>
+            </a:r>
+            <a:endParaRPr lang="en-US" altLang="zh-CN" smtClean="0"/>
+          </a:p>
+          <a:p>
+            <a:pPr lvl="1"/>
+            <a:r>
+              <a:rPr lang="zh-CN" altLang="en-US" smtClean="0"/>
+              <a:t>所有随机函数均是动态的</a:t>
+            </a:r>
+            <a:endParaRPr lang="en-US" altLang="zh-CN" smtClean="0"/>
+          </a:p>
+          <a:p>
+            <a:pPr lvl="1"/>
+            <a:r>
+              <a:rPr lang="zh-CN" altLang="en-US" smtClean="0"/>
+              <a:t>随机函数均以</a:t>
+            </a:r>
+            <a:r>
+              <a:rPr lang="en-US" altLang="zh-CN" smtClean="0"/>
+              <a:t>RANDOM</a:t>
+            </a:r>
+            <a:r>
+              <a:rPr lang="zh-CN" altLang="en-US" smtClean="0"/>
+              <a:t>开头，加上对应分布名称</a:t>
+            </a:r>
+            <a:endParaRPr lang="en-US" altLang="zh-CN" smtClean="0"/>
+          </a:p>
+          <a:p>
+            <a:pPr lvl="1"/>
+            <a:r>
+              <a:rPr lang="zh-CN" altLang="en-US" smtClean="0"/>
+              <a:t>依赖随机种子</a:t>
+            </a:r>
+            <a:endParaRPr lang="en-US" altLang="zh-CN" smtClean="0"/>
+          </a:p>
+          <a:p>
+            <a:pPr marL="0" indent="0">
+              <a:buNone/>
+            </a:pPr>
+            <a:endParaRPr lang="en-US" altLang="zh-CN" sz="2000" smtClean="0"/>
+          </a:p>
+          <a:p>
+            <a:pPr marL="0" indent="0">
+              <a:buNone/>
+            </a:pPr>
+            <a:endParaRPr lang="en-US" altLang="zh-CN" sz="2000"/>
+          </a:p>
+          <a:p>
+            <a:pPr marL="0" indent="0">
+              <a:buNone/>
+            </a:pPr>
+            <a:endParaRPr lang="en-US" altLang="zh-CN" sz="2000" smtClean="0"/>
+          </a:p>
+          <a:p>
+            <a:pPr marL="0" indent="0">
+              <a:buNone/>
+            </a:pPr>
+            <a:r>
+              <a:rPr lang="zh-CN" altLang="en-US" sz="2000" smtClean="0"/>
+              <a:t>表达式</a:t>
+            </a:r>
+            <a:endParaRPr lang="en-US" altLang="zh-CN" sz="2000" smtClean="0"/>
+          </a:p>
+          <a:p>
+            <a:pPr marL="0" indent="0">
+              <a:buNone/>
+            </a:pPr>
+            <a:r>
+              <a:rPr lang="en-US" altLang="zh-CN" sz="1800" smtClean="0">
+                <a:solidFill>
+                  <a:srgbClr val="7030A0"/>
+                </a:solidFill>
+              </a:rPr>
+              <a:t>RANDOM NORMAL(</a:t>
+            </a:r>
+            <a:r>
+              <a:rPr lang="zh-CN" altLang="en-US" sz="1800" smtClean="0">
+                <a:solidFill>
+                  <a:srgbClr val="7030A0"/>
+                </a:solidFill>
+              </a:rPr>
+              <a:t>最小值</a:t>
+            </a:r>
+            <a:r>
+              <a:rPr lang="en-US" altLang="zh-CN" sz="1800" smtClean="0">
+                <a:solidFill>
+                  <a:srgbClr val="7030A0"/>
+                </a:solidFill>
+              </a:rPr>
+              <a:t>,</a:t>
+            </a:r>
+            <a:r>
+              <a:rPr lang="zh-CN" altLang="en-US" sz="1800" smtClean="0">
+                <a:solidFill>
+                  <a:srgbClr val="7030A0"/>
+                </a:solidFill>
+              </a:rPr>
+              <a:t>最大值</a:t>
+            </a:r>
+            <a:r>
+              <a:rPr lang="en-US" altLang="zh-CN" sz="1800" smtClean="0">
+                <a:solidFill>
+                  <a:srgbClr val="7030A0"/>
+                </a:solidFill>
+              </a:rPr>
+              <a:t>,</a:t>
+            </a:r>
+            <a:r>
+              <a:rPr lang="zh-CN" altLang="en-US" sz="1800" smtClean="0">
+                <a:solidFill>
+                  <a:srgbClr val="7030A0"/>
+                </a:solidFill>
+              </a:rPr>
+              <a:t>期望</a:t>
+            </a:r>
+            <a:r>
+              <a:rPr lang="en-US" altLang="zh-CN" sz="1800" smtClean="0">
+                <a:solidFill>
+                  <a:srgbClr val="7030A0"/>
+                </a:solidFill>
+              </a:rPr>
+              <a:t>,</a:t>
+            </a:r>
+            <a:r>
+              <a:rPr lang="zh-CN" altLang="en-US" sz="1800" smtClean="0">
+                <a:solidFill>
+                  <a:srgbClr val="7030A0"/>
+                </a:solidFill>
+              </a:rPr>
+              <a:t>标准差</a:t>
+            </a:r>
+            <a:r>
+              <a:rPr lang="en-US" altLang="zh-CN" sz="1800" smtClean="0">
+                <a:solidFill>
+                  <a:srgbClr val="7030A0"/>
+                </a:solidFill>
+              </a:rPr>
+              <a:t>,</a:t>
+            </a:r>
+            <a:r>
+              <a:rPr lang="zh-CN" altLang="en-US" sz="1800" smtClean="0">
+                <a:solidFill>
+                  <a:srgbClr val="7030A0"/>
+                </a:solidFill>
+              </a:rPr>
+              <a:t>随机数种子</a:t>
+            </a:r>
+            <a:r>
+              <a:rPr lang="en-US" altLang="zh-CN" sz="1800" smtClean="0">
+                <a:solidFill>
+                  <a:srgbClr val="7030A0"/>
+                </a:solidFill>
+              </a:rPr>
+              <a:t>)</a:t>
+            </a:r>
+            <a:endParaRPr lang="zh-CN" altLang="en-US" sz="1800">
+              <a:solidFill>
+                <a:srgbClr val="7030A0"/>
+              </a:solidFill>
+            </a:endParaRPr>
+          </a:p>
+        </p:txBody>
+      </p:sp>
+    </p:spTree>
+    <p:extLst>
+      <p:ext uri="{BB962C8B-B14F-4D97-AF65-F5344CB8AC3E}">
+        <p14:creationId xmlns:p14="http://schemas.microsoft.com/office/powerpoint/2010/main" val="188899427"/>
+      </p:ext>
+    </p:extLst>
+  </p:cSld>
+  <p:clrMapOvr>
+    <a:masterClrMapping/>
+  </p:clrMapOvr>
+  <mc:AlternateContent xmlns:mc="http://schemas.openxmlformats.org/markup-compatibility/2006" xmlns:p14="http://schemas.microsoft.com/office/powerpoint/2010/main">
+    <mc:Choice Requires="p14">
+      <p:transition spd="med" p14:dur="700">
+        <p:fade/>
+      </p:transition>
+    </mc:Choice>
+    <mc:Fallback xmlns="">
+      <p:transition spd="med">
+        <p:fade/>
+      </p:transition>
+    </mc:Fallback>
+  </mc:AlternateContent>
+  <p:timing>
+    <p:tnLst>
+      <p:par>
+        <p:cTn id="1" dur="indefinite" restart="never" nodeType="tmRoot"/>
+      </p:par>
+    </p:tnLst>
+  </p:timing>
+</p:sld>
+</file>
+
+<file path=ppt/slides/slide17.xml><?xml version="1.0" encoding="utf-8"?>
+<p:sld xmlns:a="http://schemas.openxmlformats.org/drawingml/2006/main" xmlns:r="http://schemas.openxmlformats.org/officeDocument/2006/relationships" xmlns:p="http://schemas.openxmlformats.org/presentationml/2006/main">
+  <p:cSld>
+    <p:spTree>
+      <p:nvGrpSpPr>
+        <p:cNvPr id="1" name=""/>
+        <p:cNvGrpSpPr/>
+        <p:nvPr/>
+      </p:nvGrpSpPr>
+      <p:grpSpPr>
+        <a:xfrm>
+          <a:off x="0" y="0"/>
+          <a:ext cx="0" cy="0"/>
+          <a:chOff x="0" y="0"/>
+          <a:chExt cx="0" cy="0"/>
+        </a:xfrm>
+      </p:grpSpPr>
+      <p:sp>
+        <p:nvSpPr>
+          <p:cNvPr id="2" name="标题 1"/>
+          <p:cNvSpPr>
+            <a:spLocks noGrp="1"/>
+          </p:cNvSpPr>
+          <p:nvPr>
+            <p:ph type="title"/>
+          </p:nvPr>
+        </p:nvSpPr>
+        <p:spPr/>
+        <p:txBody>
+          <a:bodyPr>
+            <a:normAutofit/>
+          </a:bodyPr>
+          <a:lstStyle/>
+          <a:p>
+            <a:r>
+              <a:rPr lang="zh-CN" altLang="en-US" sz="4000" dirty="0" smtClean="0"/>
+              <a:t>正态随机函数</a:t>
+            </a:r>
+            <a:endParaRPr lang="zh-CN" altLang="en-US" sz="4000" dirty="0"/>
+          </a:p>
+        </p:txBody>
+      </p:sp>
+      <p:sp>
+        <p:nvSpPr>
+          <p:cNvPr id="3" name="内容占位符 2"/>
+          <p:cNvSpPr>
+            <a:spLocks noGrp="1"/>
+          </p:cNvSpPr>
+          <p:nvPr>
+            <p:ph idx="1"/>
+          </p:nvPr>
+        </p:nvSpPr>
+        <p:spPr/>
+        <p:txBody>
+          <a:bodyPr/>
+          <a:lstStyle/>
+          <a:p>
+            <a:r>
+              <a:rPr lang="en-US" altLang="zh-CN" dirty="0" smtClean="0"/>
+              <a:t>VENSIM</a:t>
+            </a:r>
+            <a:r>
+              <a:rPr lang="zh-CN" altLang="en-US" dirty="0" smtClean="0"/>
+              <a:t>中的</a:t>
+            </a:r>
+            <a:r>
+              <a:rPr lang="zh-CN" altLang="en-US" dirty="0" smtClean="0"/>
+              <a:t>正</a:t>
+            </a:r>
+            <a:r>
+              <a:rPr lang="zh-CN" altLang="en-US" dirty="0"/>
+              <a:t>态</a:t>
+            </a:r>
+            <a:r>
+              <a:rPr lang="zh-CN" altLang="en-US" dirty="0" smtClean="0"/>
+              <a:t>随机函数</a:t>
+            </a:r>
+            <a:endParaRPr lang="en-US" altLang="zh-CN" dirty="0" smtClean="0"/>
+          </a:p>
+          <a:p>
+            <a:r>
+              <a:rPr lang="zh-CN" altLang="en-US" dirty="0" smtClean="0"/>
+              <a:t>设置一个简单随机函数的输入系统</a:t>
+            </a:r>
+            <a:endParaRPr lang="zh-CN" altLang="en-US" dirty="0"/>
+          </a:p>
+        </p:txBody>
+      </p:sp>
+      <p:pic>
+        <p:nvPicPr>
+          <p:cNvPr id="4" name="图片 3"/>
+          <p:cNvPicPr>
+            <a:picLocks noChangeAspect="1"/>
+          </p:cNvPicPr>
+          <p:nvPr/>
+        </p:nvPicPr>
+        <p:blipFill>
+          <a:blip r:embed="rId2"/>
+          <a:stretch>
+            <a:fillRect/>
+          </a:stretch>
+        </p:blipFill>
+        <p:spPr>
+          <a:xfrm>
+            <a:off x="6073069" y="2924944"/>
+            <a:ext cx="5684436" cy="3613522"/>
+          </a:xfrm>
+          <a:prstGeom prst="rect">
+            <a:avLst/>
+          </a:prstGeom>
+        </p:spPr>
+      </p:pic>
+      <p:pic>
+        <p:nvPicPr>
+          <p:cNvPr id="6" name="图片 5"/>
+          <p:cNvPicPr>
+            <a:picLocks noChangeAspect="1"/>
+          </p:cNvPicPr>
+          <p:nvPr/>
+        </p:nvPicPr>
+        <p:blipFill>
+          <a:blip r:embed="rId3"/>
+          <a:stretch>
+            <a:fillRect/>
+          </a:stretch>
+        </p:blipFill>
+        <p:spPr>
+          <a:xfrm>
+            <a:off x="1593436" y="4221088"/>
+            <a:ext cx="4734770" cy="1549400"/>
+          </a:xfrm>
+          <a:prstGeom prst="rect">
+            <a:avLst/>
+          </a:prstGeom>
+        </p:spPr>
+      </p:pic>
+      <p:sp>
+        <p:nvSpPr>
+          <p:cNvPr id="7" name="矩形 6"/>
+          <p:cNvSpPr/>
+          <p:nvPr/>
+        </p:nvSpPr>
+        <p:spPr>
+          <a:xfrm>
+            <a:off x="1610286" y="3760475"/>
+            <a:ext cx="4523803" cy="369332"/>
+          </a:xfrm>
+          <a:prstGeom prst="rect">
+            <a:avLst/>
+          </a:prstGeom>
+        </p:spPr>
+        <p:txBody>
+          <a:bodyPr wrap="none">
+            <a:spAutoFit/>
+          </a:bodyPr>
+          <a:lstStyle/>
+          <a:p>
+            <a:r>
+              <a:rPr lang="en-US" altLang="zh-CN" dirty="0" smtClean="0">
+                <a:solidFill>
+                  <a:srgbClr val="7030A0"/>
+                </a:solidFill>
+              </a:rPr>
+              <a:t>inflow=</a:t>
+            </a:r>
+            <a:r>
+              <a:rPr lang="zh-CN" altLang="en-US" dirty="0" smtClean="0">
+                <a:solidFill>
+                  <a:srgbClr val="7030A0"/>
+                </a:solidFill>
+              </a:rPr>
+              <a:t>RANDOM </a:t>
+            </a:r>
+            <a:r>
+              <a:rPr lang="zh-CN" altLang="en-US" dirty="0">
+                <a:solidFill>
+                  <a:srgbClr val="7030A0"/>
+                </a:solidFill>
+              </a:rPr>
+              <a:t>NORMAL(1, 10,7 , 2 , 12)</a:t>
+            </a:r>
+          </a:p>
+        </p:txBody>
+      </p:sp>
+    </p:spTree>
+    <p:extLst>
+      <p:ext uri="{BB962C8B-B14F-4D97-AF65-F5344CB8AC3E}">
+        <p14:creationId xmlns:p14="http://schemas.microsoft.com/office/powerpoint/2010/main" val="3549824048"/>
+      </p:ext>
+    </p:extLst>
+  </p:cSld>
+  <p:clrMapOvr>
+    <a:masterClrMapping/>
+  </p:clrMapOvr>
+  <mc:AlternateContent xmlns:mc="http://schemas.openxmlformats.org/markup-compatibility/2006" xmlns:p14="http://schemas.microsoft.com/office/powerpoint/2010/main">
+    <mc:Choice Requires="p14">
+      <p:transition spd="med" p14:dur="700">
+        <p:fade/>
+      </p:transition>
+    </mc:Choice>
+    <mc:Fallback xmlns="">
+      <p:transition spd="med">
+        <p:fade/>
+      </p:transition>
+    </mc:Fallback>
+  </mc:AlternateContent>
+  <p:timing>
+    <p:tnLst>
+      <p:par>
+        <p:cTn id="1" dur="indefinite" restart="never" nodeType="tmRoot"/>
+      </p:par>
+    </p:tnLst>
+  </p:timing>
+</p:sld>
+</file>
+
+<file path=ppt/slides/slide18.xml><?xml version="1.0" encoding="utf-8"?>
 <p:sld xmlns:a="http://schemas.openxmlformats.org/drawingml/2006/main" xmlns:r="http://schemas.openxmlformats.org/officeDocument/2006/relationships" xmlns:p="http://schemas.openxmlformats.org/presentationml/2006/main">
   <p:cSld>
     <p:spTree>
@@ -9796,472 +10256,6 @@
 </p:sld>
 </file>
 
-<file path=ppt/slides/slide17.xml><?xml version="1.0" encoding="utf-8"?>
-<p:sld xmlns:a="http://schemas.openxmlformats.org/drawingml/2006/main" xmlns:r="http://schemas.openxmlformats.org/officeDocument/2006/relationships" xmlns:p="http://schemas.openxmlformats.org/presentationml/2006/main">
-  <p:cSld>
-    <p:spTree>
-      <p:nvGrpSpPr>
-        <p:cNvPr id="1" name=""/>
-        <p:cNvGrpSpPr/>
-        <p:nvPr/>
-      </p:nvGrpSpPr>
-      <p:grpSpPr>
-        <a:xfrm>
-          <a:off x="0" y="0"/>
-          <a:ext cx="0" cy="0"/>
-          <a:chOff x="0" y="0"/>
-          <a:chExt cx="0" cy="0"/>
-        </a:xfrm>
-      </p:grpSpPr>
-      <p:sp>
-        <p:nvSpPr>
-          <p:cNvPr id="2" name="标题 1"/>
-          <p:cNvSpPr>
-            <a:spLocks noGrp="1"/>
-          </p:cNvSpPr>
-          <p:nvPr>
-            <p:ph type="title"/>
-          </p:nvPr>
-        </p:nvSpPr>
-        <p:spPr/>
-        <p:txBody>
-          <a:bodyPr/>
-          <a:lstStyle/>
-          <a:p>
-            <a:pPr algn="ctr"/>
-            <a:r>
-              <a:rPr lang="zh-CN" altLang="en-US" dirty="0"/>
-              <a:t>随机</a:t>
-            </a:r>
-            <a:r>
-              <a:rPr lang="zh-CN" altLang="en-US" dirty="0" smtClean="0"/>
-              <a:t>函数</a:t>
-            </a:r>
-            <a:endParaRPr lang="zh-CN" altLang="en-US" dirty="0"/>
-          </a:p>
-        </p:txBody>
-      </p:sp>
-      <p:sp>
-        <p:nvSpPr>
-          <p:cNvPr id="3" name="内容占位符 2"/>
-          <p:cNvSpPr>
-            <a:spLocks noGrp="1"/>
-          </p:cNvSpPr>
-          <p:nvPr>
-            <p:ph idx="1"/>
-          </p:nvPr>
-        </p:nvSpPr>
-        <p:spPr/>
-        <p:txBody>
-          <a:bodyPr/>
-          <a:lstStyle/>
-          <a:p>
-            <a:r>
-              <a:rPr lang="zh-CN" altLang="en-US" smtClean="0"/>
-              <a:t>随机函数 </a:t>
-            </a:r>
-            <a:r>
-              <a:rPr lang="en-US" altLang="zh-CN" smtClean="0"/>
-              <a:t>RANDOM</a:t>
-            </a:r>
-            <a:r>
-              <a:rPr lang="zh-CN" altLang="en-US" smtClean="0"/>
-              <a:t>系列函数</a:t>
-            </a:r>
-            <a:endParaRPr lang="en-US" altLang="zh-CN" smtClean="0"/>
-          </a:p>
-          <a:p>
-            <a:pPr lvl="1"/>
-            <a:r>
-              <a:rPr lang="zh-CN" altLang="en-US" smtClean="0"/>
-              <a:t>所有随机函数均是动态的</a:t>
-            </a:r>
-            <a:endParaRPr lang="en-US" altLang="zh-CN" smtClean="0"/>
-          </a:p>
-          <a:p>
-            <a:pPr lvl="1"/>
-            <a:r>
-              <a:rPr lang="zh-CN" altLang="en-US" smtClean="0"/>
-              <a:t>随机函数均以</a:t>
-            </a:r>
-            <a:r>
-              <a:rPr lang="en-US" altLang="zh-CN" smtClean="0"/>
-              <a:t>RANDOM</a:t>
-            </a:r>
-            <a:r>
-              <a:rPr lang="zh-CN" altLang="en-US" smtClean="0"/>
-              <a:t>开头，加上对应分布名称</a:t>
-            </a:r>
-            <a:endParaRPr lang="en-US" altLang="zh-CN" smtClean="0"/>
-          </a:p>
-          <a:p>
-            <a:pPr lvl="1"/>
-            <a:r>
-              <a:rPr lang="zh-CN" altLang="en-US" smtClean="0"/>
-              <a:t>依赖随机种子</a:t>
-            </a:r>
-            <a:endParaRPr lang="en-US" altLang="zh-CN" smtClean="0"/>
-          </a:p>
-          <a:p>
-            <a:pPr marL="0" indent="0">
-              <a:buNone/>
-            </a:pPr>
-            <a:endParaRPr lang="en-US" altLang="zh-CN" sz="2000" smtClean="0"/>
-          </a:p>
-          <a:p>
-            <a:pPr marL="0" indent="0">
-              <a:buNone/>
-            </a:pPr>
-            <a:endParaRPr lang="en-US" altLang="zh-CN" sz="2000"/>
-          </a:p>
-          <a:p>
-            <a:pPr marL="0" indent="0">
-              <a:buNone/>
-            </a:pPr>
-            <a:endParaRPr lang="en-US" altLang="zh-CN" sz="2000" smtClean="0"/>
-          </a:p>
-          <a:p>
-            <a:pPr marL="0" indent="0">
-              <a:buNone/>
-            </a:pPr>
-            <a:r>
-              <a:rPr lang="zh-CN" altLang="en-US" sz="2000" smtClean="0"/>
-              <a:t>表达式</a:t>
-            </a:r>
-            <a:endParaRPr lang="en-US" altLang="zh-CN" sz="2000" smtClean="0"/>
-          </a:p>
-          <a:p>
-            <a:pPr marL="0" indent="0">
-              <a:buNone/>
-            </a:pPr>
-            <a:r>
-              <a:rPr lang="en-US" altLang="zh-CN" sz="1800" smtClean="0">
-                <a:solidFill>
-                  <a:srgbClr val="7030A0"/>
-                </a:solidFill>
-              </a:rPr>
-              <a:t>RANDOM NORMAL(</a:t>
-            </a:r>
-            <a:r>
-              <a:rPr lang="zh-CN" altLang="en-US" sz="1800" smtClean="0">
-                <a:solidFill>
-                  <a:srgbClr val="7030A0"/>
-                </a:solidFill>
-              </a:rPr>
-              <a:t>最小值</a:t>
-            </a:r>
-            <a:r>
-              <a:rPr lang="en-US" altLang="zh-CN" sz="1800" smtClean="0">
-                <a:solidFill>
-                  <a:srgbClr val="7030A0"/>
-                </a:solidFill>
-              </a:rPr>
-              <a:t>,</a:t>
-            </a:r>
-            <a:r>
-              <a:rPr lang="zh-CN" altLang="en-US" sz="1800" smtClean="0">
-                <a:solidFill>
-                  <a:srgbClr val="7030A0"/>
-                </a:solidFill>
-              </a:rPr>
-              <a:t>最大值</a:t>
-            </a:r>
-            <a:r>
-              <a:rPr lang="en-US" altLang="zh-CN" sz="1800" smtClean="0">
-                <a:solidFill>
-                  <a:srgbClr val="7030A0"/>
-                </a:solidFill>
-              </a:rPr>
-              <a:t>,</a:t>
-            </a:r>
-            <a:r>
-              <a:rPr lang="zh-CN" altLang="en-US" sz="1800" smtClean="0">
-                <a:solidFill>
-                  <a:srgbClr val="7030A0"/>
-                </a:solidFill>
-              </a:rPr>
-              <a:t>期望</a:t>
-            </a:r>
-            <a:r>
-              <a:rPr lang="en-US" altLang="zh-CN" sz="1800" smtClean="0">
-                <a:solidFill>
-                  <a:srgbClr val="7030A0"/>
-                </a:solidFill>
-              </a:rPr>
-              <a:t>,</a:t>
-            </a:r>
-            <a:r>
-              <a:rPr lang="zh-CN" altLang="en-US" sz="1800" smtClean="0">
-                <a:solidFill>
-                  <a:srgbClr val="7030A0"/>
-                </a:solidFill>
-              </a:rPr>
-              <a:t>标准差</a:t>
-            </a:r>
-            <a:r>
-              <a:rPr lang="en-US" altLang="zh-CN" sz="1800" smtClean="0">
-                <a:solidFill>
-                  <a:srgbClr val="7030A0"/>
-                </a:solidFill>
-              </a:rPr>
-              <a:t>,</a:t>
-            </a:r>
-            <a:r>
-              <a:rPr lang="zh-CN" altLang="en-US" sz="1800" smtClean="0">
-                <a:solidFill>
-                  <a:srgbClr val="7030A0"/>
-                </a:solidFill>
-              </a:rPr>
-              <a:t>随机数种子</a:t>
-            </a:r>
-            <a:r>
-              <a:rPr lang="en-US" altLang="zh-CN" sz="1800" smtClean="0">
-                <a:solidFill>
-                  <a:srgbClr val="7030A0"/>
-                </a:solidFill>
-              </a:rPr>
-              <a:t>)</a:t>
-            </a:r>
-            <a:endParaRPr lang="zh-CN" altLang="en-US" sz="1800">
-              <a:solidFill>
-                <a:srgbClr val="7030A0"/>
-              </a:solidFill>
-            </a:endParaRPr>
-          </a:p>
-        </p:txBody>
-      </p:sp>
-    </p:spTree>
-    <p:extLst>
-      <p:ext uri="{BB962C8B-B14F-4D97-AF65-F5344CB8AC3E}">
-        <p14:creationId xmlns:p14="http://schemas.microsoft.com/office/powerpoint/2010/main" val="188899427"/>
-      </p:ext>
-    </p:extLst>
-  </p:cSld>
-  <p:clrMapOvr>
-    <a:masterClrMapping/>
-  </p:clrMapOvr>
-  <mc:AlternateContent xmlns:mc="http://schemas.openxmlformats.org/markup-compatibility/2006" xmlns:p14="http://schemas.microsoft.com/office/powerpoint/2010/main">
-    <mc:Choice Requires="p14">
-      <p:transition spd="med" p14:dur="700">
-        <p:fade/>
-      </p:transition>
-    </mc:Choice>
-    <mc:Fallback xmlns="">
-      <p:transition spd="med">
-        <p:fade/>
-      </p:transition>
-    </mc:Fallback>
-  </mc:AlternateContent>
-  <p:timing>
-    <p:tnLst>
-      <p:par>
-        <p:cTn id="1" dur="indefinite" restart="never" nodeType="tmRoot"/>
-      </p:par>
-    </p:tnLst>
-  </p:timing>
-</p:sld>
-</file>
-
-<file path=ppt/slides/slide18.xml><?xml version="1.0" encoding="utf-8"?>
-<p:sld xmlns:a="http://schemas.openxmlformats.org/drawingml/2006/main" xmlns:r="http://schemas.openxmlformats.org/officeDocument/2006/relationships" xmlns:p="http://schemas.openxmlformats.org/presentationml/2006/main">
-  <p:cSld>
-    <p:spTree>
-      <p:nvGrpSpPr>
-        <p:cNvPr id="1" name=""/>
-        <p:cNvGrpSpPr/>
-        <p:nvPr/>
-      </p:nvGrpSpPr>
-      <p:grpSpPr>
-        <a:xfrm>
-          <a:off x="0" y="0"/>
-          <a:ext cx="0" cy="0"/>
-          <a:chOff x="0" y="0"/>
-          <a:chExt cx="0" cy="0"/>
-        </a:xfrm>
-      </p:grpSpPr>
-      <p:sp>
-        <p:nvSpPr>
-          <p:cNvPr id="2" name="标题 1"/>
-          <p:cNvSpPr>
-            <a:spLocks noGrp="1"/>
-          </p:cNvSpPr>
-          <p:nvPr>
-            <p:ph type="title"/>
-          </p:nvPr>
-        </p:nvSpPr>
-        <p:spPr/>
-        <p:txBody>
-          <a:bodyPr>
-            <a:normAutofit/>
-          </a:bodyPr>
-          <a:lstStyle/>
-          <a:p>
-            <a:r>
-              <a:rPr lang="zh-CN" altLang="en-US" sz="4000" dirty="0" smtClean="0"/>
-              <a:t>随机函数</a:t>
-            </a:r>
-            <a:endParaRPr lang="zh-CN" altLang="en-US" sz="4000" dirty="0"/>
-          </a:p>
-        </p:txBody>
-      </p:sp>
-      <p:sp>
-        <p:nvSpPr>
-          <p:cNvPr id="3" name="内容占位符 2"/>
-          <p:cNvSpPr>
-            <a:spLocks noGrp="1"/>
-          </p:cNvSpPr>
-          <p:nvPr>
-            <p:ph idx="1"/>
-          </p:nvPr>
-        </p:nvSpPr>
-        <p:spPr/>
-        <p:txBody>
-          <a:bodyPr/>
-          <a:lstStyle/>
-          <a:p>
-            <a:r>
-              <a:rPr lang="zh-CN" altLang="en-US" dirty="0"/>
-              <a:t>正态随机函数</a:t>
-            </a:r>
-            <a:endParaRPr lang="en-US" altLang="zh-CN" dirty="0" smtClean="0"/>
-          </a:p>
-          <a:p>
-            <a:r>
-              <a:rPr lang="zh-CN" altLang="en-US" dirty="0" smtClean="0"/>
-              <a:t>设置一个简单随机函数的输入系统</a:t>
-            </a:r>
-            <a:endParaRPr lang="zh-CN" altLang="en-US" dirty="0"/>
-          </a:p>
-        </p:txBody>
-      </p:sp>
-      <p:pic>
-        <p:nvPicPr>
-          <p:cNvPr id="4" name="图片 3"/>
-          <p:cNvPicPr>
-            <a:picLocks noChangeAspect="1"/>
-          </p:cNvPicPr>
-          <p:nvPr/>
-        </p:nvPicPr>
-        <p:blipFill>
-          <a:blip r:embed="rId2"/>
-          <a:stretch>
-            <a:fillRect/>
-          </a:stretch>
-        </p:blipFill>
-        <p:spPr>
-          <a:xfrm>
-            <a:off x="6073069" y="2924944"/>
-            <a:ext cx="5684436" cy="3613522"/>
-          </a:xfrm>
-          <a:prstGeom prst="rect">
-            <a:avLst/>
-          </a:prstGeom>
-        </p:spPr>
-      </p:pic>
-      <p:pic>
-        <p:nvPicPr>
-          <p:cNvPr id="6" name="图片 5"/>
-          <p:cNvPicPr>
-            <a:picLocks noChangeAspect="1"/>
-          </p:cNvPicPr>
-          <p:nvPr/>
-        </p:nvPicPr>
-        <p:blipFill>
-          <a:blip r:embed="rId3"/>
-          <a:stretch>
-            <a:fillRect/>
-          </a:stretch>
-        </p:blipFill>
-        <p:spPr>
-          <a:xfrm>
-            <a:off x="1593436" y="4221088"/>
-            <a:ext cx="4734770" cy="1549400"/>
-          </a:xfrm>
-          <a:prstGeom prst="rect">
-            <a:avLst/>
-          </a:prstGeom>
-        </p:spPr>
-      </p:pic>
-      <p:sp>
-        <p:nvSpPr>
-          <p:cNvPr id="7" name="矩形 6"/>
-          <p:cNvSpPr/>
-          <p:nvPr/>
-        </p:nvSpPr>
-        <p:spPr>
-          <a:xfrm>
-            <a:off x="1610286" y="3760475"/>
-            <a:ext cx="4523803" cy="369332"/>
-          </a:xfrm>
-          <a:prstGeom prst="rect">
-            <a:avLst/>
-          </a:prstGeom>
-        </p:spPr>
-        <p:txBody>
-          <a:bodyPr wrap="none">
-            <a:spAutoFit/>
-          </a:bodyPr>
-          <a:lstStyle/>
-          <a:p>
-            <a:r>
-              <a:rPr lang="en-US" altLang="zh-CN" dirty="0" smtClean="0">
-                <a:solidFill>
-                  <a:srgbClr val="7030A0"/>
-                </a:solidFill>
-              </a:rPr>
-              <a:t>inflow=</a:t>
-            </a:r>
-            <a:r>
-              <a:rPr lang="zh-CN" altLang="en-US" dirty="0" smtClean="0">
-                <a:solidFill>
-                  <a:srgbClr val="7030A0"/>
-                </a:solidFill>
-              </a:rPr>
-              <a:t>RANDOM </a:t>
-            </a:r>
-            <a:r>
-              <a:rPr lang="zh-CN" altLang="en-US" dirty="0">
-                <a:solidFill>
-                  <a:srgbClr val="7030A0"/>
-                </a:solidFill>
-              </a:rPr>
-              <a:t>NORMAL(1, 10,7 , 2 , 12)</a:t>
-            </a:r>
-          </a:p>
-        </p:txBody>
-      </p:sp>
-    </p:spTree>
-    <p:extLst>
-      <p:ext uri="{BB962C8B-B14F-4D97-AF65-F5344CB8AC3E}">
-        <p14:creationId xmlns:p14="http://schemas.microsoft.com/office/powerpoint/2010/main" val="3549824048"/>
-      </p:ext>
-    </p:extLst>
-  </p:cSld>
-  <p:clrMapOvr>
-    <a:masterClrMapping/>
-  </p:clrMapOvr>
-  <mc:AlternateContent xmlns:mc="http://schemas.openxmlformats.org/markup-compatibility/2006" xmlns:p14="http://schemas.microsoft.com/office/powerpoint/2010/main">
-    <mc:Choice Requires="p14">
-      <p:transition spd="med" p14:dur="700">
-        <p:fade/>
-      </p:transition>
-    </mc:Choice>
-    <mc:Fallback xmlns="">
-      <p:transition spd="med">
-        <p:fade/>
-      </p:transition>
-    </mc:Fallback>
-  </mc:AlternateContent>
-  <p:timing>
-    <p:tnLst>
-      <p:par>
-        <p:cTn id="1" dur="indefinite" restart="never" nodeType="tmRoot"/>
-      </p:par>
-    </p:tnLst>
-  </p:timing>
-</p:sld>
-</file>
-
 <file path=ppt/slides/slide19.xml><?xml version="1.0" encoding="utf-8"?>
 <p:sld xmlns:a="http://schemas.openxmlformats.org/drawingml/2006/main" xmlns:r="http://schemas.openxmlformats.org/officeDocument/2006/relationships" xmlns:p="http://schemas.openxmlformats.org/presentationml/2006/main">
   <p:cSld>
@@ -10325,7 +10319,15 @@
                   <a:srgbClr val="7030A0"/>
                 </a:solidFill>
               </a:rPr>
-              <a:t>RANDOM NORMAL(</a:t>
+              <a:t>RANDOM </a:t>
+            </a:r>
+            <a:r>
+              <a:rPr lang="en-US" altLang="zh-CN" sz="1600" dirty="0" smtClean="0">
+                <a:solidFill>
+                  <a:srgbClr val="7030A0"/>
+                </a:solidFill>
+              </a:rPr>
+              <a:t>UNIFORM(</a:t>
             </a:r>
             <a:r>
               <a:rPr lang="zh-CN" altLang="en-US" sz="1600" dirty="0" smtClean="0">
@@ -10606,6 +10608,10 @@
             <a:pPr algn="ctr"/>
             <a:r>
               <a:rPr lang="zh-CN" altLang="en-US" dirty="0" smtClean="0"/>
+              <a:t>一、</a:t>
+            </a:r>
+            <a:r>
+              <a:rPr lang="zh-CN" altLang="en-US" dirty="0" smtClean="0"/>
               <a:t>逻辑函数</a:t>
             </a:r>
             <a:endParaRPr lang="zh-CN" altLang="en-US" dirty="0"/>
@@ -11054,28 +11060,28 @@
           <a:lstStyle/>
           <a:p>
             <a:r>
-              <a:rPr lang="zh-CN" altLang="en-US" smtClean="0"/>
+              <a:rPr lang="zh-CN" altLang="en-US" dirty="0" smtClean="0"/>
               <a:t>泊松分布描述了一种排队现象，即</a:t>
             </a:r>
-            <a:endParaRPr lang="en-US" altLang="zh-CN" smtClean="0"/>
+            <a:endParaRPr lang="en-US" altLang="zh-CN" dirty="0" smtClean="0"/>
           </a:p>
           <a:p>
             <a:pPr marL="0" indent="0">
               <a:buNone/>
             </a:pPr>
             <a:r>
-              <a:rPr lang="zh-CN" altLang="en-US" smtClean="0"/>
+              <a:rPr lang="zh-CN" altLang="en-US" dirty="0" smtClean="0"/>
               <a:t>某售后服务部每天收到的维修数量服从泊松分布，假设我们设置一年</a:t>
             </a:r>
             <a:r>
-              <a:rPr lang="en-US" altLang="zh-CN" smtClean="0"/>
+              <a:rPr lang="en-US" altLang="zh-CN" dirty="0" smtClean="0"/>
               <a:t>52</a:t>
             </a:r>
             <a:r>
-              <a:rPr lang="zh-CN" altLang="en-US" smtClean="0"/>
+              <a:rPr lang="zh-CN" altLang="en-US" dirty="0" smtClean="0"/>
               <a:t>周的服务工作量安排，对应相应服务能力，利用仿真模型检验工作安排是否能够满足服务需求</a:t>
             </a:r>
-            <a:endParaRPr lang="zh-CN" altLang="en-US"/>
+            <a:endParaRPr lang="zh-CN" altLang="en-US" dirty="0"/>
           </a:p>
         </p:txBody>
       </p:sp>
@@ -11083,467 +11089,6 @@
     <p:extLst>
       <p:ext uri="{BB962C8B-B14F-4D97-AF65-F5344CB8AC3E}">
         <p14:creationId xmlns:p14="http://schemas.microsoft.com/office/powerpoint/2010/main" val="450129276"/>
-      </p:ext>
-    </p:extLst>
-  </p:cSld>
-  <p:clrMapOvr>
-    <a:masterClrMapping/>
-  </p:clrMapOvr>
-  <mc:AlternateContent xmlns:mc="http://schemas.openxmlformats.org/markup-compatibility/2006" xmlns:p14="http://schemas.microsoft.com/office/powerpoint/2010/main">
-    <mc:Choice Requires="p14">
-      <p:transition spd="med" p14:dur="700">
-        <p:fade/>
-      </p:transition>
-    </mc:Choice>
-    <mc:Fallback xmlns="">
-      <p:transition spd="med">
-        <p:fade/>
-      </p:transition>
-    </mc:Fallback>
-  </mc:AlternateContent>
-</p:sld>
-</file>
-
-<file path=ppt/slides/slide21.xml><?xml version="1.0" encoding="utf-8"?>
-<p:sld xmlns:a="http://schemas.openxmlformats.org/drawingml/2006/main" xmlns:r="http://schemas.openxmlformats.org/officeDocument/2006/relationships" xmlns:p="http://schemas.openxmlformats.org/presentationml/2006/main">
-  <p:cSld>
-    <p:spTree>
-      <p:nvGrpSpPr>
-        <p:cNvPr id="1" name=""/>
-        <p:cNvGrpSpPr/>
-        <p:nvPr/>
-      </p:nvGrpSpPr>
-      <p:grpSpPr>
-        <a:xfrm>
-          <a:off x="0" y="0"/>
-          <a:ext cx="0" cy="0"/>
-          <a:chOff x="0" y="0"/>
-          <a:chExt cx="0" cy="0"/>
-        </a:xfrm>
-      </p:grpSpPr>
-      <p:sp>
-        <p:nvSpPr>
-          <p:cNvPr id="2" name="标题 1"/>
-          <p:cNvSpPr>
-            <a:spLocks noGrp="1"/>
-          </p:cNvSpPr>
-          <p:nvPr>
-            <p:ph type="title"/>
-          </p:nvPr>
-        </p:nvSpPr>
-        <p:spPr/>
-        <p:txBody>
-          <a:bodyPr/>
-          <a:lstStyle/>
-          <a:p>
-            <a:r>
-              <a:rPr lang="zh-CN" altLang="en-US" smtClean="0"/>
-              <a:t>案例：仓库管理的仿真系统</a:t>
-            </a:r>
-            <a:endParaRPr lang="zh-CN" altLang="en-US"/>
-          </a:p>
-        </p:txBody>
-      </p:sp>
-      <p:pic>
-        <p:nvPicPr>
-          <p:cNvPr id="6" name="图片 5"/>
-          <p:cNvPicPr>
-            <a:picLocks noChangeAspect="1"/>
-          </p:cNvPicPr>
-          <p:nvPr/>
-        </p:nvPicPr>
-        <p:blipFill>
-          <a:blip r:embed="rId2"/>
-          <a:stretch>
-            <a:fillRect/>
-          </a:stretch>
-        </p:blipFill>
-        <p:spPr>
-          <a:xfrm>
-            <a:off x="1413892" y="1844824"/>
-            <a:ext cx="7004262" cy="4784452"/>
-          </a:xfrm>
-          <a:prstGeom prst="rect">
-            <a:avLst/>
-          </a:prstGeom>
-        </p:spPr>
-      </p:pic>
-      <p:sp>
-        <p:nvSpPr>
-          <p:cNvPr id="7" name="内容占位符 2"/>
-          <p:cNvSpPr txBox="1">
-            <a:spLocks/>
-          </p:cNvSpPr>
-          <p:nvPr/>
-        </p:nvSpPr>
-        <p:spPr>
-          <a:xfrm>
-            <a:off x="7534572" y="1844824"/>
-            <a:ext cx="4464497" cy="4572000"/>
-          </a:xfrm>
-          <a:prstGeom prst="rect">
-            <a:avLst/>
-          </a:prstGeom>
-        </p:spPr>
-        <p:txBody>
-          <a:bodyPr vert="horz" lIns="91440" tIns="45720" rIns="91440" bIns="45720" rtlCol="0">
-            <a:normAutofit fontScale="85000" lnSpcReduction="20000"/>
-          </a:bodyPr>
-          <a:lstStyle>
-            <a:lvl1pPr marL="246888" indent="-246888" algn="l" defTabSz="914400" rtl="0" eaLnBrk="1" latinLnBrk="0" hangingPunct="1">
-              <a:lnSpc>
-                <a:spcPct val="90000"/>
-              </a:lnSpc>
-              <a:spcBef>
-                <a:spcPts val="1400"/>
-              </a:spcBef>
-              <a:buFont typeface="Euphemia" pitchFamily="34" charset="0"/>
-              <a:buChar char="›"/>
-              <a:defRPr sz="2800" kern="1200">
-                <a:solidFill>
-                  <a:schemeClr val="tx1"/>
-                </a:solidFill>
-                <a:latin typeface="微软雅黑" panose="020B0503020204020204" pitchFamily="34" charset="-122"/>
-                <a:ea typeface="微软雅黑" panose="020B0503020204020204" pitchFamily="34" charset="-122"/>
-                <a:cs typeface="+mn-cs"/>
-              </a:defRPr>
-            </a:lvl1pPr>
-            <a:lvl2pPr marL="612648" indent="-246888" algn="l" defTabSz="914400" rtl="0" eaLnBrk="1" latinLnBrk="0" hangingPunct="1">
-              <a:lnSpc>
-                <a:spcPct val="90000"/>
-              </a:lnSpc>
-              <a:spcBef>
-                <a:spcPts val="600"/>
-              </a:spcBef>
-              <a:buFont typeface="Euphemia" pitchFamily="34" charset="0"/>
-              <a:buChar char="–"/>
-              <a:defRPr sz="2400" kern="1200">
-                <a:solidFill>
-                  <a:schemeClr val="tx1"/>
-                </a:solidFill>
-                <a:latin typeface="微软雅黑" panose="020B0503020204020204" pitchFamily="34" charset="-122"/>
-                <a:ea typeface="微软雅黑" panose="020B0503020204020204" pitchFamily="34" charset="-122"/>
-                <a:cs typeface="+mn-cs"/>
-              </a:defRPr>
-            </a:lvl2pPr>
-            <a:lvl3pPr marL="978408" indent="-246888" algn="l" defTabSz="914400" rtl="0" eaLnBrk="1" latinLnBrk="0" hangingPunct="1">
-              <a:lnSpc>
-                <a:spcPct val="90000"/>
-              </a:lnSpc>
-              <a:spcBef>
-                <a:spcPts val="600"/>
-              </a:spcBef>
-              <a:buFont typeface="Euphemia" pitchFamily="34" charset="0"/>
-              <a:buChar char="›"/>
-              <a:defRPr sz="2000" kern="1200">
-                <a:solidFill>
-                  <a:schemeClr val="tx1"/>
-                </a:solidFill>
-                <a:latin typeface="微软雅黑" panose="020B0503020204020204" pitchFamily="34" charset="-122"/>
-                <a:ea typeface="微软雅黑" panose="020B0503020204020204" pitchFamily="34" charset="-122"/>
-                <a:cs typeface="+mn-cs"/>
-              </a:defRPr>
-            </a:lvl3pPr>
-            <a:lvl4pPr marL="1344168" indent="-246888" algn="l" defTabSz="914400" rtl="0" eaLnBrk="1" latinLnBrk="0" hangingPunct="1">
-              <a:lnSpc>
-                <a:spcPct val="90000"/>
-              </a:lnSpc>
-              <a:spcBef>
-                <a:spcPts val="600"/>
-              </a:spcBef>
-              <a:buFont typeface="Arial" pitchFamily="34" charset="0"/>
-              <a:buChar char="–"/>
-              <a:defRPr sz="1800" kern="1200">
-                <a:solidFill>
-                  <a:schemeClr val="tx1"/>
-                </a:solidFill>
-                <a:latin typeface="微软雅黑" panose="020B0503020204020204" pitchFamily="34" charset="-122"/>
-                <a:ea typeface="微软雅黑" panose="020B0503020204020204" pitchFamily="34" charset="-122"/>
-                <a:cs typeface="+mn-cs"/>
-              </a:defRPr>
-            </a:lvl4pPr>
-            <a:lvl5pPr marL="1709928" indent="-246888" algn="l" defTabSz="914400" rtl="0" eaLnBrk="1" latinLnBrk="0" hangingPunct="1">
-              <a:lnSpc>
-                <a:spcPct val="90000"/>
-              </a:lnSpc>
-              <a:spcBef>
-                <a:spcPts val="600"/>
-              </a:spcBef>
-              <a:buFont typeface="Euphemia" pitchFamily="34" charset="0"/>
-              <a:buChar char="›"/>
-              <a:defRPr sz="1800" kern="1200">
-                <a:solidFill>
-                  <a:schemeClr val="tx1"/>
-                </a:solidFill>
-                <a:latin typeface="微软雅黑" panose="020B0503020204020204" pitchFamily="34" charset="-122"/>
-                <a:ea typeface="微软雅黑" panose="020B0503020204020204" pitchFamily="34" charset="-122"/>
-                <a:cs typeface="+mn-cs"/>
-              </a:defRPr>
-            </a:lvl5pPr>
-            <a:lvl6pPr marL="2075688" indent="-246888" algn="l" defTabSz="914400" rtl="0" eaLnBrk="1" latinLnBrk="0" hangingPunct="1">
-              <a:lnSpc>
-                <a:spcPct val="90000"/>
-              </a:lnSpc>
-              <a:spcBef>
-                <a:spcPts val="600"/>
-              </a:spcBef>
-              <a:buFont typeface="Euphemia" pitchFamily="34" charset="0"/>
-              <a:buChar char="–"/>
-              <a:defRPr sz="1800" kern="1200">
-                <a:solidFill>
-                  <a:schemeClr val="tx1"/>
-                </a:solidFill>
-                <a:latin typeface="+mn-lt"/>
-                <a:ea typeface="+mn-ea"/>
-                <a:cs typeface="+mn-cs"/>
-              </a:defRPr>
-            </a:lvl6pPr>
-            <a:lvl7pPr marL="2441448" indent="-246888" algn="l" defTabSz="914400" rtl="0" eaLnBrk="1" latinLnBrk="0" hangingPunct="1">
-              <a:lnSpc>
-                <a:spcPct val="90000"/>
-              </a:lnSpc>
-              <a:spcBef>
-                <a:spcPts val="600"/>
-              </a:spcBef>
-              <a:buFont typeface="Euphemia" pitchFamily="34" charset="0"/>
-              <a:buChar char="›"/>
-              <a:defRPr sz="1800" kern="1200">
-                <a:solidFill>
-                  <a:schemeClr val="tx1"/>
-                </a:solidFill>
-                <a:latin typeface="+mn-lt"/>
-                <a:ea typeface="+mn-ea"/>
-                <a:cs typeface="+mn-cs"/>
-              </a:defRPr>
-            </a:lvl7pPr>
-            <a:lvl8pPr marL="2807208" indent="-246888" algn="l" defTabSz="914400" rtl="0" eaLnBrk="1" latinLnBrk="0" hangingPunct="1">
-              <a:lnSpc>
-                <a:spcPct val="90000"/>
-              </a:lnSpc>
-              <a:spcBef>
-                <a:spcPts val="600"/>
-              </a:spcBef>
-              <a:buFont typeface="Euphemia" pitchFamily="34" charset="0"/>
-              <a:buChar char="–"/>
-              <a:defRPr sz="1800" kern="1200" baseline="0">
-                <a:solidFill>
-                  <a:schemeClr val="tx1"/>
-                </a:solidFill>
-                <a:latin typeface="+mn-lt"/>
-                <a:ea typeface="+mn-ea"/>
-                <a:cs typeface="+mn-cs"/>
-              </a:defRPr>
-            </a:lvl8pPr>
-            <a:lvl9pPr marL="3172968" indent="-246888" algn="l" defTabSz="914400" rtl="0" eaLnBrk="1" latinLnBrk="0" hangingPunct="1">
-              <a:lnSpc>
-                <a:spcPct val="90000"/>
-              </a:lnSpc>
-              <a:spcBef>
-                <a:spcPts val="600"/>
-              </a:spcBef>
-              <a:buFont typeface="Euphemia" pitchFamily="34" charset="0"/>
-              <a:buChar char="›"/>
-              <a:defRPr sz="1800" kern="1200" baseline="0">
-                <a:solidFill>
-                  <a:schemeClr val="tx1"/>
-                </a:solidFill>
-                <a:latin typeface="+mn-lt"/>
-                <a:ea typeface="+mn-ea"/>
-                <a:cs typeface="+mn-cs"/>
-              </a:defRPr>
-            </a:lvl9pPr>
-          </a:lstStyle>
-          <a:p>
-            <a:pPr marL="0" indent="0">
-              <a:buNone/>
-            </a:pPr>
-            <a:r>
-              <a:rPr lang="en-US" altLang="zh-CN" sz="2400" smtClean="0"/>
-              <a:t>INV=INTEG(ORDERS-SHIP,300)</a:t>
-            </a:r>
-          </a:p>
-          <a:p>
-            <a:pPr marL="0" indent="0">
-              <a:buNone/>
-            </a:pPr>
-            <a:r>
-              <a:rPr lang="en-US" altLang="zh-CN" sz="2400" smtClean="0"/>
-              <a:t>ORDERS=DELAY3(INVADJ+AVSHIP,DEL)</a:t>
-            </a:r>
-          </a:p>
-          <a:p>
-            <a:pPr marL="0" indent="0">
-              <a:buNone/>
-            </a:pPr>
-            <a:r>
-              <a:rPr lang="en-US" altLang="zh-CN" sz="2400" smtClean="0"/>
-              <a:t>SHIP=NSHIP+TEST</a:t>
-            </a:r>
-          </a:p>
-          <a:p>
-            <a:pPr marL="0" indent="0">
-              <a:buNone/>
-            </a:pPr>
-            <a:r>
-              <a:rPr lang="en-US" altLang="zh-CN" sz="2400" smtClean="0"/>
-              <a:t>INVADJ=(DSINV-INV)/LAT</a:t>
-            </a:r>
-          </a:p>
-          <a:p>
-            <a:pPr marL="0" indent="0">
-              <a:buNone/>
-            </a:pPr>
-            <a:r>
-              <a:rPr lang="en-US" altLang="zh-CN" sz="2400" smtClean="0"/>
-              <a:t>DSINV=DIC*NSHIP</a:t>
-            </a:r>
-          </a:p>
-          <a:p>
-            <a:pPr marL="0" indent="0">
-              <a:buNone/>
-            </a:pPr>
-            <a:r>
-              <a:rPr lang="en-US" altLang="zh-CN" sz="2400" smtClean="0"/>
-              <a:t>AVSHIP=SMOOTH(SHIP,TAS)</a:t>
-            </a:r>
-          </a:p>
-          <a:p>
-            <a:pPr marL="0" indent="0">
-              <a:buNone/>
-            </a:pPr>
-            <a:r>
-              <a:rPr lang="en-US" altLang="zh-CN" sz="2400" smtClean="0"/>
-              <a:t>NSHIP=100</a:t>
-            </a:r>
-          </a:p>
-          <a:p>
-            <a:pPr marL="0" indent="0">
-              <a:buNone/>
-            </a:pPr>
-            <a:r>
-              <a:rPr lang="en-US" altLang="zh-CN" sz="2400" smtClean="0"/>
-              <a:t>DEL=3</a:t>
-            </a:r>
-          </a:p>
-          <a:p>
-            <a:pPr marL="0" indent="0">
-              <a:buNone/>
-            </a:pPr>
-            <a:r>
-              <a:rPr lang="en-US" altLang="zh-CN" sz="2400" smtClean="0"/>
-              <a:t>LAT=2</a:t>
-            </a:r>
-          </a:p>
-          <a:p>
-            <a:pPr marL="0" indent="0">
-              <a:buNone/>
-            </a:pPr>
-            <a:r>
-              <a:rPr lang="en-US" altLang="zh-CN" sz="2400" smtClean="0"/>
-              <a:t>DIC=3</a:t>
-            </a:r>
-          </a:p>
-          <a:p>
-            <a:pPr marL="0" indent="0">
-              <a:buNone/>
-            </a:pPr>
-            <a:r>
-              <a:rPr lang="en-US" altLang="zh-CN" sz="2400" smtClean="0"/>
-              <a:t>TAS=2</a:t>
-            </a:r>
-            <a:endParaRPr lang="zh-CN" altLang="en-US" sz="2400"/>
-          </a:p>
-        </p:txBody>
-      </p:sp>
-    </p:spTree>
-    <p:extLst>
-      <p:ext uri="{BB962C8B-B14F-4D97-AF65-F5344CB8AC3E}">
-        <p14:creationId xmlns:p14="http://schemas.microsoft.com/office/powerpoint/2010/main" val="1822771729"/>
-      </p:ext>
-    </p:extLst>
-  </p:cSld>
-  <p:clrMapOvr>
-    <a:masterClrMapping/>
-  </p:clrMapOvr>
-  <mc:AlternateContent xmlns:mc="http://schemas.openxmlformats.org/markup-compatibility/2006" xmlns:p14="http://schemas.microsoft.com/office/powerpoint/2010/main">
-    <mc:Choice Requires="p14">
-      <p:transition spd="med" p14:dur="700">
-        <p:fade/>
-      </p:transition>
-    </mc:Choice>
-    <mc:Fallback xmlns="">
-      <p:transition spd="med">
-        <p:fade/>
-      </p:transition>
-    </mc:Fallback>
-  </mc:AlternateContent>
-</p:sld>
-</file>
-
-<file path=ppt/slides/slide22.xml><?xml version="1.0" encoding="utf-8"?>
-<p:sld xmlns:a="http://schemas.openxmlformats.org/drawingml/2006/main" xmlns:r="http://schemas.openxmlformats.org/officeDocument/2006/relationships" xmlns:p="http://schemas.openxmlformats.org/presentationml/2006/main">
-  <p:cSld>
-    <p:spTree>
-      <p:nvGrpSpPr>
-        <p:cNvPr id="1" name=""/>
-        <p:cNvGrpSpPr/>
-        <p:nvPr/>
-      </p:nvGrpSpPr>
-      <p:grpSpPr>
-        <a:xfrm>
-          <a:off x="0" y="0"/>
-          <a:ext cx="0" cy="0"/>
-          <a:chOff x="0" y="0"/>
-          <a:chExt cx="0" cy="0"/>
-        </a:xfrm>
-      </p:grpSpPr>
-      <p:sp>
-        <p:nvSpPr>
-          <p:cNvPr id="2" name="标题 1"/>
-          <p:cNvSpPr>
-            <a:spLocks noGrp="1"/>
-          </p:cNvSpPr>
-          <p:nvPr>
-            <p:ph type="title"/>
-          </p:nvPr>
-        </p:nvSpPr>
-        <p:spPr/>
-        <p:txBody>
-          <a:bodyPr/>
-          <a:lstStyle/>
-          <a:p>
-            <a:endParaRPr lang="zh-CN" altLang="en-US"/>
-          </a:p>
-        </p:txBody>
-      </p:sp>
-      <p:pic>
-        <p:nvPicPr>
-          <p:cNvPr id="4" name="图片 3"/>
-          <p:cNvPicPr>
-            <a:picLocks noChangeAspect="1"/>
-          </p:cNvPicPr>
-          <p:nvPr/>
-        </p:nvPicPr>
-        <p:blipFill>
-          <a:blip r:embed="rId2"/>
-          <a:stretch>
-            <a:fillRect/>
-          </a:stretch>
-        </p:blipFill>
-        <p:spPr>
-          <a:xfrm>
-            <a:off x="1341884" y="1556792"/>
-            <a:ext cx="7070120" cy="5017865"/>
-          </a:xfrm>
-          <a:prstGeom prst="rect">
-            <a:avLst/>
-          </a:prstGeom>
-        </p:spPr>
-      </p:pic>
-    </p:spTree>
-    <p:extLst>
-      <p:ext uri="{BB962C8B-B14F-4D97-AF65-F5344CB8AC3E}">
-        <p14:creationId xmlns:p14="http://schemas.microsoft.com/office/powerpoint/2010/main" val="187010078"/>
       </p:ext>
     </p:extLst>
   </p:cSld>
@@ -11598,10 +11143,10 @@
           <a:lstStyle/>
           <a:p>
             <a:r>
-              <a:rPr lang="zh-CN" altLang="en-US" smtClean="0"/>
+              <a:rPr lang="zh-CN" altLang="en-US" dirty="0" smtClean="0"/>
               <a:t>比较函数</a:t>
             </a:r>
-            <a:endParaRPr lang="zh-CN" altLang="en-US"/>
+            <a:endParaRPr lang="zh-CN" altLang="en-US" dirty="0"/>
           </a:p>
         </p:txBody>
       </p:sp>
@@ -11621,10 +11166,14 @@
           <a:lstStyle/>
           <a:p>
             <a:r>
-              <a:rPr lang="zh-CN" altLang="en-US" smtClean="0"/>
-              <a:t>比较函数可以起到二选一的作用</a:t>
-            </a:r>
-            <a:endParaRPr lang="zh-CN" altLang="en-US"/>
+              <a:rPr lang="zh-CN" altLang="en-US" dirty="0" smtClean="0"/>
+              <a:t>比较</a:t>
+            </a:r>
+            <a:r>
+              <a:rPr lang="zh-CN" altLang="en-US" dirty="0" smtClean="0"/>
+              <a:t>函数可以起到二选一的作用</a:t>
+            </a:r>
+            <a:endParaRPr lang="zh-CN" altLang="en-US" dirty="0"/>
           </a:p>
         </p:txBody>
       </p:sp>
@@ -11651,23 +11200,39 @@
           <a:lstStyle/>
           <a:p>
             <a:r>
-              <a:rPr lang="zh-CN" altLang="en-US" smtClean="0"/>
+              <a:rPr lang="zh-CN" altLang="en-US" dirty="0" smtClean="0"/>
               <a:t>常见的比较大小函数</a:t>
             </a:r>
-            <a:endParaRPr lang="en-US" altLang="zh-CN" smtClean="0"/>
-          </a:p>
-          <a:p>
-            <a:r>
-              <a:rPr lang="en-US" altLang="zh-CN" smtClean="0"/>
-              <a:t>max(p,q)</a:t>
-            </a:r>
-          </a:p>
-          <a:p>
-            <a:r>
-              <a:rPr lang="en-US" altLang="zh-CN" smtClean="0"/>
-              <a:t>min(p,q)</a:t>
-            </a:r>
-            <a:endParaRPr lang="zh-CN" altLang="en-US"/>
+            <a:endParaRPr lang="en-US" altLang="zh-CN" dirty="0" smtClean="0"/>
+          </a:p>
+          <a:p>
+            <a:r>
+              <a:rPr lang="en-US" altLang="zh-CN" dirty="0" smtClean="0"/>
+              <a:t>max(</a:t>
+            </a:r>
+            <a:r>
+              <a:rPr lang="en-US" altLang="zh-CN" dirty="0" err="1" smtClean="0"/>
+              <a:t>p,q</a:t>
+            </a:r>
+            <a:r>
+              <a:rPr lang="en-US" altLang="zh-CN" dirty="0" smtClean="0"/>
+              <a:t>)</a:t>
+            </a:r>
+          </a:p>
+          <a:p>
+            <a:r>
+              <a:rPr lang="en-US" altLang="zh-CN" dirty="0" smtClean="0"/>
+              <a:t>min(</a:t>
+            </a:r>
+            <a:r>
+              <a:rPr lang="en-US" altLang="zh-CN" dirty="0" err="1" smtClean="0"/>
+              <a:t>p,q</a:t>
+            </a:r>
+            <a:r>
+              <a:rPr lang="en-US" altLang="zh-CN" dirty="0" smtClean="0"/>
+              <a:t>)</a:t>
+            </a:r>
+            <a:endParaRPr lang="zh-CN" altLang="en-US" dirty="0"/>
           </a:p>
         </p:txBody>
       </p:sp>
@@ -12026,17 +11591,17 @@
           <a:lstStyle/>
           <a:p>
             <a:r>
-              <a:rPr lang="zh-CN" altLang="en-US" smtClean="0"/>
+              <a:rPr lang="zh-CN" altLang="en-US" dirty="0" smtClean="0"/>
               <a:t>逻辑运算</a:t>
             </a:r>
-            <a:endParaRPr lang="en-US" altLang="zh-CN" smtClean="0"/>
+            <a:endParaRPr lang="en-US" altLang="zh-CN" dirty="0" smtClean="0"/>
           </a:p>
           <a:p>
             <a:pPr marL="365760" lvl="1" indent="0">
               <a:buNone/>
             </a:pPr>
             <a:r>
-              <a:rPr lang="en-US" altLang="zh-CN" smtClean="0"/>
+              <a:rPr lang="en-US" altLang="zh-CN" dirty="0" smtClean="0"/>
               <a:t>:and:</a:t>
             </a:r>
           </a:p>
@@ -12045,7 +11610,7 @@
               <a:buNone/>
             </a:pPr>
             <a:r>
-              <a:rPr lang="en-US" altLang="zh-CN" smtClean="0"/>
+              <a:rPr lang="en-US" altLang="zh-CN" dirty="0" smtClean="0"/>
               <a:t>:or:</a:t>
             </a:r>
           </a:p>
@@ -12054,10 +11619,10 @@
               <a:buNone/>
             </a:pPr>
             <a:r>
-              <a:rPr lang="en-US" altLang="zh-CN" smtClean="0"/>
+              <a:rPr lang="en-US" altLang="zh-CN" dirty="0" smtClean="0"/>
               <a:t>:not:</a:t>
             </a:r>
-            <a:endParaRPr lang="zh-CN" altLang="en-US"/>
+            <a:endParaRPr lang="zh-CN" altLang="en-US" dirty="0"/>
           </a:p>
         </p:txBody>
       </p:sp>
@@ -12260,28 +11825,6 @@
       </p:grpSpPr>
       <p:sp>
         <p:nvSpPr>
-          <p:cNvPr id="2" name="标题 1"/>
-          <p:cNvSpPr>
-            <a:spLocks noGrp="1"/>
-          </p:cNvSpPr>
-          <p:nvPr>
-            <p:ph type="title"/>
-          </p:nvPr>
-        </p:nvSpPr>
-        <p:spPr/>
-        <p:txBody>
-          <a:bodyPr/>
-          <a:lstStyle/>
-          <a:p>
-            <a:r>
-              <a:rPr lang="zh-CN" altLang="en-US"/>
-              <a:t>逻辑函数</a:t>
-            </a:r>
-          </a:p>
-        </p:txBody>
-      </p:sp>
-      <p:sp>
-        <p:nvSpPr>
           <p:cNvPr id="3" name="内容占位符 2"/>
           <p:cNvSpPr>
             <a:spLocks noGrp="1"/>
@@ -12372,6 +11915,29 @@
               <a:t>price2=1.2*cos(0.3*Time)</a:t>
             </a:r>
             <a:endParaRPr lang="zh-CN" altLang="en-US"/>
+          </a:p>
+        </p:txBody>
+      </p:sp>
+      <p:sp>
+        <p:nvSpPr>
+          <p:cNvPr id="7" name="标题 6"/>
+          <p:cNvSpPr>
+            <a:spLocks noGrp="1"/>
+          </p:cNvSpPr>
+          <p:nvPr>
+            <p:ph type="title"/>
+          </p:nvPr>
+        </p:nvSpPr>
+        <p:spPr/>
+        <p:txBody>
+          <a:bodyPr/>
+          <a:lstStyle/>
+          <a:p>
+            <a:r>
+              <a:rPr lang="zh-CN" altLang="en-US" dirty="0" smtClean="0"/>
+              <a:t>条件选择函数</a:t>
+            </a:r>
+            <a:endParaRPr lang="zh-CN" altLang="en-US" dirty="0"/>
           </a:p>
         </p:txBody>
       </p:sp>
@@ -12439,11 +12005,16 @@
           <a:bodyPr/>
           <a:lstStyle/>
           <a:p>
-            <a:r>
-              <a:rPr lang="zh-CN" altLang="en-US" smtClean="0"/>
-              <a:t>表函数</a:t>
-            </a:r>
-            <a:endParaRPr lang="zh-CN" altLang="en-US"/>
+            <a:pPr algn="ctr"/>
+            <a:r>
+              <a:rPr lang="zh-CN" altLang="en-US" dirty="0" smtClean="0"/>
+              <a:t>二、表</a:t>
+            </a:r>
+            <a:r>
+              <a:rPr lang="zh-CN" altLang="en-US" dirty="0" smtClean="0"/>
+              <a:t>函数</a:t>
+            </a:r>
+            <a:endParaRPr lang="zh-CN" altLang="en-US" dirty="0"/>
           </a:p>
         </p:txBody>
       </p:sp>
@@ -13511,23 +13082,11 @@
 
 <file path=customXml/item2.xml><?xml version="1.0" encoding="utf-8"?>
 <Control xmlns="http://schemas.microsoft.com/VisualStudio/2011/storyboarding/control">
-  <Id Name="System.Storyboarding.Annotation.StickyNote" Revision="1" Stencil="System.Storyboarding.Annotation" StencilVersion="0.1"/>
+  <Id Name="5e505f8e-b0aa-429a-bb4c-92ab0e8a8ee6" RevisionId="d2083f08-ba4f-4330-87aa-e4d23a4443d7" Stencil="172d6d98-e5c9-42e9-a209-79f7a94bbd38" StencilRevisionId="00000000-0000-0000-0000-000000000000" StencilVersion="0.0"/>
 </Control>
 </file>
 
 <file path=customXml/item3.xml><?xml version="1.0" encoding="utf-8"?>
-<Control xmlns="http://schemas.microsoft.com/VisualStudio/2011/storyboarding/control">
-  <Id Name="System.Storyboarding.Annotation.StickyNote" Revision="1" Stencil="System.Storyboarding.Annotation" StencilVersion="0.1"/>
-</Control>
-</file>
-
-<file path=customXml/item4.xml><?xml version="1.0" encoding="utf-8"?>
-<Control xmlns="http://schemas.microsoft.com/VisualStudio/2011/storyboarding/control">
-  <Id Name="System.Storyboarding.WindowsApps.WindowsAppsListBox" Revision="1" Stencil="System.Storyboarding.WindowsApps" StencilVersion="0.1"/>
-</Control>
-</file>
-
-<file path=customXml/item5.xml><?xml version="1.0" encoding="utf-8"?>
 <p:properties xmlns:p="http://schemas.microsoft.com/office/2006/metadata/properties" xmlns:xsi="http://www.w3.org/2001/XMLSchema-instance" xmlns:pc="http://schemas.microsoft.com/office/infopath/2007/PartnerControls">
   <documentManagement>
     <_dlc_DocId xmlns="b4ebf394-daf6-497a-96c5-a2f8c10b38cf">TT6HZDVJM2HV-178-321</_dlc_DocId>
@@ -13539,9 +13098,21 @@
 </p:properties>
 </file>
 
+<file path=customXml/item4.xml><?xml version="1.0" encoding="utf-8"?>
+<Control xmlns="http://schemas.microsoft.com/VisualStudio/2011/storyboarding/control">
+  <Id Name="System.Storyboarding.WindowsApps.WindowsAppsListBox" Revision="1" Stencil="System.Storyboarding.WindowsApps" StencilVersion="0.1"/>
+</Control>
+</file>
+
+<file path=customXml/item5.xml><?xml version="1.0" encoding="utf-8"?>
+<Control xmlns="http://schemas.microsoft.com/VisualStudio/2011/storyboarding/control">
+  <Id Name="System.Storyboarding.WindowsApps.WindowsAppsProgressRing" Revision="1" Stencil="System.Storyboarding.WindowsApps" StencilVersion="0.1"/>
+</Control>
+</file>
+
 <file path=customXml/item6.xml><?xml version="1.0" encoding="utf-8"?>
 <Control xmlns="http://schemas.microsoft.com/VisualStudio/2011/storyboarding/control">
-  <Id Name="5e505f8e-b0aa-429a-bb4c-92ab0e8a8ee6" RevisionId="d2083f08-ba4f-4330-87aa-e4d23a4443d7" Stencil="172d6d98-e5c9-42e9-a209-79f7a94bbd38" StencilRevisionId="00000000-0000-0000-0000-000000000000" StencilVersion="0.0"/>
+  <Id Name="System.Storyboarding.Annotation.StickyNote" Revision="1" Stencil="System.Storyboarding.Annotation" StencilVersion="0.1"/>
 </Control>
 </file>
 
@@ -13553,7 +13124,7 @@
 
 <file path=customXml/item8.xml><?xml version="1.0" encoding="utf-8"?>
 <Control xmlns="http://schemas.microsoft.com/VisualStudio/2011/storyboarding/control">
-  <Id Name="System.Storyboarding.WindowsApps.WindowsAppsProgressRing" Revision="1" Stencil="System.Storyboarding.WindowsApps" StencilVersion="0.1"/>
+  <Id Name="System.Storyboarding.Annotation.StickyNote" Revision="1" Stencil="System.Storyboarding.Annotation" StencilVersion="0.1"/>
 </Control>
 </file>
 
@@ -13566,7 +13137,7 @@
 </file>
 
 <file path=customXml/itemProps2.xml><?xml version="1.0" encoding="utf-8"?>
-<ds:datastoreItem xmlns:ds="http://schemas.openxmlformats.org/officeDocument/2006/customXml" ds:itemID="{35CD12A2-2187-402A-B9D9-EF68624DB0B9}">
+<ds:datastoreItem xmlns:ds="http://schemas.openxmlformats.org/officeDocument/2006/customXml" ds:itemID="{22271091-DDCE-44B5-B608-BB96BCA0C299}">
   <ds:schemaRefs>
     <ds:schemaRef ds:uri="http://schemas.microsoft.com/VisualStudio/2011/storyboarding/control"/>
   </ds:schemaRefs>
@@ -13574,9 +13145,11 @@
 </file>
 
 <file path=customXml/itemProps3.xml><?xml version="1.0" encoding="utf-8"?>
-<ds:datastoreItem xmlns:ds="http://schemas.openxmlformats.org/officeDocument/2006/customXml" ds:itemID="{C83C598A-8CB1-49BE-A132-CFCF837BD013}">
+<ds:datastoreItem xmlns:ds="http://schemas.openxmlformats.org/officeDocument/2006/customXml" ds:itemID="{1322E1B6-B69B-4B1E-9F64-FFB1E4A65691}">
   <ds:schemaRefs>
-    <ds:schemaRef ds:uri="http://schemas.microsoft.com/VisualStudio/2011/storyboarding/control"/>
+    <ds:schemaRef ds:uri="http://schemas.microsoft.com/office/2006/metadata/properties"/>
+    <ds:schemaRef ds:uri="http://schemas.microsoft.com/office/infopath/2007/PartnerControls"/>
+    <ds:schemaRef ds:uri="b4ebf394-daf6-497a-96c5-a2f8c10b38cf"/>
   </ds:schemaRefs>
 </ds:datastoreItem>
 </file>
@@ -13590,17 +13163,15 @@
 </file>
 
 <file path=customXml/itemProps5.xml><?xml version="1.0" encoding="utf-8"?>
-<ds:datastoreItem xmlns:ds="http://schemas.openxmlformats.org/officeDocument/2006/customXml" ds:itemID="{1322E1B6-B69B-4B1E-9F64-FFB1E4A65691}">
+<ds:datastoreItem xmlns:ds="http://schemas.openxmlformats.org/officeDocument/2006/customXml" ds:itemID="{EE994FE8-9D1B-4C75-9803-F4D3D8088B5B}">
   <ds:schemaRefs>
-    <ds:schemaRef ds:uri="http://schemas.microsoft.com/office/2006/metadata/properties"/>
-    <ds:schemaRef ds:uri="http://schemas.microsoft.com/office/infopath/2007/PartnerControls"/>
-    <ds:schemaRef ds:uri="b4ebf394-daf6-497a-96c5-a2f8c10b38cf"/>
+    <ds:schemaRef ds:uri="http://schemas.microsoft.com/VisualStudio/2011/storyboarding/control"/>
   </ds:schemaRefs>
 </ds:datastoreItem>
 </file>
 
 <file path=customXml/itemProps6.xml><?xml version="1.0" encoding="utf-8"?>
-<ds:datastoreItem xmlns:ds="http://schemas.openxmlformats.org/officeDocument/2006/customXml" ds:itemID="{22271091-DDCE-44B5-B608-BB96BCA0C299}">
+<ds:datastoreItem xmlns:ds="http://schemas.openxmlformats.org/officeDocument/2006/customXml" ds:itemID="{C83C598A-8CB1-49BE-A132-CFCF837BD013}">
   <ds:schemaRefs>
     <ds:schemaRef ds:uri="http://schemas.microsoft.com/VisualStudio/2011/storyboarding/control"/>
   </ds:schemaRefs>
@@ -13616,7 +13187,7 @@
 </file>
 
 <file path=customXml/itemProps8.xml><?xml version="1.0" encoding="utf-8"?>
-<ds:datastoreItem xmlns:ds="http://schemas.openxmlformats.org/officeDocument/2006/customXml" ds:itemID="{EE994FE8-9D1B-4C75-9803-F4D3D8088B5B}">
+<ds:datastoreItem xmlns:ds="http://schemas.openxmlformats.org/officeDocument/2006/customXml" ds:itemID="{35CD12A2-2187-402A-B9D9-EF68624DB0B9}">
   <ds:schemaRefs>
     <ds:schemaRef ds:uri="http://schemas.microsoft.com/VisualStudio/2011/storyboarding/control"/>
   </ds:schemaRefs>

--- a/2019系统仿真-4-动态函数.pptx
+++ b/2019系统仿真-4-动态函数.pptx
@@ -257,7 +257,7 @@
                 <a:latin typeface="微软雅黑" panose="020B0503020204020204" pitchFamily="34" charset="-122"/>
                 <a:ea typeface="微软雅黑" panose="020B0503020204020204" pitchFamily="34" charset="-122"/>
               </a:rPr>
-              <a:t>2019年3月14日</a:t>
+              <a:t>2019年3月15日 Friday</a:t>
             </a:fld>
             <a:endParaRPr lang="zh-CN" altLang="en-US" dirty="0">
               <a:latin typeface="微软雅黑" panose="020B0503020204020204" pitchFamily="34" charset="-122"/>
@@ -449,7 +449,7 @@
             <a:fld id="{07D6BDDC-F39A-4E16-93D6-E40B88AA6D58}" type="datetime2">
               <a:rPr lang="zh-CN" altLang="en-US" smtClean="0"/>
               <a:pPr/>
-              <a:t>2019年3月14日</a:t>
+              <a:t>2019年3月15日 Friday</a:t>
             </a:fld>
             <a:endParaRPr lang="zh-CN" altLang="en-US" dirty="0"/>
           </a:p>
@@ -1607,7 +1607,7 @@
           <a:p>
             <a:pPr rtl="0"/>
             <a:r>
-              <a:rPr lang="zh-CN" altLang="en-US" noProof="0" smtClean="0"/>
+              <a:rPr lang="zh-CN" altLang="en-US" noProof="0"/>
               <a:t>单击此处编辑母版标题样式</a:t>
             </a:r>
             <a:endParaRPr lang="zh-CN" altLang="en-US" noProof="0" dirty="0"/>
@@ -1732,7 +1732,7 @@
           <a:p>
             <a:pPr rtl="0"/>
             <a:r>
-              <a:rPr lang="zh-CN" altLang="en-US" noProof="0" smtClean="0"/>
+              <a:rPr lang="zh-CN" altLang="en-US" noProof="0"/>
               <a:t>单击以编辑母版副标题样式</a:t>
             </a:r>
             <a:endParaRPr lang="zh-CN" altLang="en-US" noProof="0" dirty="0"/>
@@ -1767,7 +1767,7 @@
             <a:fld id="{4947C3F0-2957-4D41-9FB7-182757A04D67}" type="datetime2">
               <a:rPr lang="zh-CN" altLang="en-US" smtClean="0"/>
               <a:pPr/>
-              <a:t>2019年3月14日</a:t>
+              <a:t>2019年3月15日 Friday</a:t>
             </a:fld>
             <a:endParaRPr lang="zh-CN" altLang="en-US" dirty="0"/>
           </a:p>
@@ -1903,7 +1903,7 @@
           <a:p>
             <a:pPr rtl="0"/>
             <a:r>
-              <a:rPr lang="zh-CN" altLang="en-US" noProof="0" smtClean="0"/>
+              <a:rPr lang="zh-CN" altLang="en-US" noProof="0"/>
               <a:t>单击此处编辑母版标题样式</a:t>
             </a:r>
             <a:endParaRPr lang="zh-CN" altLang="en-US" noProof="0" dirty="0"/>
@@ -1943,35 +1943,35 @@
           <a:p>
             <a:pPr lvl="0" rtl="0"/>
             <a:r>
-              <a:rPr lang="zh-CN" altLang="en-US" noProof="0" smtClean="0"/>
+              <a:rPr lang="zh-CN" altLang="en-US" noProof="0"/>
               <a:t>编辑母版文本样式</a:t>
             </a:r>
           </a:p>
           <a:p>
             <a:pPr lvl="1" rtl="0"/>
             <a:r>
-              <a:rPr lang="zh-CN" altLang="en-US" noProof="0" smtClean="0"/>
+              <a:rPr lang="zh-CN" altLang="en-US" noProof="0"/>
               <a:t>第二级</a:t>
             </a:r>
           </a:p>
           <a:p>
             <a:pPr lvl="2" rtl="0"/>
             <a:r>
-              <a:rPr lang="zh-CN" altLang="en-US" noProof="0" smtClean="0"/>
+              <a:rPr lang="zh-CN" altLang="en-US" noProof="0"/>
               <a:t>第三级</a:t>
             </a:r>
           </a:p>
           <a:p>
             <a:pPr lvl="3" rtl="0"/>
             <a:r>
-              <a:rPr lang="zh-CN" altLang="en-US" noProof="0" smtClean="0"/>
+              <a:rPr lang="zh-CN" altLang="en-US" noProof="0"/>
               <a:t>第四级</a:t>
             </a:r>
           </a:p>
           <a:p>
             <a:pPr lvl="4" rtl="0"/>
             <a:r>
-              <a:rPr lang="zh-CN" altLang="en-US" noProof="0" smtClean="0"/>
+              <a:rPr lang="zh-CN" altLang="en-US" noProof="0"/>
               <a:t>第五级</a:t>
             </a:r>
             <a:endParaRPr lang="zh-CN" altLang="en-US" noProof="0" dirty="0"/>
@@ -2000,7 +2000,7 @@
             <a:fld id="{8DF8E148-EC1F-43A2-8C9E-1F57F6D08A76}" type="datetime2">
               <a:rPr lang="zh-CN" altLang="en-US" smtClean="0"/>
               <a:pPr/>
-              <a:t>2019年3月14日</a:t>
+              <a:t>2019年3月15日 Friday</a:t>
             </a:fld>
             <a:endParaRPr lang="zh-CN" altLang="en-US" dirty="0"/>
           </a:p>
@@ -2763,7 +2763,7 @@
           <a:p>
             <a:pPr rtl="0"/>
             <a:r>
-              <a:rPr lang="zh-CN" altLang="en-US" noProof="0" smtClean="0"/>
+              <a:rPr lang="zh-CN" altLang="en-US" noProof="0"/>
               <a:t>单击此处编辑母版标题样式</a:t>
             </a:r>
             <a:endParaRPr lang="zh-CN" altLang="en-US" noProof="0" dirty="0"/>
@@ -2823,35 +2823,35 @@
           <a:p>
             <a:pPr lvl="0" rtl="0"/>
             <a:r>
-              <a:rPr lang="zh-CN" altLang="en-US" noProof="0" smtClean="0"/>
+              <a:rPr lang="zh-CN" altLang="en-US" noProof="0"/>
               <a:t>编辑母版文本样式</a:t>
             </a:r>
           </a:p>
           <a:p>
             <a:pPr lvl="1" rtl="0"/>
             <a:r>
-              <a:rPr lang="zh-CN" altLang="en-US" noProof="0" smtClean="0"/>
+              <a:rPr lang="zh-CN" altLang="en-US" noProof="0"/>
               <a:t>第二级</a:t>
             </a:r>
           </a:p>
           <a:p>
             <a:pPr lvl="2" rtl="0"/>
             <a:r>
-              <a:rPr lang="zh-CN" altLang="en-US" noProof="0" smtClean="0"/>
+              <a:rPr lang="zh-CN" altLang="en-US" noProof="0"/>
               <a:t>第三级</a:t>
             </a:r>
           </a:p>
           <a:p>
             <a:pPr lvl="3" rtl="0"/>
             <a:r>
-              <a:rPr lang="zh-CN" altLang="en-US" noProof="0" smtClean="0"/>
+              <a:rPr lang="zh-CN" altLang="en-US" noProof="0"/>
               <a:t>第四级</a:t>
             </a:r>
           </a:p>
           <a:p>
             <a:pPr lvl="4" rtl="0"/>
             <a:r>
-              <a:rPr lang="zh-CN" altLang="en-US" noProof="0" smtClean="0"/>
+              <a:rPr lang="zh-CN" altLang="en-US" noProof="0"/>
               <a:t>第五级</a:t>
             </a:r>
             <a:endParaRPr lang="zh-CN" altLang="en-US" noProof="0" dirty="0"/>
@@ -2883,7 +2883,7 @@
             <a:fld id="{FB7B4C11-1E14-4887-9E78-A9346EC068F1}" type="datetime2">
               <a:rPr lang="zh-CN" altLang="en-US" smtClean="0"/>
               <a:pPr/>
-              <a:t>2019年3月14日</a:t>
+              <a:t>2019年3月15日 Friday</a:t>
             </a:fld>
             <a:endParaRPr lang="zh-CN" altLang="en-US" dirty="0"/>
           </a:p>
@@ -3015,7 +3015,7 @@
           <a:p>
             <a:pPr rtl="0"/>
             <a:r>
-              <a:rPr lang="zh-CN" altLang="en-US" smtClean="0"/>
+              <a:rPr lang="zh-CN" altLang="en-US"/>
               <a:t>单击此处编辑母版标题样式</a:t>
             </a:r>
             <a:endParaRPr lang="zh-CN" altLang="en-US" dirty="0"/>
@@ -3082,35 +3082,35 @@
           <a:p>
             <a:pPr lvl="0" rtl="0"/>
             <a:r>
-              <a:rPr lang="zh-CN" altLang="en-US" smtClean="0"/>
+              <a:rPr lang="zh-CN" altLang="en-US"/>
               <a:t>编辑母版文本样式</a:t>
             </a:r>
           </a:p>
           <a:p>
             <a:pPr lvl="1" rtl="0"/>
             <a:r>
-              <a:rPr lang="zh-CN" altLang="en-US" smtClean="0"/>
+              <a:rPr lang="zh-CN" altLang="en-US"/>
               <a:t>第二级</a:t>
             </a:r>
           </a:p>
           <a:p>
             <a:pPr lvl="2" rtl="0"/>
             <a:r>
-              <a:rPr lang="zh-CN" altLang="en-US" smtClean="0"/>
+              <a:rPr lang="zh-CN" altLang="en-US"/>
               <a:t>第三级</a:t>
             </a:r>
           </a:p>
           <a:p>
             <a:pPr lvl="3" rtl="0"/>
             <a:r>
-              <a:rPr lang="zh-CN" altLang="en-US" smtClean="0"/>
+              <a:rPr lang="zh-CN" altLang="en-US"/>
               <a:t>第四级</a:t>
             </a:r>
           </a:p>
           <a:p>
             <a:pPr lvl="4" rtl="0"/>
             <a:r>
-              <a:rPr lang="zh-CN" altLang="en-US" smtClean="0"/>
+              <a:rPr lang="zh-CN" altLang="en-US"/>
               <a:t>第五级</a:t>
             </a:r>
             <a:endParaRPr lang="zh-CN" altLang="en-US" dirty="0"/>
@@ -3142,7 +3142,7 @@
             <a:fld id="{86FD5D46-E987-42B2-B42C-B8920598FADE}" type="datetime2">
               <a:rPr lang="zh-CN" altLang="en-US" smtClean="0"/>
               <a:pPr/>
-              <a:t>2019年3月14日</a:t>
+              <a:t>2019年3月15日 Friday</a:t>
             </a:fld>
             <a:endParaRPr lang="zh-CN" altLang="en-US" dirty="0"/>
           </a:p>
@@ -3231,13 +3231,6 @@
       </p:transition>
     </mc:Fallback>
   </mc:AlternateContent>
-  <p:timing>
-    <p:tnLst>
-      <p:par>
-        <p:cTn id="1" dur="indefinite" restart="never" nodeType="tmRoot"/>
-      </p:par>
-    </p:tnLst>
-  </p:timing>
 </p:sldLayout>
 </file>
 
@@ -4317,7 +4310,7 @@
           <a:p>
             <a:pPr rtl="0"/>
             <a:r>
-              <a:rPr lang="zh-CN" altLang="en-US" noProof="0" smtClean="0"/>
+              <a:rPr lang="zh-CN" altLang="en-US" noProof="0"/>
               <a:t>单击此处编辑母版标题样式</a:t>
             </a:r>
             <a:endParaRPr lang="zh-CN" altLang="en-US" noProof="0" dirty="0"/>
@@ -4442,7 +4435,7 @@
           <a:p>
             <a:pPr lvl="0" rtl="0"/>
             <a:r>
-              <a:rPr lang="zh-CN" altLang="en-US" noProof="0" smtClean="0"/>
+              <a:rPr lang="zh-CN" altLang="en-US" noProof="0"/>
               <a:t>编辑母版文本样式</a:t>
             </a:r>
           </a:p>
@@ -4476,7 +4469,7 @@
             <a:fld id="{8365F240-A7EF-41C8-A85B-C448CF84B5E5}" type="datetime2">
               <a:rPr lang="zh-CN" altLang="en-US" smtClean="0"/>
               <a:pPr/>
-              <a:t>2019年3月14日</a:t>
+              <a:t>2019年3月15日 Friday</a:t>
             </a:fld>
             <a:endParaRPr lang="zh-CN" altLang="en-US" dirty="0"/>
           </a:p>
@@ -4612,7 +4605,7 @@
           <a:p>
             <a:pPr rtl="0"/>
             <a:r>
-              <a:rPr lang="zh-CN" altLang="en-US" smtClean="0"/>
+              <a:rPr lang="zh-CN" altLang="en-US"/>
               <a:t>单击此处编辑母版标题样式</a:t>
             </a:r>
             <a:endParaRPr lang="zh-CN" altLang="en-US" dirty="0"/>
@@ -4669,35 +4662,35 @@
           <a:p>
             <a:pPr lvl="0" rtl="0"/>
             <a:r>
-              <a:rPr lang="zh-CN" altLang="en-US" smtClean="0"/>
+              <a:rPr lang="zh-CN" altLang="en-US"/>
               <a:t>编辑母版文本样式</a:t>
             </a:r>
           </a:p>
           <a:p>
             <a:pPr lvl="1" rtl="0"/>
             <a:r>
-              <a:rPr lang="zh-CN" altLang="en-US" smtClean="0"/>
+              <a:rPr lang="zh-CN" altLang="en-US"/>
               <a:t>第二级</a:t>
             </a:r>
           </a:p>
           <a:p>
             <a:pPr lvl="2" rtl="0"/>
             <a:r>
-              <a:rPr lang="zh-CN" altLang="en-US" smtClean="0"/>
+              <a:rPr lang="zh-CN" altLang="en-US"/>
               <a:t>第三级</a:t>
             </a:r>
           </a:p>
           <a:p>
             <a:pPr lvl="3" rtl="0"/>
             <a:r>
-              <a:rPr lang="zh-CN" altLang="en-US" smtClean="0"/>
+              <a:rPr lang="zh-CN" altLang="en-US"/>
               <a:t>第四级</a:t>
             </a:r>
           </a:p>
           <a:p>
             <a:pPr lvl="4" rtl="0"/>
             <a:r>
-              <a:rPr lang="zh-CN" altLang="en-US" smtClean="0"/>
+              <a:rPr lang="zh-CN" altLang="en-US"/>
               <a:t>第五级</a:t>
             </a:r>
             <a:endParaRPr lang="zh-CN" altLang="en-US" dirty="0"/>
@@ -4754,35 +4747,35 @@
           <a:p>
             <a:pPr lvl="0" rtl="0"/>
             <a:r>
-              <a:rPr lang="zh-CN" altLang="en-US" smtClean="0"/>
+              <a:rPr lang="zh-CN" altLang="en-US"/>
               <a:t>编辑母版文本样式</a:t>
             </a:r>
           </a:p>
           <a:p>
             <a:pPr lvl="1" rtl="0"/>
             <a:r>
-              <a:rPr lang="zh-CN" altLang="en-US" smtClean="0"/>
+              <a:rPr lang="zh-CN" altLang="en-US"/>
               <a:t>第二级</a:t>
             </a:r>
           </a:p>
           <a:p>
             <a:pPr lvl="2" rtl="0"/>
             <a:r>
-              <a:rPr lang="zh-CN" altLang="en-US" smtClean="0"/>
+              <a:rPr lang="zh-CN" altLang="en-US"/>
               <a:t>第三级</a:t>
             </a:r>
           </a:p>
           <a:p>
             <a:pPr lvl="3" rtl="0"/>
             <a:r>
-              <a:rPr lang="zh-CN" altLang="en-US" smtClean="0"/>
+              <a:rPr lang="zh-CN" altLang="en-US"/>
               <a:t>第四级</a:t>
             </a:r>
           </a:p>
           <a:p>
             <a:pPr lvl="4" rtl="0"/>
             <a:r>
-              <a:rPr lang="zh-CN" altLang="en-US" smtClean="0"/>
+              <a:rPr lang="zh-CN" altLang="en-US"/>
               <a:t>第五级</a:t>
             </a:r>
             <a:endParaRPr lang="zh-CN" altLang="en-US" dirty="0"/>
@@ -4811,7 +4804,7 @@
             <a:fld id="{F770B30E-8728-44DB-AEE3-E4A75AEDBBD9}" type="datetime2">
               <a:rPr lang="zh-CN" altLang="en-US" smtClean="0"/>
               <a:pPr/>
-              <a:t>2019年3月14日</a:t>
+              <a:t>2019年3月15日 Friday</a:t>
             </a:fld>
             <a:endParaRPr lang="zh-CN" altLang="en-US" dirty="0"/>
           </a:p>
@@ -4930,7 +4923,7 @@
           <a:p>
             <a:pPr rtl="0"/>
             <a:r>
-              <a:rPr lang="zh-CN" altLang="en-US" smtClean="0"/>
+              <a:rPr lang="zh-CN" altLang="en-US"/>
               <a:t>单击此处编辑母版标题样式</a:t>
             </a:r>
             <a:endParaRPr lang="zh-CN" altLang="en-US" dirty="0"/>
@@ -5004,7 +4997,7 @@
           <a:p>
             <a:pPr lvl="0" rtl="0"/>
             <a:r>
-              <a:rPr lang="zh-CN" altLang="en-US" smtClean="0"/>
+              <a:rPr lang="zh-CN" altLang="en-US"/>
               <a:t>编辑母版文本样式</a:t>
             </a:r>
           </a:p>
@@ -5077,35 +5070,35 @@
           <a:p>
             <a:pPr lvl="0" rtl="0"/>
             <a:r>
-              <a:rPr lang="zh-CN" altLang="en-US" smtClean="0"/>
+              <a:rPr lang="zh-CN" altLang="en-US"/>
               <a:t>编辑母版文本样式</a:t>
             </a:r>
           </a:p>
           <a:p>
             <a:pPr lvl="1" rtl="0"/>
             <a:r>
-              <a:rPr lang="zh-CN" altLang="en-US" smtClean="0"/>
+              <a:rPr lang="zh-CN" altLang="en-US"/>
               <a:t>第二级</a:t>
             </a:r>
           </a:p>
           <a:p>
             <a:pPr lvl="2" rtl="0"/>
             <a:r>
-              <a:rPr lang="zh-CN" altLang="en-US" smtClean="0"/>
+              <a:rPr lang="zh-CN" altLang="en-US"/>
               <a:t>第三级</a:t>
             </a:r>
           </a:p>
           <a:p>
             <a:pPr lvl="3" rtl="0"/>
             <a:r>
-              <a:rPr lang="zh-CN" altLang="en-US" smtClean="0"/>
+              <a:rPr lang="zh-CN" altLang="en-US"/>
               <a:t>第四级</a:t>
             </a:r>
           </a:p>
           <a:p>
             <a:pPr lvl="4" rtl="0"/>
             <a:r>
-              <a:rPr lang="zh-CN" altLang="en-US" smtClean="0"/>
+              <a:rPr lang="zh-CN" altLang="en-US"/>
               <a:t>第五级</a:t>
             </a:r>
             <a:endParaRPr lang="zh-CN" altLang="en-US" dirty="0"/>
@@ -5179,7 +5172,7 @@
           <a:p>
             <a:pPr lvl="0" rtl="0"/>
             <a:r>
-              <a:rPr lang="zh-CN" altLang="en-US" smtClean="0"/>
+              <a:rPr lang="zh-CN" altLang="en-US"/>
               <a:t>编辑母版文本样式</a:t>
             </a:r>
           </a:p>
@@ -5252,35 +5245,35 @@
           <a:p>
             <a:pPr lvl="0" rtl="0"/>
             <a:r>
-              <a:rPr lang="zh-CN" altLang="en-US" smtClean="0"/>
+              <a:rPr lang="zh-CN" altLang="en-US"/>
               <a:t>编辑母版文本样式</a:t>
             </a:r>
           </a:p>
           <a:p>
             <a:pPr lvl="1" rtl="0"/>
             <a:r>
-              <a:rPr lang="zh-CN" altLang="en-US" smtClean="0"/>
+              <a:rPr lang="zh-CN" altLang="en-US"/>
               <a:t>第二级</a:t>
             </a:r>
           </a:p>
           <a:p>
             <a:pPr lvl="2" rtl="0"/>
             <a:r>
-              <a:rPr lang="zh-CN" altLang="en-US" smtClean="0"/>
+              <a:rPr lang="zh-CN" altLang="en-US"/>
               <a:t>第三级</a:t>
             </a:r>
           </a:p>
           <a:p>
             <a:pPr lvl="3" rtl="0"/>
             <a:r>
-              <a:rPr lang="zh-CN" altLang="en-US" smtClean="0"/>
+              <a:rPr lang="zh-CN" altLang="en-US"/>
               <a:t>第四级</a:t>
             </a:r>
           </a:p>
           <a:p>
             <a:pPr lvl="4" rtl="0"/>
             <a:r>
-              <a:rPr lang="zh-CN" altLang="en-US" smtClean="0"/>
+              <a:rPr lang="zh-CN" altLang="en-US"/>
               <a:t>第五级</a:t>
             </a:r>
             <a:endParaRPr lang="zh-CN" altLang="en-US" dirty="0"/>
@@ -5312,7 +5305,7 @@
             <a:fld id="{680BCF82-A51A-4389-A573-378AD02C5141}" type="datetime2">
               <a:rPr lang="zh-CN" altLang="en-US" smtClean="0"/>
               <a:pPr/>
-              <a:t>2019年3月14日</a:t>
+              <a:t>2019年3月15日 Friday</a:t>
             </a:fld>
             <a:endParaRPr lang="zh-CN" altLang="en-US" dirty="0"/>
           </a:p>
@@ -5438,7 +5431,7 @@
           <a:p>
             <a:pPr rtl="0"/>
             <a:r>
-              <a:rPr lang="zh-CN" altLang="en-US" smtClean="0"/>
+              <a:rPr lang="zh-CN" altLang="en-US"/>
               <a:t>单击此处编辑母版标题样式</a:t>
             </a:r>
             <a:endParaRPr lang="zh-CN" altLang="en-US" dirty="0"/>
@@ -5467,7 +5460,7 @@
             <a:fld id="{CE03A716-E3DC-4D9D-823C-60FCD8C9B163}" type="datetime2">
               <a:rPr lang="zh-CN" altLang="en-US" smtClean="0"/>
               <a:pPr/>
-              <a:t>2019年3月14日</a:t>
+              <a:t>2019年3月15日 Friday</a:t>
             </a:fld>
             <a:endParaRPr lang="zh-CN" altLang="en-US" dirty="0"/>
           </a:p>
@@ -5827,7 +5820,7 @@
             <a:fld id="{C16B8A94-44E5-4844-A22C-F796FCAA90D9}" type="datetime2">
               <a:rPr lang="zh-CN" altLang="en-US" smtClean="0"/>
               <a:pPr/>
-              <a:t>2019年3月14日</a:t>
+              <a:t>2019年3月15日 Friday</a:t>
             </a:fld>
             <a:endParaRPr lang="zh-CN" altLang="en-US" dirty="0"/>
           </a:p>
@@ -6162,7 +6155,7 @@
           <a:p>
             <a:pPr rtl="0"/>
             <a:r>
-              <a:rPr lang="zh-CN" altLang="en-US" noProof="0" smtClean="0"/>
+              <a:rPr lang="zh-CN" altLang="en-US" noProof="0"/>
               <a:t>单击此处编辑母版标题样式</a:t>
             </a:r>
             <a:endParaRPr lang="zh-CN" altLang="en-US" noProof="0" dirty="0"/>
@@ -6236,35 +6229,35 @@
           <a:p>
             <a:pPr lvl="0" rtl="0"/>
             <a:r>
-              <a:rPr lang="zh-CN" altLang="en-US" noProof="0" smtClean="0"/>
+              <a:rPr lang="zh-CN" altLang="en-US" noProof="0"/>
               <a:t>编辑母版文本样式</a:t>
             </a:r>
           </a:p>
           <a:p>
             <a:pPr lvl="1" rtl="0"/>
             <a:r>
-              <a:rPr lang="zh-CN" altLang="en-US" noProof="0" smtClean="0"/>
+              <a:rPr lang="zh-CN" altLang="en-US" noProof="0"/>
               <a:t>第二级</a:t>
             </a:r>
           </a:p>
           <a:p>
             <a:pPr lvl="2" rtl="0"/>
             <a:r>
-              <a:rPr lang="zh-CN" altLang="en-US" noProof="0" smtClean="0"/>
+              <a:rPr lang="zh-CN" altLang="en-US" noProof="0"/>
               <a:t>第三级</a:t>
             </a:r>
           </a:p>
           <a:p>
             <a:pPr lvl="3" rtl="0"/>
             <a:r>
-              <a:rPr lang="zh-CN" altLang="en-US" noProof="0" smtClean="0"/>
+              <a:rPr lang="zh-CN" altLang="en-US" noProof="0"/>
               <a:t>第四级</a:t>
             </a:r>
           </a:p>
           <a:p>
             <a:pPr lvl="4" rtl="0"/>
             <a:r>
-              <a:rPr lang="zh-CN" altLang="en-US" noProof="0" smtClean="0"/>
+              <a:rPr lang="zh-CN" altLang="en-US" noProof="0"/>
               <a:t>第五级</a:t>
             </a:r>
             <a:endParaRPr lang="zh-CN" altLang="en-US" noProof="0" dirty="0"/>
@@ -6338,7 +6331,7 @@
           <a:p>
             <a:pPr lvl="0" rtl="0"/>
             <a:r>
-              <a:rPr lang="zh-CN" altLang="en-US" noProof="0" smtClean="0"/>
+              <a:rPr lang="zh-CN" altLang="en-US" noProof="0"/>
               <a:t>编辑母版文本样式</a:t>
             </a:r>
           </a:p>
@@ -6369,7 +6362,7 @@
             <a:fld id="{F288B2AC-AC0A-4E49-82A3-94EE74FA7FBF}" type="datetime2">
               <a:rPr lang="zh-CN" altLang="en-US" smtClean="0"/>
               <a:pPr/>
-              <a:t>2019年3月14日</a:t>
+              <a:t>2019年3月15日 Friday</a:t>
             </a:fld>
             <a:endParaRPr lang="zh-CN" altLang="en-US" dirty="0"/>
           </a:p>
@@ -6457,13 +6450,6 @@
       </p:transition>
     </mc:Fallback>
   </mc:AlternateContent>
-  <p:timing>
-    <p:tnLst>
-      <p:par>
-        <p:cTn id="1" dur="indefinite" restart="never" nodeType="tmRoot"/>
-      </p:par>
-    </p:tnLst>
-  </p:timing>
 </p:sldLayout>
 </file>
 
@@ -6675,7 +6661,7 @@
           <a:p>
             <a:pPr rtl="0"/>
             <a:r>
-              <a:rPr lang="zh-CN" altLang="en-US" smtClean="0"/>
+              <a:rPr lang="zh-CN" altLang="en-US"/>
               <a:t>单击此处编辑母版标题样式</a:t>
             </a:r>
             <a:endParaRPr lang="zh-CN" altLang="en-US" dirty="0"/>
@@ -6754,7 +6740,7 @@
           <a:p>
             <a:pPr rtl="0"/>
             <a:r>
-              <a:rPr lang="zh-CN" altLang="en-US" smtClean="0"/>
+              <a:rPr lang="zh-CN" altLang="en-US"/>
               <a:t>单击图标添加图片</a:t>
             </a:r>
             <a:endParaRPr lang="zh-CN" altLang="en-US" dirty="0"/>
@@ -6828,7 +6814,7 @@
           <a:p>
             <a:pPr lvl="0" rtl="0"/>
             <a:r>
-              <a:rPr lang="zh-CN" altLang="en-US" smtClean="0"/>
+              <a:rPr lang="zh-CN" altLang="en-US"/>
               <a:t>编辑母版文本样式</a:t>
             </a:r>
           </a:p>
@@ -6862,7 +6848,7 @@
             <a:fld id="{1878E339-1BD2-4FEE-A113-9A0301740CF6}" type="datetime2">
               <a:rPr lang="zh-CN" altLang="en-US" smtClean="0"/>
               <a:pPr/>
-              <a:t>2019年3月14日</a:t>
+              <a:t>2019年3月15日 Friday</a:t>
             </a:fld>
             <a:endParaRPr lang="zh-CN" altLang="en-US" dirty="0"/>
           </a:p>
@@ -7786,7 +7772,7 @@
             <a:fld id="{A339CB27-C670-4AAB-948C-7E3D1D9FAE30}" type="datetime2">
               <a:rPr lang="zh-CN" altLang="en-US" smtClean="0"/>
               <a:pPr/>
-              <a:t>2019年3月14日</a:t>
+              <a:t>2019年3月15日 Friday</a:t>
             </a:fld>
             <a:endParaRPr lang="zh-CN" altLang="en-US" dirty="0"/>
           </a:p>
@@ -8243,18 +8229,13 @@
           <a:p>
             <a:pPr rtl="0"/>
             <a:r>
-              <a:rPr lang="zh-CN" altLang="en-US" dirty="0" smtClean="0">
+              <a:rPr lang="zh-CN" altLang="en-US" dirty="0">
                 <a:latin typeface="Arial" panose="020B0604020202020204" pitchFamily="34" charset="0"/>
                 <a:ea typeface="微软雅黑" panose="020B0503020204020204" pitchFamily="34" charset="-122"/>
                 <a:sym typeface="Arial" panose="020B0604020202020204" pitchFamily="34" charset="0"/>
               </a:rPr>
               <a:t>物流系统建模与仿真</a:t>
             </a:r>
-            <a:endParaRPr lang="zh-CN" altLang="en-US" dirty="0">
-              <a:latin typeface="Arial" panose="020B0604020202020204" pitchFamily="34" charset="0"/>
-              <a:ea typeface="微软雅黑" panose="020B0503020204020204" pitchFamily="34" charset="-122"/>
-              <a:sym typeface="Arial" panose="020B0604020202020204" pitchFamily="34" charset="0"/>
-            </a:endParaRPr>
           </a:p>
         </p:txBody>
       </p:sp>
@@ -8275,7 +8256,7 @@
           <a:p>
             <a:pPr rtl="0"/>
             <a:r>
-              <a:rPr lang="zh-CN" altLang="en-US" smtClean="0">
+              <a:rPr lang="zh-CN" altLang="en-US" dirty="0">
                 <a:latin typeface="Arial" panose="020B0604020202020204" pitchFamily="34" charset="0"/>
                 <a:ea typeface="微软雅黑" panose="020B0503020204020204" pitchFamily="34" charset="-122"/>
                 <a:sym typeface="Arial" panose="020B0604020202020204" pitchFamily="34" charset="0"/>
@@ -8283,40 +8264,20 @@
               <a:t>第</a:t>
             </a:r>
             <a:r>
-              <a:rPr lang="zh-CN" altLang="en-US">
+              <a:rPr lang="zh-CN" altLang="en-US" dirty="0">
                 <a:latin typeface="Arial" panose="020B0604020202020204" pitchFamily="34" charset="0"/>
                 <a:sym typeface="Arial" panose="020B0604020202020204" pitchFamily="34" charset="0"/>
               </a:rPr>
               <a:t>四</a:t>
             </a:r>
             <a:r>
-              <a:rPr lang="zh-CN" altLang="en-US" smtClean="0">
+              <a:rPr lang="zh-CN" altLang="en-US" dirty="0">
                 <a:latin typeface="Arial" panose="020B0604020202020204" pitchFamily="34" charset="0"/>
                 <a:ea typeface="微软雅黑" panose="020B0503020204020204" pitchFamily="34" charset="-122"/>
                 <a:sym typeface="Arial" panose="020B0604020202020204" pitchFamily="34" charset="0"/>
               </a:rPr>
-              <a:t>节 </a:t>
-            </a:r>
-            <a:r>
-              <a:rPr lang="zh-CN" altLang="en-US" dirty="0" smtClean="0">
-                <a:latin typeface="Arial" panose="020B0604020202020204" pitchFamily="34" charset="0"/>
-                <a:sym typeface="Arial" panose="020B0604020202020204" pitchFamily="34" charset="0"/>
-              </a:rPr>
-              <a:t>逻辑</a:t>
-            </a:r>
-            <a:r>
-              <a:rPr lang="zh-CN" altLang="en-US" dirty="0" smtClean="0">
-                <a:latin typeface="Arial" panose="020B0604020202020204" pitchFamily="34" charset="0"/>
-                <a:ea typeface="微软雅黑" panose="020B0503020204020204" pitchFamily="34" charset="-122"/>
-                <a:sym typeface="Arial" panose="020B0604020202020204" pitchFamily="34" charset="0"/>
-              </a:rPr>
-              <a:t>函数与测试函数 </a:t>
-            </a:r>
-            <a:endParaRPr lang="zh-CN" altLang="en-US" dirty="0">
-              <a:latin typeface="Arial" panose="020B0604020202020204" pitchFamily="34" charset="0"/>
-              <a:ea typeface="微软雅黑" panose="020B0503020204020204" pitchFamily="34" charset="-122"/>
-              <a:sym typeface="Arial" panose="020B0604020202020204" pitchFamily="34" charset="0"/>
-            </a:endParaRPr>
+              <a:t>节 动态函数 </a:t>
+            </a:r>
           </a:p>
         </p:txBody>
       </p:sp>
@@ -8342,13 +8303,6 @@
       </p:transition>
     </mc:Fallback>
   </mc:AlternateContent>
-  <p:timing>
-    <p:tnLst>
-      <p:par>
-        <p:cTn id="1" dur="indefinite" restart="never" nodeType="tmRoot"/>
-      </p:par>
-    </p:tnLst>
-  </p:timing>
 </p:sld>
 </file>
 
@@ -8388,10 +8342,9 @@
           <a:p>
             <a:pPr algn="ctr"/>
             <a:r>
-              <a:rPr lang="zh-CN" altLang="en-US" sz="3200" dirty="0" smtClean="0"/>
+              <a:rPr lang="zh-CN" altLang="en-US" sz="3200" dirty="0"/>
               <a:t>三、测试函数</a:t>
             </a:r>
-            <a:endParaRPr lang="zh-CN" altLang="en-US" sz="3200" dirty="0"/>
           </a:p>
         </p:txBody>
       </p:sp>
@@ -8411,57 +8364,56 @@
           <a:lstStyle/>
           <a:p>
             <a:r>
-              <a:rPr lang="zh-CN" altLang="en-US" dirty="0" smtClean="0"/>
+              <a:rPr lang="zh-CN" altLang="en-US" dirty="0"/>
               <a:t>测试函数常用来测试系统的输入输出性质，在软件里被归入“测试函数”类，其自身具有动态性。</a:t>
             </a:r>
-            <a:endParaRPr lang="en-US" altLang="zh-CN" dirty="0" smtClean="0"/>
-          </a:p>
-          <a:p>
-            <a:r>
-              <a:rPr lang="zh-CN" altLang="en-US" dirty="0" smtClean="0"/>
+            <a:endParaRPr lang="en-US" altLang="zh-CN" dirty="0"/>
+          </a:p>
+          <a:p>
+            <a:r>
+              <a:rPr lang="zh-CN" altLang="en-US" dirty="0"/>
               <a:t>必须掌握的几个测试函数</a:t>
             </a:r>
-            <a:endParaRPr lang="en-US" altLang="zh-CN" dirty="0" smtClean="0"/>
+            <a:endParaRPr lang="en-US" altLang="zh-CN" dirty="0"/>
           </a:p>
           <a:p>
             <a:pPr lvl="1"/>
             <a:r>
-              <a:rPr lang="zh-CN" altLang="en-US" dirty="0" smtClean="0"/>
+              <a:rPr lang="zh-CN" altLang="en-US" dirty="0"/>
               <a:t>阶跃函数</a:t>
             </a:r>
-            <a:endParaRPr lang="en-US" altLang="zh-CN" dirty="0" smtClean="0"/>
+            <a:endParaRPr lang="en-US" altLang="zh-CN" dirty="0"/>
           </a:p>
           <a:p>
             <a:pPr lvl="1"/>
             <a:r>
-              <a:rPr lang="zh-CN" altLang="en-US" dirty="0" smtClean="0"/>
+              <a:rPr lang="zh-CN" altLang="en-US" dirty="0"/>
               <a:t>斜坡函数</a:t>
             </a:r>
-            <a:endParaRPr lang="en-US" altLang="zh-CN" dirty="0" smtClean="0"/>
+            <a:endParaRPr lang="en-US" altLang="zh-CN" dirty="0"/>
           </a:p>
           <a:p>
             <a:pPr lvl="1"/>
             <a:r>
-              <a:rPr lang="zh-CN" altLang="en-US" dirty="0" smtClean="0"/>
+              <a:rPr lang="zh-CN" altLang="en-US" dirty="0"/>
               <a:t>脉冲函数</a:t>
             </a:r>
-            <a:endParaRPr lang="en-US" altLang="zh-CN" dirty="0" smtClean="0"/>
+            <a:endParaRPr lang="en-US" altLang="zh-CN" dirty="0"/>
           </a:p>
           <a:p>
             <a:pPr lvl="1"/>
             <a:r>
-              <a:rPr lang="zh-CN" altLang="en-US" dirty="0" smtClean="0"/>
+              <a:rPr lang="zh-CN" altLang="en-US" dirty="0"/>
               <a:t>延迟函数</a:t>
             </a:r>
-            <a:endParaRPr lang="en-US" altLang="zh-CN" dirty="0" smtClean="0"/>
+            <a:endParaRPr lang="en-US" altLang="zh-CN" dirty="0"/>
           </a:p>
           <a:p>
             <a:pPr lvl="1"/>
             <a:r>
-              <a:rPr lang="zh-CN" altLang="en-US" dirty="0" smtClean="0"/>
+              <a:rPr lang="zh-CN" altLang="en-US" dirty="0"/>
               <a:t>平滑函数</a:t>
             </a:r>
-            <a:endParaRPr lang="zh-CN" altLang="en-US" dirty="0"/>
           </a:p>
         </p:txBody>
       </p:sp>
@@ -8525,10 +8477,9 @@
           <a:lstStyle/>
           <a:p>
             <a:r>
-              <a:rPr lang="zh-CN" altLang="en-US" sz="2800" smtClean="0"/>
+              <a:rPr lang="zh-CN" altLang="en-US" sz="2800"/>
               <a:t>阶跃函数</a:t>
             </a:r>
-            <a:endParaRPr lang="zh-CN" altLang="en-US" sz="2800"/>
           </a:p>
         </p:txBody>
       </p:sp>
@@ -8553,58 +8504,58 @@
           <a:lstStyle/>
           <a:p>
             <a:r>
-              <a:rPr lang="zh-CN" altLang="en-US" smtClean="0"/>
+              <a:rPr lang="zh-CN" altLang="en-US"/>
               <a:t>从时间轴某时刻开始，之前为</a:t>
             </a:r>
             <a:r>
-              <a:rPr lang="en-US" altLang="zh-CN" smtClean="0"/>
+              <a:rPr lang="en-US" altLang="zh-CN"/>
               <a:t>0</a:t>
             </a:r>
             <a:r>
-              <a:rPr lang="zh-CN" altLang="en-US" smtClean="0"/>
+              <a:rPr lang="zh-CN" altLang="en-US"/>
               <a:t>，之后直接越到某数值。</a:t>
             </a:r>
-            <a:endParaRPr lang="en-US" altLang="zh-CN" smtClean="0"/>
-          </a:p>
-          <a:p>
-            <a:r>
-              <a:rPr lang="zh-CN" altLang="en-US" smtClean="0"/>
+            <a:endParaRPr lang="en-US" altLang="zh-CN"/>
+          </a:p>
+          <a:p>
+            <a:r>
+              <a:rPr lang="zh-CN" altLang="en-US"/>
               <a:t>模仿某业务开始并持续的状态</a:t>
             </a:r>
-            <a:endParaRPr lang="en-US" altLang="zh-CN" smtClean="0"/>
+            <a:endParaRPr lang="en-US" altLang="zh-CN"/>
           </a:p>
           <a:p>
             <a:pPr marL="0" indent="0">
               <a:buNone/>
             </a:pPr>
             <a:r>
-              <a:rPr lang="zh-CN" altLang="en-US" smtClean="0"/>
+              <a:rPr lang="zh-CN" altLang="en-US"/>
               <a:t>表达式：</a:t>
             </a:r>
-            <a:endParaRPr lang="en-US" altLang="zh-CN" smtClean="0"/>
+            <a:endParaRPr lang="en-US" altLang="zh-CN"/>
           </a:p>
           <a:p>
             <a:pPr marL="0" indent="0">
               <a:buNone/>
             </a:pPr>
             <a:r>
-              <a:rPr lang="en-US" altLang="zh-CN" smtClean="0"/>
+              <a:rPr lang="en-US" altLang="zh-CN"/>
               <a:t>step(</a:t>
             </a:r>
             <a:r>
-              <a:rPr lang="zh-CN" altLang="en-US" smtClean="0"/>
+              <a:rPr lang="zh-CN" altLang="en-US"/>
               <a:t>数值</a:t>
             </a:r>
             <a:r>
-              <a:rPr lang="en-US" altLang="zh-CN" smtClean="0"/>
+              <a:rPr lang="en-US" altLang="zh-CN"/>
               <a:t>,</a:t>
             </a:r>
             <a:r>
-              <a:rPr lang="zh-CN" altLang="en-US" smtClean="0"/>
+              <a:rPr lang="zh-CN" altLang="en-US"/>
               <a:t>时间</a:t>
             </a:r>
             <a:r>
-              <a:rPr lang="en-US" altLang="zh-CN" smtClean="0"/>
+              <a:rPr lang="en-US" altLang="zh-CN"/>
               <a:t>)</a:t>
             </a:r>
           </a:p>
@@ -8612,14 +8563,14 @@
             <a:pPr marL="0" indent="0">
               <a:buNone/>
             </a:pPr>
-            <a:endParaRPr lang="en-US" altLang="zh-CN" smtClean="0"/>
+            <a:endParaRPr lang="en-US" altLang="zh-CN"/>
           </a:p>
           <a:p>
             <a:pPr marL="0" indent="0">
               <a:buNone/>
             </a:pPr>
             <a:r>
-              <a:rPr lang="en-US" altLang="zh-CN" smtClean="0"/>
+              <a:rPr lang="en-US" altLang="zh-CN"/>
               <a:t>STEP(5,10)</a:t>
             </a:r>
             <a:endParaRPr lang="zh-CN" altLang="en-US"/>
@@ -8718,13 +8669,6 @@
       </p:transition>
     </mc:Fallback>
   </mc:AlternateContent>
-  <p:timing>
-    <p:tnLst>
-      <p:par>
-        <p:cTn id="1" dur="indefinite" restart="never" nodeType="tmRoot"/>
-      </p:par>
-    </p:tnLst>
-  </p:timing>
 </p:sld>
 </file>
 
@@ -8763,10 +8707,9 @@
           <a:lstStyle/>
           <a:p>
             <a:r>
-              <a:rPr lang="zh-CN" altLang="en-US" sz="2800" smtClean="0"/>
+              <a:rPr lang="zh-CN" altLang="en-US" sz="2800"/>
               <a:t>斜坡函数</a:t>
             </a:r>
-            <a:endParaRPr lang="zh-CN" altLang="en-US" sz="2800"/>
           </a:p>
         </p:txBody>
       </p:sp>
@@ -8786,59 +8729,59 @@
           <a:lstStyle/>
           <a:p>
             <a:r>
-              <a:rPr lang="zh-CN" altLang="en-US" smtClean="0"/>
+              <a:rPr lang="zh-CN" altLang="en-US"/>
               <a:t>在某时间段内从</a:t>
             </a:r>
             <a:r>
-              <a:rPr lang="en-US" altLang="zh-CN" smtClean="0"/>
+              <a:rPr lang="en-US" altLang="zh-CN"/>
               <a:t>0</a:t>
             </a:r>
             <a:r>
-              <a:rPr lang="zh-CN" altLang="en-US" smtClean="0"/>
+              <a:rPr lang="zh-CN" altLang="en-US"/>
               <a:t>逐步抬升至制定值</a:t>
             </a:r>
-            <a:endParaRPr lang="en-US" altLang="zh-CN" smtClean="0"/>
+            <a:endParaRPr lang="en-US" altLang="zh-CN"/>
           </a:p>
           <a:p>
             <a:pPr marL="0" indent="0">
               <a:buNone/>
             </a:pPr>
             <a:r>
-              <a:rPr lang="zh-CN" altLang="en-US" smtClean="0"/>
+              <a:rPr lang="zh-CN" altLang="en-US"/>
               <a:t>表达式：</a:t>
             </a:r>
-            <a:endParaRPr lang="en-US" altLang="zh-CN" smtClean="0"/>
+            <a:endParaRPr lang="en-US" altLang="zh-CN"/>
           </a:p>
           <a:p>
             <a:pPr marL="0" indent="0">
               <a:buNone/>
             </a:pPr>
             <a:r>
-              <a:rPr lang="en-US" altLang="zh-CN" smtClean="0"/>
+              <a:rPr lang="en-US" altLang="zh-CN"/>
               <a:t>RAMP(</a:t>
             </a:r>
             <a:r>
-              <a:rPr lang="zh-CN" altLang="en-US" smtClean="0"/>
+              <a:rPr lang="zh-CN" altLang="en-US"/>
               <a:t>数值</a:t>
             </a:r>
             <a:r>
-              <a:rPr lang="en-US" altLang="zh-CN" smtClean="0"/>
+              <a:rPr lang="en-US" altLang="zh-CN"/>
               <a:t>,</a:t>
             </a:r>
             <a:r>
-              <a:rPr lang="zh-CN" altLang="en-US" smtClean="0"/>
+              <a:rPr lang="zh-CN" altLang="en-US"/>
               <a:t>开始时间</a:t>
             </a:r>
             <a:r>
-              <a:rPr lang="en-US" altLang="zh-CN" smtClean="0"/>
+              <a:rPr lang="en-US" altLang="zh-CN"/>
               <a:t>,</a:t>
             </a:r>
             <a:r>
-              <a:rPr lang="zh-CN" altLang="en-US" smtClean="0"/>
+              <a:rPr lang="zh-CN" altLang="en-US"/>
               <a:t>结束时间</a:t>
             </a:r>
             <a:r>
-              <a:rPr lang="en-US" altLang="zh-CN" smtClean="0"/>
+              <a:rPr lang="en-US" altLang="zh-CN"/>
               <a:t>)</a:t>
             </a:r>
           </a:p>
@@ -8847,7 +8790,7 @@
               <a:buNone/>
             </a:pPr>
             <a:r>
-              <a:rPr lang="zh-CN" altLang="en-US" smtClean="0"/>
+              <a:rPr lang="zh-CN" altLang="en-US"/>
               <a:t>例：</a:t>
             </a:r>
             <a:endParaRPr lang="en-US" altLang="zh-CN"/>
@@ -8857,7 +8800,7 @@
               <a:buNone/>
             </a:pPr>
             <a:r>
-              <a:rPr lang="en-US" altLang="zh-CN" smtClean="0"/>
+              <a:rPr lang="en-US" altLang="zh-CN"/>
               <a:t>inflow=ramp(15,20,50)</a:t>
             </a:r>
             <a:endParaRPr lang="zh-CN" altLang="en-US"/>
@@ -8933,13 +8876,6 @@
       </p:transition>
     </mc:Fallback>
   </mc:AlternateContent>
-  <p:timing>
-    <p:tnLst>
-      <p:par>
-        <p:cTn id="1" dur="indefinite" restart="never" nodeType="tmRoot"/>
-      </p:par>
-    </p:tnLst>
-  </p:timing>
 </p:sld>
 </file>
 
@@ -9006,10 +8942,9 @@
           <a:lstStyle/>
           <a:p>
             <a:r>
-              <a:rPr lang="zh-CN" altLang="en-US" sz="2800" dirty="0" smtClean="0"/>
+              <a:rPr lang="zh-CN" altLang="en-US" sz="2800" dirty="0"/>
               <a:t>脉冲函数</a:t>
             </a:r>
-            <a:endParaRPr lang="zh-CN" altLang="en-US" sz="2800" dirty="0"/>
           </a:p>
         </p:txBody>
       </p:sp>
@@ -9036,27 +8971,27 @@
           <a:lstStyle/>
           <a:p>
             <a:r>
-              <a:rPr lang="zh-CN" altLang="en-US" dirty="0" smtClean="0"/>
+              <a:rPr lang="zh-CN" altLang="en-US" dirty="0"/>
               <a:t>脉冲函数表示一个时间段里发生的业务数量</a:t>
             </a:r>
-            <a:endParaRPr lang="en-US" altLang="zh-CN" dirty="0" smtClean="0"/>
+            <a:endParaRPr lang="en-US" altLang="zh-CN" dirty="0"/>
           </a:p>
           <a:p>
             <a:pPr marL="0" indent="0">
               <a:buNone/>
             </a:pPr>
             <a:r>
-              <a:rPr lang="zh-CN" altLang="en-US" dirty="0" smtClean="0"/>
+              <a:rPr lang="zh-CN" altLang="en-US" dirty="0"/>
               <a:t>表达式：</a:t>
             </a:r>
-            <a:endParaRPr lang="en-US" altLang="zh-CN" dirty="0" smtClean="0"/>
+            <a:endParaRPr lang="en-US" altLang="zh-CN" dirty="0"/>
           </a:p>
           <a:p>
             <a:pPr marL="0" indent="0">
               <a:buNone/>
             </a:pPr>
             <a:r>
-              <a:rPr lang="en-US" altLang="zh-CN" sz="2400" dirty="0" smtClean="0">
+              <a:rPr lang="en-US" altLang="zh-CN" sz="2400" dirty="0">
                 <a:solidFill>
                   <a:srgbClr val="7030A0"/>
                 </a:solidFill>
@@ -9064,7 +8999,7 @@
               <a:t>PULSE(</a:t>
             </a:r>
             <a:r>
-              <a:rPr lang="zh-CN" altLang="en-US" sz="2400" dirty="0" smtClean="0">
+              <a:rPr lang="zh-CN" altLang="en-US" sz="2400" dirty="0">
                 <a:solidFill>
                   <a:srgbClr val="7030A0"/>
                 </a:solidFill>
@@ -9072,7 +9007,7 @@
               <a:t>开始时间</a:t>
             </a:r>
             <a:r>
-              <a:rPr lang="en-US" altLang="zh-CN" sz="2400" dirty="0" smtClean="0">
+              <a:rPr lang="en-US" altLang="zh-CN" sz="2400" dirty="0">
                 <a:solidFill>
                   <a:srgbClr val="7030A0"/>
                 </a:solidFill>
@@ -9080,7 +9015,7 @@
               <a:t>,</a:t>
             </a:r>
             <a:r>
-              <a:rPr lang="zh-CN" altLang="en-US" sz="2400" dirty="0" smtClean="0">
+              <a:rPr lang="zh-CN" altLang="en-US" sz="2400" dirty="0">
                 <a:solidFill>
                   <a:srgbClr val="7030A0"/>
                 </a:solidFill>
@@ -9088,7 +9023,7 @@
               <a:t>持续时间</a:t>
             </a:r>
             <a:r>
-              <a:rPr lang="en-US" altLang="zh-CN" sz="2400" dirty="0" smtClean="0">
+              <a:rPr lang="en-US" altLang="zh-CN" sz="2400" dirty="0">
                 <a:solidFill>
                   <a:srgbClr val="7030A0"/>
                 </a:solidFill>
@@ -9101,72 +9036,64 @@
               <a:buNone/>
             </a:pPr>
             <a:r>
-              <a:rPr lang="zh-CN" altLang="en-US" dirty="0" smtClean="0"/>
+              <a:rPr lang="zh-CN" altLang="en-US" dirty="0"/>
               <a:t>管理中的意义：</a:t>
             </a:r>
-            <a:endParaRPr lang="en-US" altLang="zh-CN" dirty="0" smtClean="0"/>
+            <a:endParaRPr lang="en-US" altLang="zh-CN" dirty="0"/>
           </a:p>
           <a:p>
             <a:pPr marL="0" indent="0">
               <a:buNone/>
             </a:pPr>
             <a:r>
-              <a:rPr lang="zh-CN" altLang="en-US" dirty="0" smtClean="0"/>
+              <a:rPr lang="zh-CN" altLang="en-US" dirty="0"/>
               <a:t>例：企业在第</a:t>
             </a:r>
             <a:r>
-              <a:rPr lang="en-US" altLang="zh-CN" dirty="0" smtClean="0"/>
+              <a:rPr lang="en-US" altLang="zh-CN" dirty="0"/>
               <a:t>15</a:t>
             </a:r>
             <a:r>
-              <a:rPr lang="zh-CN" altLang="en-US" dirty="0" smtClean="0"/>
+              <a:rPr lang="zh-CN" altLang="en-US" dirty="0"/>
               <a:t>天采购一次，共</a:t>
             </a:r>
             <a:r>
-              <a:rPr lang="en-US" altLang="zh-CN" dirty="0" smtClean="0"/>
+              <a:rPr lang="en-US" altLang="zh-CN" dirty="0"/>
               <a:t>1</a:t>
             </a:r>
             <a:r>
-              <a:rPr lang="zh-CN" altLang="en-US" dirty="0" smtClean="0"/>
+              <a:rPr lang="zh-CN" altLang="en-US" dirty="0"/>
               <a:t>吨物资</a:t>
             </a:r>
-            <a:endParaRPr lang="en-US" altLang="zh-CN" dirty="0" smtClean="0"/>
+            <a:endParaRPr lang="en-US" altLang="zh-CN" dirty="0"/>
           </a:p>
           <a:p>
             <a:pPr marL="0" indent="0">
               <a:buNone/>
             </a:pPr>
             <a:r>
-              <a:rPr lang="en-US" altLang="zh-CN" dirty="0" smtClean="0"/>
+              <a:rPr lang="en-US" altLang="zh-CN" dirty="0"/>
               <a:t>inflow=1*pulse(15,1)</a:t>
             </a:r>
           </a:p>
           <a:p>
             <a:r>
-              <a:rPr lang="zh-CN" altLang="en-US" dirty="0" smtClean="0"/>
+              <a:rPr lang="zh-CN" altLang="en-US" dirty="0"/>
               <a:t>多级脉冲</a:t>
             </a:r>
-            <a:endParaRPr lang="en-US" altLang="zh-CN" dirty="0" smtClean="0"/>
+            <a:endParaRPr lang="en-US" altLang="zh-CN" dirty="0"/>
           </a:p>
           <a:p>
             <a:pPr marL="0" indent="0">
               <a:buNone/>
             </a:pPr>
-            <a:r>
-              <a:rPr lang="en-US" altLang="zh-CN" sz="2400" dirty="0" smtClean="0">
-                <a:solidFill>
-                  <a:srgbClr val="7030A0"/>
-                </a:solidFill>
-              </a:rPr>
-              <a:t>PULSE </a:t>
-            </a:r>
             <a:r>
               <a:rPr lang="en-US" altLang="zh-CN" sz="2400" dirty="0">
                 <a:solidFill>
                   <a:srgbClr val="7030A0"/>
                 </a:solidFill>
               </a:rPr>
-              <a:t>TRAIN(</a:t>
+              <a:t>PULSE TRAIN(</a:t>
             </a:r>
             <a:r>
               <a:rPr lang="zh-CN" altLang="en-US" sz="2400" dirty="0">
@@ -9217,13 +9144,6 @@
       </p:transition>
     </mc:Fallback>
   </mc:AlternateContent>
-  <p:timing>
-    <p:tnLst>
-      <p:par>
-        <p:cTn id="1" dur="indefinite" restart="never" nodeType="tmRoot"/>
-      </p:par>
-    </p:tnLst>
-  </p:timing>
 </p:sld>
 </file>
 
@@ -9260,18 +9180,13 @@
           <a:lstStyle/>
           <a:p>
             <a:r>
-              <a:rPr lang="en-US" altLang="zh-CN" dirty="0" smtClean="0"/>
+              <a:rPr lang="en-US" altLang="zh-CN" dirty="0"/>
               <a:t>*</a:t>
             </a:r>
             <a:r>
-              <a:rPr lang="zh-CN" altLang="en-US" dirty="0" smtClean="0"/>
-              <a:t>延迟</a:t>
-            </a:r>
-            <a:r>
-              <a:rPr lang="zh-CN" altLang="en-US" dirty="0" smtClean="0"/>
-              <a:t>函数</a:t>
-            </a:r>
-            <a:endParaRPr lang="zh-CN" altLang="en-US" dirty="0"/>
+              <a:rPr lang="zh-CN" altLang="en-US" dirty="0"/>
+              <a:t>延迟函数</a:t>
+            </a:r>
           </a:p>
         </p:txBody>
       </p:sp>
@@ -9291,42 +9206,42 @@
           <a:lstStyle/>
           <a:p>
             <a:r>
-              <a:rPr lang="zh-CN" altLang="en-US" dirty="0" smtClean="0"/>
+              <a:rPr lang="zh-CN" altLang="en-US" dirty="0"/>
               <a:t>事物产生变化，但是其传导需要延后一段时间</a:t>
             </a:r>
-            <a:endParaRPr lang="en-US" altLang="zh-CN" dirty="0" smtClean="0"/>
+            <a:endParaRPr lang="en-US" altLang="zh-CN" dirty="0"/>
           </a:p>
           <a:p>
             <a:pPr lvl="1"/>
             <a:r>
-              <a:rPr lang="zh-CN" altLang="en-US" dirty="0" smtClean="0"/>
+              <a:rPr lang="zh-CN" altLang="en-US" dirty="0"/>
               <a:t>物流中，发货到收货之间有一个在途运输的延迟时间</a:t>
             </a:r>
-            <a:endParaRPr lang="en-US" altLang="zh-CN" dirty="0" smtClean="0"/>
+            <a:endParaRPr lang="en-US" altLang="zh-CN" dirty="0"/>
           </a:p>
           <a:p>
             <a:pPr lvl="1"/>
             <a:r>
-              <a:rPr lang="zh-CN" altLang="en-US" dirty="0" smtClean="0"/>
+              <a:rPr lang="zh-CN" altLang="en-US" dirty="0"/>
               <a:t>疾病传染，感染到发病有一个潜伏期</a:t>
             </a:r>
-            <a:endParaRPr lang="en-US" altLang="zh-CN" dirty="0" smtClean="0"/>
-          </a:p>
-          <a:p>
-            <a:r>
-              <a:rPr lang="zh-CN" altLang="en-US" dirty="0" smtClean="0"/>
+            <a:endParaRPr lang="en-US" altLang="zh-CN" dirty="0"/>
+          </a:p>
+          <a:p>
+            <a:r>
+              <a:rPr lang="zh-CN" altLang="en-US" dirty="0"/>
               <a:t>延迟函数</a:t>
             </a:r>
-            <a:endParaRPr lang="en-US" altLang="zh-CN" dirty="0" smtClean="0"/>
+            <a:endParaRPr lang="en-US" altLang="zh-CN" dirty="0"/>
           </a:p>
           <a:p>
             <a:pPr lvl="1"/>
             <a:r>
-              <a:rPr lang="zh-CN" altLang="en-US" dirty="0" smtClean="0"/>
+              <a:rPr lang="zh-CN" altLang="en-US" dirty="0"/>
               <a:t>格式： </a:t>
             </a:r>
             <a:r>
-              <a:rPr lang="en-US" altLang="zh-CN" dirty="0" smtClean="0">
+              <a:rPr lang="en-US" altLang="zh-CN" dirty="0">
                 <a:solidFill>
                   <a:srgbClr val="7030A0"/>
                 </a:solidFill>
@@ -9334,7 +9249,7 @@
               <a:t>DELAY(X</a:t>
             </a:r>
             <a:r>
-              <a:rPr lang="zh-CN" altLang="en-US" dirty="0" smtClean="0">
+              <a:rPr lang="zh-CN" altLang="en-US" dirty="0">
                 <a:solidFill>
                   <a:srgbClr val="7030A0"/>
                 </a:solidFill>
@@ -9342,7 +9257,7 @@
               <a:t>，</a:t>
             </a:r>
             <a:r>
-              <a:rPr lang="en-US" altLang="zh-CN" dirty="0" smtClean="0">
+              <a:rPr lang="en-US" altLang="zh-CN" dirty="0">
                 <a:solidFill>
                   <a:srgbClr val="7030A0"/>
                 </a:solidFill>
@@ -9350,14 +9265,14 @@
               <a:t>T</a:t>
             </a:r>
             <a:r>
-              <a:rPr lang="zh-CN" altLang="en-US" dirty="0" smtClean="0">
+              <a:rPr lang="zh-CN" altLang="en-US" dirty="0">
                 <a:solidFill>
                   <a:srgbClr val="7030A0"/>
                 </a:solidFill>
               </a:rPr>
               <a:t>）</a:t>
             </a:r>
-            <a:endParaRPr lang="en-US" altLang="zh-CN" dirty="0" smtClean="0">
+            <a:endParaRPr lang="en-US" altLang="zh-CN" dirty="0">
               <a:solidFill>
                 <a:srgbClr val="7030A0"/>
               </a:solidFill>
@@ -9366,42 +9281,42 @@
           <a:p>
             <a:pPr lvl="1"/>
             <a:r>
-              <a:rPr lang="zh-CN" altLang="en-US" dirty="0" smtClean="0"/>
+              <a:rPr lang="zh-CN" altLang="en-US" dirty="0"/>
               <a:t>自变量</a:t>
             </a:r>
             <a:r>
-              <a:rPr lang="en-US" altLang="zh-CN" dirty="0" smtClean="0"/>
+              <a:rPr lang="en-US" altLang="zh-CN" dirty="0"/>
               <a:t>X</a:t>
             </a:r>
             <a:r>
-              <a:rPr lang="zh-CN" altLang="en-US" dirty="0" smtClean="0"/>
+              <a:rPr lang="zh-CN" altLang="en-US" dirty="0"/>
               <a:t>输入后，延后</a:t>
             </a:r>
             <a:r>
-              <a:rPr lang="en-US" altLang="zh-CN" dirty="0" smtClean="0"/>
+              <a:rPr lang="en-US" altLang="zh-CN" dirty="0"/>
               <a:t>T</a:t>
             </a:r>
             <a:r>
-              <a:rPr lang="zh-CN" altLang="en-US" dirty="0" smtClean="0"/>
+              <a:rPr lang="zh-CN" altLang="en-US" dirty="0"/>
               <a:t>时间才输出</a:t>
             </a:r>
-            <a:endParaRPr lang="en-US" altLang="zh-CN" dirty="0" smtClean="0"/>
-          </a:p>
-          <a:p>
-            <a:r>
-              <a:rPr lang="zh-CN" altLang="en-US" dirty="0" smtClean="0"/>
+            <a:endParaRPr lang="en-US" altLang="zh-CN" dirty="0"/>
+          </a:p>
+          <a:p>
+            <a:r>
+              <a:rPr lang="zh-CN" altLang="en-US" dirty="0"/>
               <a:t>延迟函数阶数</a:t>
             </a:r>
-            <a:endParaRPr lang="en-US" altLang="zh-CN" dirty="0" smtClean="0"/>
+            <a:endParaRPr lang="en-US" altLang="zh-CN" dirty="0"/>
           </a:p>
           <a:p>
             <a:pPr lvl="1"/>
             <a:r>
-              <a:rPr lang="zh-CN" altLang="en-US" dirty="0" smtClean="0"/>
+              <a:rPr lang="zh-CN" altLang="en-US" dirty="0"/>
               <a:t>格式：</a:t>
             </a:r>
             <a:r>
-              <a:rPr lang="en-US" altLang="zh-CN" dirty="0" smtClean="0">
+              <a:rPr lang="en-US" altLang="zh-CN" dirty="0">
                 <a:solidFill>
                   <a:srgbClr val="7030A0"/>
                 </a:solidFill>
@@ -9413,13 +9328,8 @@
             <a:pPr lvl="1"/>
             <a:r>
               <a:rPr lang="zh-CN" altLang="en-US" dirty="0"/>
-              <a:t>三</a:t>
-            </a:r>
-            <a:r>
-              <a:rPr lang="zh-CN" altLang="en-US" dirty="0" smtClean="0"/>
-              <a:t>阶延迟</a:t>
-            </a:r>
-            <a:endParaRPr lang="zh-CN" altLang="en-US" dirty="0"/>
+              <a:t>三阶延迟</a:t>
+            </a:r>
           </a:p>
         </p:txBody>
       </p:sp>
@@ -9481,18 +9391,13 @@
           <a:lstStyle/>
           <a:p>
             <a:r>
-              <a:rPr lang="en-US" altLang="zh-CN" dirty="0" smtClean="0"/>
+              <a:rPr lang="en-US" altLang="zh-CN" dirty="0"/>
               <a:t>*</a:t>
             </a:r>
             <a:r>
-              <a:rPr lang="zh-CN" altLang="en-US" dirty="0" smtClean="0"/>
-              <a:t>平滑</a:t>
-            </a:r>
-            <a:r>
-              <a:rPr lang="zh-CN" altLang="en-US" dirty="0" smtClean="0"/>
-              <a:t>函数</a:t>
-            </a:r>
-            <a:endParaRPr lang="zh-CN" altLang="en-US" dirty="0"/>
+              <a:rPr lang="zh-CN" altLang="en-US" dirty="0"/>
+              <a:t>平滑函数</a:t>
+            </a:r>
           </a:p>
         </p:txBody>
       </p:sp>
@@ -9517,52 +9422,51 @@
           <a:lstStyle/>
           <a:p>
             <a:r>
-              <a:rPr lang="zh-CN" altLang="en-US" smtClean="0"/>
+              <a:rPr lang="zh-CN" altLang="en-US"/>
               <a:t>日常业务的突然改变，往往需要一定时间进行处理、消化，在数据上表现出曲线的尖锐变化被平滑为平缓趋势，并逐步达到目标</a:t>
             </a:r>
-            <a:endParaRPr lang="en-US" altLang="zh-CN" smtClean="0"/>
-          </a:p>
-          <a:p>
-            <a:r>
-              <a:rPr lang="zh-CN" altLang="en-US" smtClean="0"/>
+            <a:endParaRPr lang="en-US" altLang="zh-CN"/>
+          </a:p>
+          <a:p>
+            <a:r>
+              <a:rPr lang="zh-CN" altLang="en-US"/>
               <a:t>平滑函数</a:t>
             </a:r>
-            <a:endParaRPr lang="en-US" altLang="zh-CN" smtClean="0"/>
+            <a:endParaRPr lang="en-US" altLang="zh-CN"/>
           </a:p>
           <a:p>
             <a:pPr lvl="1"/>
             <a:r>
-              <a:rPr lang="zh-CN" altLang="en-US" smtClean="0"/>
+              <a:rPr lang="zh-CN" altLang="en-US"/>
               <a:t>格式</a:t>
             </a:r>
             <a:r>
-              <a:rPr lang="en-US" altLang="zh-CN" smtClean="0"/>
+              <a:rPr lang="en-US" altLang="zh-CN"/>
               <a:t>SMOOTH(X,T)</a:t>
             </a:r>
           </a:p>
           <a:p>
             <a:pPr lvl="1"/>
             <a:r>
-              <a:rPr lang="zh-CN" altLang="en-US" smtClean="0"/>
+              <a:rPr lang="zh-CN" altLang="en-US"/>
               <a:t>自变量</a:t>
             </a:r>
             <a:r>
-              <a:rPr lang="en-US" altLang="zh-CN" smtClean="0"/>
+              <a:rPr lang="en-US" altLang="zh-CN"/>
               <a:t>X</a:t>
             </a:r>
             <a:r>
-              <a:rPr lang="zh-CN" altLang="en-US" smtClean="0"/>
+              <a:rPr lang="zh-CN" altLang="en-US"/>
               <a:t>输入后，需要经过</a:t>
             </a:r>
             <a:r>
-              <a:rPr lang="en-US" altLang="zh-CN" smtClean="0"/>
+              <a:rPr lang="en-US" altLang="zh-CN"/>
               <a:t>T</a:t>
             </a:r>
             <a:r>
-              <a:rPr lang="zh-CN" altLang="en-US" smtClean="0"/>
+              <a:rPr lang="zh-CN" altLang="en-US"/>
               <a:t>时间进行平滑</a:t>
             </a:r>
-            <a:endParaRPr lang="zh-CN" altLang="en-US"/>
           </a:p>
         </p:txBody>
       </p:sp>
@@ -9589,7 +9493,7 @@
           <a:lstStyle/>
           <a:p>
             <a:r>
-              <a:rPr lang="en-US" altLang="zh-CN" smtClean="0">
+              <a:rPr lang="en-US" altLang="zh-CN">
                 <a:solidFill>
                   <a:srgbClr val="7030A0"/>
                 </a:solidFill>
@@ -9599,7 +9503,7 @@
               <a:t>NOTE</a:t>
             </a:r>
             <a:r>
-              <a:rPr lang="zh-CN" altLang="en-US" smtClean="0">
+              <a:rPr lang="zh-CN" altLang="en-US">
                 <a:solidFill>
                   <a:srgbClr val="7030A0"/>
                 </a:solidFill>
@@ -9608,13 +9512,6 @@
               </a:rPr>
               <a:t>：延迟与平滑是我们后边涉及到的两个专题内容，此处需先掌握这两个函数的用法。</a:t>
             </a:r>
-            <a:endParaRPr lang="zh-CN" altLang="en-US">
-              <a:solidFill>
-                <a:srgbClr val="7030A0"/>
-              </a:solidFill>
-              <a:latin typeface="华文楷体" panose="02010600040101010101" pitchFamily="2" charset="-122"/>
-              <a:ea typeface="华文楷体" panose="02010600040101010101" pitchFamily="2" charset="-122"/>
-            </a:endParaRPr>
           </a:p>
         </p:txBody>
       </p:sp>
@@ -9701,10 +9598,9 @@
           <a:p>
             <a:pPr algn="ctr"/>
             <a:r>
-              <a:rPr lang="zh-CN" altLang="en-US" dirty="0" smtClean="0"/>
+              <a:rPr lang="zh-CN" altLang="en-US" dirty="0"/>
               <a:t>四、随机函数</a:t>
             </a:r>
-            <a:endParaRPr lang="zh-CN" altLang="en-US" dirty="0"/>
           </a:p>
         </p:txBody>
       </p:sp>
@@ -9724,56 +9620,50 @@
           <a:lstStyle/>
           <a:p>
             <a:r>
-              <a:rPr lang="zh-CN" altLang="en-US" smtClean="0"/>
+              <a:rPr lang="zh-CN" altLang="en-US"/>
               <a:t>随机函数 </a:t>
             </a:r>
             <a:r>
-              <a:rPr lang="en-US" altLang="zh-CN" smtClean="0"/>
+              <a:rPr lang="en-US" altLang="zh-CN"/>
               <a:t>RANDOM</a:t>
             </a:r>
             <a:r>
-              <a:rPr lang="zh-CN" altLang="en-US" smtClean="0"/>
+              <a:rPr lang="zh-CN" altLang="en-US"/>
               <a:t>系列函数</a:t>
             </a:r>
-            <a:endParaRPr lang="en-US" altLang="zh-CN" smtClean="0"/>
+            <a:endParaRPr lang="en-US" altLang="zh-CN"/>
           </a:p>
           <a:p>
             <a:pPr lvl="1"/>
             <a:r>
-              <a:rPr lang="zh-CN" altLang="en-US" smtClean="0"/>
+              <a:rPr lang="zh-CN" altLang="en-US"/>
               <a:t>所有随机函数均是动态的</a:t>
             </a:r>
-            <a:endParaRPr lang="en-US" altLang="zh-CN" smtClean="0"/>
+            <a:endParaRPr lang="en-US" altLang="zh-CN"/>
           </a:p>
           <a:p>
             <a:pPr lvl="1"/>
             <a:r>
-              <a:rPr lang="zh-CN" altLang="en-US" smtClean="0"/>
+              <a:rPr lang="zh-CN" altLang="en-US"/>
               <a:t>随机函数均以</a:t>
             </a:r>
             <a:r>
-              <a:rPr lang="en-US" altLang="zh-CN" smtClean="0"/>
+              <a:rPr lang="en-US" altLang="zh-CN"/>
               <a:t>RANDOM</a:t>
             </a:r>
             <a:r>
-              <a:rPr lang="zh-CN" altLang="en-US" smtClean="0"/>
+              <a:rPr lang="zh-CN" altLang="en-US"/>
               <a:t>开头，加上对应分布名称</a:t>
             </a:r>
-            <a:endParaRPr lang="en-US" altLang="zh-CN" smtClean="0"/>
+            <a:endParaRPr lang="en-US" altLang="zh-CN"/>
           </a:p>
           <a:p>
             <a:pPr lvl="1"/>
             <a:r>
-              <a:rPr lang="zh-CN" altLang="en-US" smtClean="0"/>
+              <a:rPr lang="zh-CN" altLang="en-US"/>
               <a:t>依赖随机种子</a:t>
             </a:r>
-            <a:endParaRPr lang="en-US" altLang="zh-CN" smtClean="0"/>
-          </a:p>
-          <a:p>
-            <a:pPr marL="0" indent="0">
-              <a:buNone/>
-            </a:pPr>
-            <a:endParaRPr lang="en-US" altLang="zh-CN" sz="2000" smtClean="0"/>
+            <a:endParaRPr lang="en-US" altLang="zh-CN"/>
           </a:p>
           <a:p>
             <a:pPr marL="0" indent="0">
@@ -9785,24 +9675,30 @@
             <a:pPr marL="0" indent="0">
               <a:buNone/>
             </a:pPr>
-            <a:endParaRPr lang="en-US" altLang="zh-CN" sz="2000" smtClean="0"/>
+            <a:endParaRPr lang="en-US" altLang="zh-CN" sz="2000"/>
           </a:p>
           <a:p>
             <a:pPr marL="0" indent="0">
               <a:buNone/>
             </a:pPr>
-            <a:r>
-              <a:rPr lang="zh-CN" altLang="en-US" sz="2000" smtClean="0"/>
-              <a:t>表达式</a:t>
-            </a:r>
-            <a:endParaRPr lang="en-US" altLang="zh-CN" sz="2000" smtClean="0"/>
+            <a:endParaRPr lang="en-US" altLang="zh-CN" sz="2000"/>
           </a:p>
           <a:p>
             <a:pPr marL="0" indent="0">
               <a:buNone/>
             </a:pPr>
             <a:r>
-              <a:rPr lang="en-US" altLang="zh-CN" sz="1800" smtClean="0">
+              <a:rPr lang="zh-CN" altLang="en-US" sz="2000"/>
+              <a:t>表达式</a:t>
+            </a:r>
+            <a:endParaRPr lang="en-US" altLang="zh-CN" sz="2000"/>
+          </a:p>
+          <a:p>
+            <a:pPr marL="0" indent="0">
+              <a:buNone/>
+            </a:pPr>
+            <a:r>
+              <a:rPr lang="en-US" altLang="zh-CN" sz="1800">
                 <a:solidFill>
                   <a:srgbClr val="7030A0"/>
                 </a:solidFill>
@@ -9810,7 +9706,7 @@
               <a:t>RANDOM NORMAL(</a:t>
             </a:r>
             <a:r>
-              <a:rPr lang="zh-CN" altLang="en-US" sz="1800" smtClean="0">
+              <a:rPr lang="zh-CN" altLang="en-US" sz="1800">
                 <a:solidFill>
                   <a:srgbClr val="7030A0"/>
                 </a:solidFill>
@@ -9818,7 +9714,7 @@
               <a:t>最小值</a:t>
             </a:r>
             <a:r>
-              <a:rPr lang="en-US" altLang="zh-CN" sz="1800" smtClean="0">
+              <a:rPr lang="en-US" altLang="zh-CN" sz="1800">
                 <a:solidFill>
                   <a:srgbClr val="7030A0"/>
                 </a:solidFill>
@@ -9826,7 +9722,7 @@
               <a:t>,</a:t>
             </a:r>
             <a:r>
-              <a:rPr lang="zh-CN" altLang="en-US" sz="1800" smtClean="0">
+              <a:rPr lang="zh-CN" altLang="en-US" sz="1800">
                 <a:solidFill>
                   <a:srgbClr val="7030A0"/>
                 </a:solidFill>
@@ -9834,7 +9730,7 @@
               <a:t>最大值</a:t>
             </a:r>
             <a:r>
-              <a:rPr lang="en-US" altLang="zh-CN" sz="1800" smtClean="0">
+              <a:rPr lang="en-US" altLang="zh-CN" sz="1800">
                 <a:solidFill>
                   <a:srgbClr val="7030A0"/>
                 </a:solidFill>
@@ -9842,7 +9738,7 @@
               <a:t>,</a:t>
             </a:r>
             <a:r>
-              <a:rPr lang="zh-CN" altLang="en-US" sz="1800" smtClean="0">
+              <a:rPr lang="zh-CN" altLang="en-US" sz="1800">
                 <a:solidFill>
                   <a:srgbClr val="7030A0"/>
                 </a:solidFill>
@@ -9850,7 +9746,7 @@
               <a:t>期望</a:t>
             </a:r>
             <a:r>
-              <a:rPr lang="en-US" altLang="zh-CN" sz="1800" smtClean="0">
+              <a:rPr lang="en-US" altLang="zh-CN" sz="1800">
                 <a:solidFill>
                   <a:srgbClr val="7030A0"/>
                 </a:solidFill>
@@ -9858,7 +9754,7 @@
               <a:t>,</a:t>
             </a:r>
             <a:r>
-              <a:rPr lang="zh-CN" altLang="en-US" sz="1800" smtClean="0">
+              <a:rPr lang="zh-CN" altLang="en-US" sz="1800">
                 <a:solidFill>
                   <a:srgbClr val="7030A0"/>
                 </a:solidFill>
@@ -9866,7 +9762,7 @@
               <a:t>标准差</a:t>
             </a:r>
             <a:r>
-              <a:rPr lang="en-US" altLang="zh-CN" sz="1800" smtClean="0">
+              <a:rPr lang="en-US" altLang="zh-CN" sz="1800">
                 <a:solidFill>
                   <a:srgbClr val="7030A0"/>
                 </a:solidFill>
@@ -9874,7 +9770,7 @@
               <a:t>,</a:t>
             </a:r>
             <a:r>
-              <a:rPr lang="zh-CN" altLang="en-US" sz="1800" smtClean="0">
+              <a:rPr lang="zh-CN" altLang="en-US" sz="1800">
                 <a:solidFill>
                   <a:srgbClr val="7030A0"/>
                 </a:solidFill>
@@ -9882,7 +9778,7 @@
               <a:t>随机数种子</a:t>
             </a:r>
             <a:r>
-              <a:rPr lang="en-US" altLang="zh-CN" sz="1800" smtClean="0">
+              <a:rPr lang="en-US" altLang="zh-CN" sz="1800">
                 <a:solidFill>
                   <a:srgbClr val="7030A0"/>
                 </a:solidFill>
@@ -9919,13 +9815,6 @@
       </p:transition>
     </mc:Fallback>
   </mc:AlternateContent>
-  <p:timing>
-    <p:tnLst>
-      <p:par>
-        <p:cTn id="1" dur="indefinite" restart="never" nodeType="tmRoot"/>
-      </p:par>
-    </p:tnLst>
-  </p:timing>
 </p:sld>
 </file>
 
@@ -9964,10 +9853,9 @@
           <a:lstStyle/>
           <a:p>
             <a:r>
-              <a:rPr lang="zh-CN" altLang="en-US" sz="4000" dirty="0" smtClean="0"/>
+              <a:rPr lang="zh-CN" altLang="en-US" sz="4000" dirty="0"/>
               <a:t>正态随机函数</a:t>
             </a:r>
-            <a:endParaRPr lang="zh-CN" altLang="en-US" sz="4000" dirty="0"/>
           </a:p>
         </p:txBody>
       </p:sp>
@@ -9987,33 +9875,20 @@
           <a:lstStyle/>
           <a:p>
             <a:r>
-              <a:rPr lang="en-US" altLang="zh-CN" dirty="0" smtClean="0"/>
+              <a:rPr lang="en-US" altLang="zh-CN" dirty="0"/>
               <a:t>VENSIM</a:t>
             </a:r>
             <a:r>
-              <a:rPr lang="zh-CN" altLang="en-US" dirty="0" smtClean="0"/>
-              <a:t>中的</a:t>
-            </a:r>
-            <a:r>
-              <a:rPr lang="zh-CN" altLang="en-US" dirty="0" smtClean="0"/>
-              <a:t>正</a:t>
-            </a:r>
-            <a:r>
               <a:rPr lang="zh-CN" altLang="en-US" dirty="0"/>
-              <a:t>态</a:t>
-            </a:r>
-            <a:r>
-              <a:rPr lang="zh-CN" altLang="en-US" dirty="0" smtClean="0"/>
-              <a:t>随机函数</a:t>
-            </a:r>
-            <a:endParaRPr lang="en-US" altLang="zh-CN" dirty="0" smtClean="0"/>
-          </a:p>
-          <a:p>
-            <a:r>
-              <a:rPr lang="zh-CN" altLang="en-US" dirty="0" smtClean="0"/>
+              <a:t>中的正态随机函数</a:t>
+            </a:r>
+            <a:endParaRPr lang="en-US" altLang="zh-CN" dirty="0"/>
+          </a:p>
+          <a:p>
+            <a:r>
+              <a:rPr lang="zh-CN" altLang="en-US" dirty="0"/>
               <a:t>设置一个简单随机函数的输入系统</a:t>
             </a:r>
-            <a:endParaRPr lang="zh-CN" altLang="en-US" dirty="0"/>
           </a:p>
         </p:txBody>
       </p:sp>
@@ -10087,7 +9962,7 @@
           <a:lstStyle/>
           <a:p>
             <a:r>
-              <a:rPr lang="en-US" altLang="zh-CN" dirty="0" smtClean="0">
+              <a:rPr lang="en-US" altLang="zh-CN" dirty="0">
                 <a:solidFill>
                   <a:srgbClr val="7030A0"/>
                 </a:solidFill>
@@ -10095,20 +9970,12 @@
               <a:t>inflow=</a:t>
             </a:r>
             <a:r>
-              <a:rPr lang="zh-CN" altLang="en-US" dirty="0" smtClean="0">
-                <a:solidFill>
-                  <a:srgbClr val="7030A0"/>
-                </a:solidFill>
-              </a:rPr>
-              <a:t>RANDOM </a:t>
-            </a:r>
-            <a:r>
               <a:rPr lang="zh-CN" altLang="en-US" dirty="0">
                 <a:solidFill>
                   <a:srgbClr val="7030A0"/>
                 </a:solidFill>
               </a:rPr>
-              <a:t>NORMAL(1, 10,7 , 2 , 12)</a:t>
+              <a:t>RANDOM NORMAL(1, 10,7 , 2 , 12)</a:t>
             </a:r>
           </a:p>
         </p:txBody>
@@ -10135,13 +10002,6 @@
       </p:transition>
     </mc:Fallback>
   </mc:AlternateContent>
-  <p:timing>
-    <p:tnLst>
-      <p:par>
-        <p:cTn id="1" dur="indefinite" restart="never" nodeType="tmRoot"/>
-      </p:par>
-    </p:tnLst>
-  </p:timing>
 </p:sld>
 </file>
 
@@ -10200,10 +10060,9 @@
           <a:lstStyle/>
           <a:p>
             <a:r>
-              <a:rPr lang="zh-CN" altLang="en-US" smtClean="0"/>
+              <a:rPr lang="zh-CN" altLang="en-US"/>
               <a:t>企业仓库设置库存管理策略，当低于预期存量时开始进货，库存消耗设置为正态随机数</a:t>
             </a:r>
-            <a:endParaRPr lang="zh-CN" altLang="en-US"/>
           </a:p>
         </p:txBody>
       </p:sp>
@@ -10294,17 +10153,17 @@
           <a:lstStyle/>
           <a:p>
             <a:r>
-              <a:rPr lang="zh-CN" altLang="en-US" dirty="0" smtClean="0"/>
+              <a:rPr lang="zh-CN" altLang="en-US" dirty="0"/>
               <a:t>均匀分布</a:t>
             </a:r>
-            <a:endParaRPr lang="en-US" altLang="zh-CN" dirty="0" smtClean="0"/>
+            <a:endParaRPr lang="en-US" altLang="zh-CN" dirty="0"/>
           </a:p>
           <a:p>
             <a:pPr marL="0" indent="0">
               <a:buNone/>
             </a:pPr>
             <a:r>
-              <a:rPr lang="zh-CN" altLang="en-US" sz="1800" dirty="0" smtClean="0"/>
+              <a:rPr lang="zh-CN" altLang="en-US" sz="1800" dirty="0"/>
               <a:t>表达式</a:t>
             </a:r>
             <a:endParaRPr lang="en-US" altLang="zh-CN" sz="1800" dirty="0"/>
@@ -10319,18 +10178,10 @@
                   <a:srgbClr val="7030A0"/>
                 </a:solidFill>
               </a:rPr>
-              <a:t>RANDOM </a:t>
-            </a:r>
-            <a:r>
-              <a:rPr lang="en-US" altLang="zh-CN" sz="1600" dirty="0" smtClean="0">
-                <a:solidFill>
-                  <a:srgbClr val="7030A0"/>
-                </a:solidFill>
-              </a:rPr>
-              <a:t>UNIFORM(</a:t>
-            </a:r>
-            <a:r>
-              <a:rPr lang="zh-CN" altLang="en-US" sz="1600" dirty="0" smtClean="0">
+              <a:t>RANDOM UNIFORM(</a:t>
+            </a:r>
+            <a:r>
+              <a:rPr lang="zh-CN" altLang="en-US" sz="1600" dirty="0">
                 <a:solidFill>
                   <a:srgbClr val="7030A0"/>
                 </a:solidFill>
@@ -10351,18 +10202,10 @@
                   <a:srgbClr val="7030A0"/>
                 </a:solidFill>
               </a:rPr>
-              <a:t>最大</a:t>
-            </a:r>
-            <a:r>
-              <a:rPr lang="zh-CN" altLang="en-US" sz="1600" dirty="0" smtClean="0">
-                <a:solidFill>
-                  <a:srgbClr val="7030A0"/>
-                </a:solidFill>
-              </a:rPr>
-              <a:t>值</a:t>
-            </a:r>
-            <a:r>
-              <a:rPr lang="en-US" altLang="zh-CN" sz="1600" dirty="0" smtClean="0">
+              <a:t>最大值</a:t>
+            </a:r>
+            <a:r>
+              <a:rPr lang="en-US" altLang="zh-CN" sz="1600" dirty="0">
                 <a:solidFill>
                   <a:srgbClr val="7030A0"/>
                 </a:solidFill>
@@ -10563,13 +10406,6 @@
       </p:transition>
     </mc:Fallback>
   </mc:AlternateContent>
-  <p:timing>
-    <p:tnLst>
-      <p:par>
-        <p:cTn id="1" dur="indefinite" restart="never" nodeType="tmRoot"/>
-      </p:par>
-    </p:tnLst>
-  </p:timing>
 </p:sld>
 </file>
 
@@ -10607,14 +10443,9 @@
           <a:p>
             <a:pPr algn="ctr"/>
             <a:r>
-              <a:rPr lang="zh-CN" altLang="en-US" dirty="0" smtClean="0"/>
-              <a:t>一、</a:t>
-            </a:r>
-            <a:r>
-              <a:rPr lang="zh-CN" altLang="en-US" dirty="0" smtClean="0"/>
-              <a:t>逻辑函数</a:t>
-            </a:r>
-            <a:endParaRPr lang="zh-CN" altLang="en-US" dirty="0"/>
+              <a:rPr lang="zh-CN" altLang="en-US" dirty="0"/>
+              <a:t>一、逻辑函数</a:t>
+            </a:r>
           </a:p>
         </p:txBody>
       </p:sp>
@@ -10634,10 +10465,9 @@
           <a:lstStyle/>
           <a:p>
             <a:r>
-              <a:rPr lang="zh-CN" altLang="en-US" dirty="0" smtClean="0"/>
+              <a:rPr lang="zh-CN" altLang="en-US" dirty="0"/>
               <a:t>逻辑函数是仿真中常用功能，其功能是判断条件后决定取值</a:t>
             </a:r>
-            <a:endParaRPr lang="zh-CN" altLang="en-US" dirty="0"/>
           </a:p>
         </p:txBody>
       </p:sp>
@@ -10664,30 +10494,30 @@
           <a:lstStyle/>
           <a:p>
             <a:r>
-              <a:rPr lang="zh-CN" altLang="en-US" smtClean="0"/>
+              <a:rPr lang="zh-CN" altLang="en-US"/>
               <a:t>基本格式：</a:t>
             </a:r>
-            <a:endParaRPr lang="en-US" altLang="zh-CN" smtClean="0"/>
-          </a:p>
-          <a:p>
-            <a:r>
-              <a:rPr lang="en-US" altLang="zh-CN" smtClean="0"/>
+            <a:endParaRPr lang="en-US" altLang="zh-CN"/>
+          </a:p>
+          <a:p>
+            <a:r>
+              <a:rPr lang="en-US" altLang="zh-CN"/>
               <a:t>IF THEN ELSE( </a:t>
             </a:r>
             <a:r>
-              <a:rPr lang="zh-CN" altLang="en-US" smtClean="0"/>
+              <a:rPr lang="zh-CN" altLang="en-US"/>
               <a:t>判断条件，变量</a:t>
             </a:r>
             <a:r>
-              <a:rPr lang="en-US" altLang="zh-CN" smtClean="0"/>
+              <a:rPr lang="en-US" altLang="zh-CN"/>
               <a:t>1</a:t>
             </a:r>
             <a:r>
-              <a:rPr lang="zh-CN" altLang="en-US" smtClean="0"/>
+              <a:rPr lang="zh-CN" altLang="en-US"/>
               <a:t>，变量</a:t>
             </a:r>
             <a:r>
-              <a:rPr lang="en-US" altLang="zh-CN" smtClean="0"/>
+              <a:rPr lang="en-US" altLang="zh-CN"/>
               <a:t>2)</a:t>
             </a:r>
             <a:endParaRPr lang="zh-CN" altLang="en-US"/>
@@ -10764,10 +10594,9 @@
           <a:p>
             <a:pPr algn="ctr"/>
             <a:r>
-              <a:rPr lang="zh-CN" altLang="en-US" smtClean="0"/>
+              <a:rPr lang="zh-CN" altLang="en-US"/>
               <a:t>条件</a:t>
             </a:r>
-            <a:endParaRPr lang="zh-CN" altLang="en-US"/>
           </a:p>
         </p:txBody>
       </p:sp>
@@ -10808,11 +10637,11 @@
           <a:p>
             <a:pPr algn="ctr"/>
             <a:r>
-              <a:rPr lang="zh-CN" altLang="en-US" smtClean="0"/>
+              <a:rPr lang="zh-CN" altLang="en-US"/>
               <a:t>变量</a:t>
             </a:r>
             <a:r>
-              <a:rPr lang="en-US" altLang="zh-CN" smtClean="0"/>
+              <a:rPr lang="en-US" altLang="zh-CN"/>
               <a:t>1</a:t>
             </a:r>
             <a:endParaRPr lang="zh-CN" altLang="en-US"/>
@@ -10856,11 +10685,11 @@
           <a:p>
             <a:pPr algn="ctr"/>
             <a:r>
-              <a:rPr lang="zh-CN" altLang="en-US" smtClean="0"/>
+              <a:rPr lang="zh-CN" altLang="en-US"/>
               <a:t>变量</a:t>
             </a:r>
             <a:r>
-              <a:rPr lang="en-US" altLang="zh-CN" smtClean="0"/>
+              <a:rPr lang="en-US" altLang="zh-CN"/>
               <a:t>2</a:t>
             </a:r>
             <a:endParaRPr lang="zh-CN" altLang="en-US"/>
@@ -10994,13 +10823,6 @@
       </p:transition>
     </mc:Fallback>
   </mc:AlternateContent>
-  <p:timing>
-    <p:tnLst>
-      <p:par>
-        <p:cTn id="1" dur="indefinite" restart="never" nodeType="tmRoot"/>
-      </p:par>
-    </p:tnLst>
-  </p:timing>
 </p:sld>
 </file>
 
@@ -11037,10 +10859,9 @@
           <a:lstStyle/>
           <a:p>
             <a:r>
-              <a:rPr lang="zh-CN" altLang="en-US" smtClean="0"/>
+              <a:rPr lang="zh-CN" altLang="en-US"/>
               <a:t>案例（参考线的使用）</a:t>
             </a:r>
-            <a:endParaRPr lang="zh-CN" altLang="en-US"/>
           </a:p>
         </p:txBody>
       </p:sp>
@@ -11060,28 +10881,27 @@
           <a:lstStyle/>
           <a:p>
             <a:r>
-              <a:rPr lang="zh-CN" altLang="en-US" dirty="0" smtClean="0"/>
+              <a:rPr lang="zh-CN" altLang="en-US" dirty="0"/>
               <a:t>泊松分布描述了一种排队现象，即</a:t>
             </a:r>
-            <a:endParaRPr lang="en-US" altLang="zh-CN" dirty="0" smtClean="0"/>
+            <a:endParaRPr lang="en-US" altLang="zh-CN" dirty="0"/>
           </a:p>
           <a:p>
             <a:pPr marL="0" indent="0">
               <a:buNone/>
             </a:pPr>
             <a:r>
-              <a:rPr lang="zh-CN" altLang="en-US" dirty="0" smtClean="0"/>
+              <a:rPr lang="zh-CN" altLang="en-US" dirty="0"/>
               <a:t>某售后服务部每天收到的维修数量服从泊松分布，假设我们设置一年</a:t>
             </a:r>
             <a:r>
-              <a:rPr lang="en-US" altLang="zh-CN" dirty="0" smtClean="0"/>
+              <a:rPr lang="en-US" altLang="zh-CN" dirty="0"/>
               <a:t>52</a:t>
             </a:r>
             <a:r>
-              <a:rPr lang="zh-CN" altLang="en-US" dirty="0" smtClean="0"/>
+              <a:rPr lang="zh-CN" altLang="en-US" dirty="0"/>
               <a:t>周的服务工作量安排，对应相应服务能力，利用仿真模型检验工作安排是否能够满足服务需求</a:t>
             </a:r>
-            <a:endParaRPr lang="zh-CN" altLang="en-US" dirty="0"/>
           </a:p>
         </p:txBody>
       </p:sp>
@@ -11143,10 +10963,9 @@
           <a:lstStyle/>
           <a:p>
             <a:r>
-              <a:rPr lang="zh-CN" altLang="en-US" dirty="0" smtClean="0"/>
+              <a:rPr lang="zh-CN" altLang="en-US" dirty="0"/>
               <a:t>比较函数</a:t>
             </a:r>
-            <a:endParaRPr lang="zh-CN" altLang="en-US" dirty="0"/>
           </a:p>
         </p:txBody>
       </p:sp>
@@ -11166,14 +10985,9 @@
           <a:lstStyle/>
           <a:p>
             <a:r>
-              <a:rPr lang="zh-CN" altLang="en-US" dirty="0" smtClean="0"/>
-              <a:t>比较</a:t>
-            </a:r>
-            <a:r>
-              <a:rPr lang="zh-CN" altLang="en-US" dirty="0" smtClean="0"/>
-              <a:t>函数可以起到二选一的作用</a:t>
-            </a:r>
-            <a:endParaRPr lang="zh-CN" altLang="en-US" dirty="0"/>
+              <a:rPr lang="zh-CN" altLang="en-US" dirty="0"/>
+              <a:t>比较函数可以起到二选一的作用</a:t>
+            </a:r>
           </a:p>
         </p:txBody>
       </p:sp>
@@ -11200,36 +11014,36 @@
           <a:lstStyle/>
           <a:p>
             <a:r>
-              <a:rPr lang="zh-CN" altLang="en-US" dirty="0" smtClean="0"/>
+              <a:rPr lang="zh-CN" altLang="en-US" dirty="0"/>
               <a:t>常见的比较大小函数</a:t>
             </a:r>
-            <a:endParaRPr lang="en-US" altLang="zh-CN" dirty="0" smtClean="0"/>
-          </a:p>
-          <a:p>
-            <a:r>
-              <a:rPr lang="en-US" altLang="zh-CN" dirty="0" smtClean="0"/>
+            <a:endParaRPr lang="en-US" altLang="zh-CN" dirty="0"/>
+          </a:p>
+          <a:p>
+            <a:r>
+              <a:rPr lang="en-US" altLang="zh-CN" dirty="0"/>
               <a:t>max(</a:t>
             </a:r>
             <a:r>
-              <a:rPr lang="en-US" altLang="zh-CN" dirty="0" err="1" smtClean="0"/>
+              <a:rPr lang="en-US" altLang="zh-CN" dirty="0" err="1"/>
               <a:t>p,q</a:t>
             </a:r>
             <a:r>
-              <a:rPr lang="en-US" altLang="zh-CN" dirty="0" smtClean="0"/>
+              <a:rPr lang="en-US" altLang="zh-CN" dirty="0"/>
               <a:t>)</a:t>
             </a:r>
           </a:p>
           <a:p>
             <a:r>
-              <a:rPr lang="en-US" altLang="zh-CN" dirty="0" smtClean="0"/>
+              <a:rPr lang="en-US" altLang="zh-CN" dirty="0"/>
               <a:t>min(</a:t>
             </a:r>
             <a:r>
-              <a:rPr lang="en-US" altLang="zh-CN" dirty="0" err="1" smtClean="0"/>
+              <a:rPr lang="en-US" altLang="zh-CN" dirty="0" err="1"/>
               <a:t>p,q</a:t>
             </a:r>
             <a:r>
-              <a:rPr lang="en-US" altLang="zh-CN" dirty="0" smtClean="0"/>
+              <a:rPr lang="en-US" altLang="zh-CN" dirty="0"/>
               <a:t>)</a:t>
             </a:r>
             <a:endParaRPr lang="zh-CN" altLang="en-US" dirty="0"/>
@@ -11283,26 +11097,26 @@
           <a:lstStyle/>
           <a:p>
             <a:r>
-              <a:rPr lang="zh-CN" altLang="en-US" smtClean="0"/>
+              <a:rPr lang="zh-CN" altLang="en-US"/>
               <a:t>案例中的表达式设置</a:t>
             </a:r>
-            <a:endParaRPr lang="en-US" altLang="zh-CN" smtClean="0"/>
-          </a:p>
-          <a:p>
-            <a:r>
-              <a:rPr lang="en-US" altLang="zh-CN" smtClean="0"/>
+            <a:endParaRPr lang="en-US" altLang="zh-CN"/>
+          </a:p>
+          <a:p>
+            <a:r>
+              <a:rPr lang="en-US" altLang="zh-CN"/>
               <a:t>stock=INTEG(inflow,20)</a:t>
             </a:r>
           </a:p>
           <a:p>
             <a:r>
-              <a:rPr lang="en-US" altLang="zh-CN" smtClean="0"/>
+              <a:rPr lang="en-US" altLang="zh-CN"/>
               <a:t>inflow=max(cos(0.2*Time),test)</a:t>
             </a:r>
           </a:p>
           <a:p>
             <a:r>
-              <a:rPr lang="en-US" altLang="zh-CN" smtClean="0"/>
+              <a:rPr lang="en-US" altLang="zh-CN"/>
               <a:t>test=sin(0.2*Time)</a:t>
             </a:r>
             <a:endParaRPr lang="zh-CN" altLang="en-US"/>
@@ -11331,13 +11145,6 @@
       </p:transition>
     </mc:Fallback>
   </mc:AlternateContent>
-  <p:timing>
-    <p:tnLst>
-      <p:par>
-        <p:cTn id="1" dur="indefinite" restart="never" nodeType="tmRoot"/>
-      </p:par>
-    </p:tnLst>
-  </p:timing>
 </p:sld>
 </file>
 
@@ -11375,13 +11182,8 @@
           <a:p>
             <a:r>
               <a:rPr lang="zh-CN" altLang="en-US" dirty="0"/>
-              <a:t>练习</a:t>
-            </a:r>
-            <a:r>
-              <a:rPr lang="zh-CN" altLang="en-US" dirty="0" smtClean="0"/>
-              <a:t>案例</a:t>
-            </a:r>
-            <a:endParaRPr lang="zh-CN" altLang="en-US" dirty="0"/>
+              <a:t>练习案例</a:t>
+            </a:r>
           </a:p>
         </p:txBody>
       </p:sp>
@@ -11409,17 +11211,17 @@
               <a:buNone/>
             </a:pPr>
             <a:r>
-              <a:rPr lang="zh-CN" altLang="en-US" smtClean="0"/>
+              <a:rPr lang="zh-CN" altLang="en-US"/>
               <a:t>主供应商和次供应商提供的价格随市场波动，价格不同将采取不同采购策略</a:t>
             </a:r>
-            <a:endParaRPr lang="en-US" altLang="zh-CN" smtClean="0"/>
+            <a:endParaRPr lang="en-US" altLang="zh-CN"/>
           </a:p>
           <a:p>
             <a:pPr marL="0" indent="0">
               <a:buNone/>
             </a:pPr>
             <a:r>
-              <a:rPr lang="en-US" altLang="zh-CN" smtClean="0"/>
+              <a:rPr lang="en-US" altLang="zh-CN"/>
               <a:t>price1=sin(0.2*t)+1.2</a:t>
             </a:r>
           </a:p>
@@ -11428,7 +11230,7 @@
               <a:buNone/>
             </a:pPr>
             <a:r>
-              <a:rPr lang="en-US" altLang="zh-CN" smtClean="0"/>
+              <a:rPr lang="en-US" altLang="zh-CN"/>
               <a:t>price2=cos(0.3*t)+1.2</a:t>
             </a:r>
           </a:p>
@@ -11437,42 +11239,41 @@
               <a:buNone/>
             </a:pPr>
             <a:r>
-              <a:rPr lang="zh-CN" altLang="en-US" smtClean="0"/>
+              <a:rPr lang="zh-CN" altLang="en-US"/>
               <a:t>当</a:t>
             </a:r>
             <a:r>
-              <a:rPr lang="en-US" altLang="zh-CN" smtClean="0"/>
+              <a:rPr lang="en-US" altLang="zh-CN"/>
               <a:t>price1</a:t>
             </a:r>
             <a:r>
-              <a:rPr lang="zh-CN" altLang="en-US" smtClean="0"/>
+              <a:rPr lang="zh-CN" altLang="en-US"/>
               <a:t>低于</a:t>
             </a:r>
             <a:r>
-              <a:rPr lang="en-US" altLang="zh-CN" smtClean="0"/>
+              <a:rPr lang="en-US" altLang="zh-CN"/>
               <a:t>price2</a:t>
             </a:r>
             <a:r>
-              <a:rPr lang="zh-CN" altLang="en-US" smtClean="0"/>
+              <a:rPr lang="zh-CN" altLang="en-US"/>
               <a:t>时，每次采购量为</a:t>
             </a:r>
             <a:r>
-              <a:rPr lang="en-US" altLang="zh-CN" smtClean="0"/>
+              <a:rPr lang="en-US" altLang="zh-CN"/>
               <a:t>1</a:t>
             </a:r>
             <a:r>
-              <a:rPr lang="zh-CN" altLang="en-US" smtClean="0"/>
+              <a:rPr lang="zh-CN" altLang="en-US"/>
               <a:t>（吨），反之则一共采购量</a:t>
             </a:r>
             <a:r>
-              <a:rPr lang="en-US" altLang="zh-CN" smtClean="0"/>
+              <a:rPr lang="en-US" altLang="zh-CN"/>
               <a:t>0.5</a:t>
             </a:r>
             <a:r>
-              <a:rPr lang="zh-CN" altLang="en-US" smtClean="0"/>
+              <a:rPr lang="zh-CN" altLang="en-US"/>
               <a:t>（吨）</a:t>
             </a:r>
-            <a:endParaRPr lang="zh-CN" altLang="en-US"/>
           </a:p>
         </p:txBody>
       </p:sp>
@@ -11522,13 +11323,6 @@
       </p:transition>
     </mc:Fallback>
   </mc:AlternateContent>
-  <p:timing>
-    <p:tnLst>
-      <p:par>
-        <p:cTn id="1" dur="indefinite" restart="never" nodeType="tmRoot"/>
-      </p:par>
-    </p:tnLst>
-  </p:timing>
 </p:sld>
 </file>
 
@@ -11565,12 +11359,8 @@
           <a:lstStyle/>
           <a:p>
             <a:r>
-              <a:rPr lang="zh-CN" altLang="en-US" dirty="0" smtClean="0"/>
-              <a:t>逻辑</a:t>
-            </a:r>
-            <a:r>
               <a:rPr lang="zh-CN" altLang="en-US" dirty="0"/>
-              <a:t>运算符</a:t>
+              <a:t>逻辑运算符</a:t>
             </a:r>
           </a:p>
         </p:txBody>
@@ -11591,17 +11381,17 @@
           <a:lstStyle/>
           <a:p>
             <a:r>
-              <a:rPr lang="zh-CN" altLang="en-US" dirty="0" smtClean="0"/>
+              <a:rPr lang="zh-CN" altLang="en-US" dirty="0"/>
               <a:t>逻辑运算</a:t>
             </a:r>
-            <a:endParaRPr lang="en-US" altLang="zh-CN" dirty="0" smtClean="0"/>
+            <a:endParaRPr lang="en-US" altLang="zh-CN" dirty="0"/>
           </a:p>
           <a:p>
             <a:pPr marL="365760" lvl="1" indent="0">
               <a:buNone/>
             </a:pPr>
             <a:r>
-              <a:rPr lang="en-US" altLang="zh-CN" dirty="0" smtClean="0"/>
+              <a:rPr lang="en-US" altLang="zh-CN" dirty="0"/>
               <a:t>:and:</a:t>
             </a:r>
           </a:p>
@@ -11610,7 +11400,7 @@
               <a:buNone/>
             </a:pPr>
             <a:r>
-              <a:rPr lang="en-US" altLang="zh-CN" dirty="0" smtClean="0"/>
+              <a:rPr lang="en-US" altLang="zh-CN" dirty="0"/>
               <a:t>:or:</a:t>
             </a:r>
           </a:p>
@@ -11619,7 +11409,7 @@
               <a:buNone/>
             </a:pPr>
             <a:r>
-              <a:rPr lang="en-US" altLang="zh-CN" dirty="0" smtClean="0"/>
+              <a:rPr lang="en-US" altLang="zh-CN" dirty="0"/>
               <a:t>:not:</a:t>
             </a:r>
             <a:endParaRPr lang="zh-CN" altLang="en-US" dirty="0"/>
@@ -11654,18 +11444,18 @@
               </a:lnSpc>
             </a:pPr>
             <a:r>
-              <a:rPr lang="zh-CN" altLang="en-US" smtClean="0"/>
+              <a:rPr lang="zh-CN" altLang="en-US"/>
               <a:t>继续双供应商案例，我们不但要求主供应商价格要低于次供应商，还要求主供应商价格在</a:t>
             </a:r>
             <a:r>
-              <a:rPr lang="en-US" altLang="zh-CN" smtClean="0"/>
+              <a:rPr lang="en-US" altLang="zh-CN"/>
               <a:t>1.0</a:t>
             </a:r>
             <a:r>
-              <a:rPr lang="zh-CN" altLang="en-US" smtClean="0"/>
+              <a:rPr lang="zh-CN" altLang="en-US"/>
               <a:t>（万）之上才会执行高采购策略，否则会担心质量问题。</a:t>
             </a:r>
-            <a:endParaRPr lang="en-US" altLang="zh-CN" smtClean="0"/>
+            <a:endParaRPr lang="en-US" altLang="zh-CN"/>
           </a:p>
           <a:p>
             <a:pPr>
@@ -11674,10 +11464,9 @@
               </a:lnSpc>
             </a:pPr>
             <a:r>
-              <a:rPr lang="zh-CN" altLang="en-US" smtClean="0"/>
+              <a:rPr lang="zh-CN" altLang="en-US"/>
               <a:t>尝试做出库存仿真</a:t>
             </a:r>
-            <a:endParaRPr lang="zh-CN" altLang="en-US"/>
           </a:p>
         </p:txBody>
       </p:sp>
@@ -11728,18 +11517,18 @@
           <a:lstStyle/>
           <a:p>
             <a:r>
-              <a:rPr lang="zh-CN" altLang="en-US" smtClean="0"/>
+              <a:rPr lang="zh-CN" altLang="en-US"/>
               <a:t>那么，</a:t>
             </a:r>
             <a:r>
-              <a:rPr lang="en-US" altLang="zh-CN" smtClean="0"/>
+              <a:rPr lang="en-US" altLang="zh-CN"/>
               <a:t>inflow</a:t>
             </a:r>
             <a:r>
-              <a:rPr lang="zh-CN" altLang="en-US" smtClean="0"/>
+              <a:rPr lang="zh-CN" altLang="en-US"/>
               <a:t>处的条件则需要同时满足</a:t>
             </a:r>
-            <a:endParaRPr lang="en-US" altLang="zh-CN" smtClean="0"/>
+            <a:endParaRPr lang="en-US" altLang="zh-CN"/>
           </a:p>
           <a:p>
             <a:pPr marL="285750" indent="-285750">
@@ -11747,7 +11536,7 @@
               <a:buChar char="•"/>
             </a:pPr>
             <a:r>
-              <a:rPr lang="en-US" altLang="zh-CN" smtClean="0"/>
+              <a:rPr lang="en-US" altLang="zh-CN"/>
               <a:t>price1&gt;price2</a:t>
             </a:r>
           </a:p>
@@ -11757,20 +11546,19 @@
               <a:buChar char="•"/>
             </a:pPr>
             <a:r>
-              <a:rPr lang="en-US" altLang="zh-CN" smtClean="0"/>
+              <a:rPr lang="en-US" altLang="zh-CN"/>
               <a:t>price1&gt;1.0</a:t>
             </a:r>
           </a:p>
           <a:p>
             <a:r>
-              <a:rPr lang="en-US" altLang="zh-CN" smtClean="0"/>
+              <a:rPr lang="en-US" altLang="zh-CN"/>
               <a:t>inflow</a:t>
             </a:r>
             <a:r>
-              <a:rPr lang="zh-CN" altLang="en-US" smtClean="0"/>
+              <a:rPr lang="zh-CN" altLang="en-US"/>
               <a:t>才会执行高采购方案，否则执行低采购方案</a:t>
             </a:r>
-            <a:endParaRPr lang="zh-CN" altLang="en-US"/>
           </a:p>
         </p:txBody>
       </p:sp>
@@ -11796,13 +11584,6 @@
       </p:transition>
     </mc:Fallback>
   </mc:AlternateContent>
-  <p:timing>
-    <p:tnLst>
-      <p:par>
-        <p:cTn id="1" dur="indefinite" restart="never" nodeType="tmRoot"/>
-      </p:par>
-    </p:tnLst>
-  </p:timing>
 </p:sld>
 </file>
 
@@ -11839,10 +11620,9 @@
           <a:lstStyle/>
           <a:p>
             <a:r>
-              <a:rPr lang="zh-CN" altLang="en-US" smtClean="0"/>
+              <a:rPr lang="zh-CN" altLang="en-US"/>
               <a:t>逻辑运算</a:t>
             </a:r>
-            <a:endParaRPr lang="zh-CN" altLang="en-US"/>
           </a:p>
         </p:txBody>
       </p:sp>
@@ -11893,25 +11673,25 @@
           <a:lstStyle/>
           <a:p>
             <a:r>
-              <a:rPr lang="en-US" altLang="zh-CN" smtClean="0"/>
+              <a:rPr lang="en-US" altLang="zh-CN"/>
               <a:t>stock=INTEG(inflow,20)</a:t>
             </a:r>
           </a:p>
           <a:p>
             <a:r>
-              <a:rPr lang="en-US" altLang="zh-CN" smtClean="0"/>
+              <a:rPr lang="en-US" altLang="zh-CN"/>
               <a:t>inflow=IF THEN ELSE (price1&gt;price2:and:price1&gt;1,2,0.5)</a:t>
             </a:r>
           </a:p>
           <a:p>
             <a:r>
-              <a:rPr lang="en-US" altLang="zh-CN" smtClean="0"/>
+              <a:rPr lang="en-US" altLang="zh-CN"/>
               <a:t>price1=1.2*sin(0.2*Time)</a:t>
             </a:r>
           </a:p>
           <a:p>
             <a:r>
-              <a:rPr lang="en-US" altLang="zh-CN" smtClean="0"/>
+              <a:rPr lang="en-US" altLang="zh-CN"/>
               <a:t>price2=1.2*cos(0.3*Time)</a:t>
             </a:r>
             <a:endParaRPr lang="zh-CN" altLang="en-US"/>
@@ -11934,10 +11714,9 @@
           <a:lstStyle/>
           <a:p>
             <a:r>
-              <a:rPr lang="zh-CN" altLang="en-US" dirty="0" smtClean="0"/>
+              <a:rPr lang="zh-CN" altLang="en-US" dirty="0"/>
               <a:t>条件选择函数</a:t>
             </a:r>
-            <a:endParaRPr lang="zh-CN" altLang="en-US" dirty="0"/>
           </a:p>
         </p:txBody>
       </p:sp>
@@ -11963,13 +11742,6 @@
       </p:transition>
     </mc:Fallback>
   </mc:AlternateContent>
-  <p:timing>
-    <p:tnLst>
-      <p:par>
-        <p:cTn id="1" dur="indefinite" restart="never" nodeType="tmRoot"/>
-      </p:par>
-    </p:tnLst>
-  </p:timing>
 </p:sld>
 </file>
 
@@ -12007,14 +11779,9 @@
           <a:p>
             <a:pPr algn="ctr"/>
             <a:r>
-              <a:rPr lang="zh-CN" altLang="en-US" dirty="0" smtClean="0"/>
-              <a:t>二、表</a:t>
-            </a:r>
-            <a:r>
-              <a:rPr lang="zh-CN" altLang="en-US" dirty="0" smtClean="0"/>
-              <a:t>函数</a:t>
-            </a:r>
-            <a:endParaRPr lang="zh-CN" altLang="en-US" dirty="0"/>
+              <a:rPr lang="zh-CN" altLang="en-US" dirty="0"/>
+              <a:t>二、表函数</a:t>
+            </a:r>
           </a:p>
         </p:txBody>
       </p:sp>
@@ -12038,28 +11805,27 @@
               <a:buChar char="u"/>
             </a:pPr>
             <a:r>
-              <a:rPr lang="zh-CN" altLang="en-US" smtClean="0"/>
+              <a:rPr lang="zh-CN" altLang="en-US"/>
               <a:t>表函数</a:t>
             </a:r>
             <a:r>
-              <a:rPr lang="en-US" altLang="zh-CN" smtClean="0"/>
+              <a:rPr lang="en-US" altLang="zh-CN"/>
               <a:t>/</a:t>
             </a:r>
             <a:r>
-              <a:rPr lang="zh-CN" altLang="en-US" smtClean="0"/>
+              <a:rPr lang="zh-CN" altLang="en-US"/>
               <a:t>图函数</a:t>
             </a:r>
-            <a:endParaRPr lang="en-US" altLang="zh-CN" smtClean="0"/>
+            <a:endParaRPr lang="en-US" altLang="zh-CN"/>
           </a:p>
           <a:p>
             <a:pPr marL="0" indent="0">
               <a:buNone/>
             </a:pPr>
             <a:r>
-              <a:rPr lang="zh-CN" altLang="en-US" smtClean="0"/>
+              <a:rPr lang="zh-CN" altLang="en-US"/>
               <a:t>当无法准确获得输入和输出之间函数关系时，表函数将经验估算的定性分析转化到大致的定量水平上，并在仿真时间段内建立对应关系。</a:t>
             </a:r>
-            <a:endParaRPr lang="zh-CN" altLang="en-US"/>
           </a:p>
         </p:txBody>
       </p:sp>
@@ -12133,13 +11899,6 @@
       </p:transition>
     </mc:Fallback>
   </mc:AlternateContent>
-  <p:timing>
-    <p:tnLst>
-      <p:par>
-        <p:cTn id="1" dur="indefinite" restart="never" nodeType="tmRoot"/>
-      </p:par>
-    </p:tnLst>
-  </p:timing>
 </p:sld>
 </file>
 
@@ -12176,10 +11935,9 @@
           <a:lstStyle/>
           <a:p>
             <a:r>
-              <a:rPr lang="zh-CN" altLang="en-US" smtClean="0"/>
+              <a:rPr lang="zh-CN" altLang="en-US"/>
               <a:t>表函数数学描述</a:t>
             </a:r>
-            <a:endParaRPr lang="zh-CN" altLang="en-US"/>
           </a:p>
         </p:txBody>
       </p:sp>
@@ -12199,79 +11957,75 @@
           <a:lstStyle/>
           <a:p>
             <a:r>
-              <a:rPr lang="zh-CN" altLang="en-US" dirty="0" smtClean="0"/>
+              <a:rPr lang="zh-CN" altLang="en-US" dirty="0"/>
               <a:t>表函数是一大类函数，包括确定性的和不确定性的表函数</a:t>
             </a:r>
-            <a:endParaRPr lang="en-US" altLang="zh-CN" dirty="0" smtClean="0"/>
-          </a:p>
-          <a:p>
-            <a:r>
-              <a:rPr lang="zh-CN" altLang="en-US" dirty="0" smtClean="0"/>
+            <a:endParaRPr lang="en-US" altLang="zh-CN" dirty="0"/>
+          </a:p>
+          <a:p>
+            <a:r>
+              <a:rPr lang="zh-CN" altLang="en-US" dirty="0"/>
               <a:t>基本思想：将有价值的分析估算为可用于计算的数值</a:t>
             </a:r>
-            <a:endParaRPr lang="en-US" altLang="zh-CN" dirty="0" smtClean="0"/>
+            <a:endParaRPr lang="en-US" altLang="zh-CN" dirty="0"/>
           </a:p>
           <a:p>
             <a:r>
               <a:rPr lang="zh-CN" altLang="en-US" dirty="0"/>
-              <a:t>表</a:t>
-            </a:r>
-            <a:r>
-              <a:rPr lang="zh-CN" altLang="en-US" dirty="0" smtClean="0"/>
-              <a:t>函数设置类型</a:t>
-            </a:r>
-            <a:endParaRPr lang="en-US" altLang="zh-CN" dirty="0" smtClean="0"/>
+              <a:t>表函数设置类型</a:t>
+            </a:r>
+            <a:endParaRPr lang="en-US" altLang="zh-CN" dirty="0"/>
           </a:p>
           <a:p>
             <a:pPr lvl="1"/>
             <a:r>
-              <a:rPr lang="en-US" altLang="zh-CN" dirty="0" err="1" smtClean="0"/>
+              <a:rPr lang="en-US" altLang="zh-CN" dirty="0" err="1"/>
               <a:t>auxillary</a:t>
             </a:r>
             <a:r>
-              <a:rPr lang="en-US" altLang="zh-CN" dirty="0" smtClean="0"/>
+              <a:rPr lang="en-US" altLang="zh-CN" dirty="0"/>
               <a:t>  </a:t>
             </a:r>
             <a:r>
-              <a:rPr lang="en-US" altLang="zh-CN" dirty="0" err="1" smtClean="0"/>
+              <a:rPr lang="en-US" altLang="zh-CN" dirty="0" err="1"/>
               <a:t>type:with</a:t>
             </a:r>
             <a:r>
-              <a:rPr lang="en-US" altLang="zh-CN" dirty="0" smtClean="0"/>
+              <a:rPr lang="en-US" altLang="zh-CN" dirty="0"/>
               <a:t> lookup</a:t>
             </a:r>
           </a:p>
           <a:p>
             <a:r>
-              <a:rPr lang="zh-CN" altLang="en-US" dirty="0" smtClean="0"/>
+              <a:rPr lang="zh-CN" altLang="en-US" dirty="0"/>
               <a:t>设置填写数据对</a:t>
             </a:r>
             <a:r>
-              <a:rPr lang="en-US" altLang="zh-CN" dirty="0" smtClean="0"/>
+              <a:rPr lang="en-US" altLang="zh-CN" dirty="0"/>
               <a:t>/</a:t>
             </a:r>
             <a:r>
-              <a:rPr lang="zh-CN" altLang="en-US" dirty="0" smtClean="0"/>
+              <a:rPr lang="zh-CN" altLang="en-US" dirty="0"/>
               <a:t>点坐标</a:t>
             </a:r>
             <a:r>
-              <a:rPr lang="en-US" altLang="zh-CN" dirty="0" smtClean="0"/>
+              <a:rPr lang="en-US" altLang="zh-CN" dirty="0"/>
               <a:t>,(10,12)</a:t>
             </a:r>
           </a:p>
           <a:p>
             <a:r>
-              <a:rPr lang="zh-CN" altLang="en-US" dirty="0" smtClean="0"/>
+              <a:rPr lang="zh-CN" altLang="en-US" dirty="0"/>
               <a:t>表函数的书写格式</a:t>
             </a:r>
-            <a:endParaRPr lang="en-US" altLang="zh-CN" dirty="0" smtClean="0"/>
+            <a:endParaRPr lang="en-US" altLang="zh-CN" dirty="0"/>
           </a:p>
           <a:p>
             <a:pPr marL="0" indent="0">
               <a:buNone/>
             </a:pPr>
             <a:r>
-              <a:rPr lang="zh-CN" altLang="en-US" sz="2000" dirty="0" smtClean="0">
+              <a:rPr lang="zh-CN" altLang="en-US" sz="2000" dirty="0">
                 <a:solidFill>
                   <a:srgbClr val="7030A0"/>
                 </a:solidFill>
@@ -12279,7 +12033,7 @@
               <a:t>因变量</a:t>
             </a:r>
             <a:r>
-              <a:rPr lang="en-US" altLang="zh-CN" sz="2000" dirty="0" smtClean="0">
+              <a:rPr lang="en-US" altLang="zh-CN" sz="2000" dirty="0">
                 <a:solidFill>
                   <a:srgbClr val="7030A0"/>
                 </a:solidFill>
@@ -12287,7 +12041,7 @@
               <a:t>=WITH LOOKUP</a:t>
             </a:r>
             <a:r>
-              <a:rPr lang="zh-CN" altLang="en-US" sz="2000" dirty="0" smtClean="0">
+              <a:rPr lang="zh-CN" altLang="en-US" sz="2000" dirty="0">
                 <a:solidFill>
                   <a:srgbClr val="7030A0"/>
                 </a:solidFill>
@@ -12295,7 +12049,7 @@
               <a:t>（自变量</a:t>
             </a:r>
             <a:r>
-              <a:rPr lang="en-US" altLang="zh-CN" sz="2000" dirty="0" smtClean="0">
+              <a:rPr lang="en-US" altLang="zh-CN" sz="2000" dirty="0">
                 <a:solidFill>
                   <a:srgbClr val="7030A0"/>
                 </a:solidFill>
@@ -12332,13 +12086,6 @@
       </p:transition>
     </mc:Fallback>
   </mc:AlternateContent>
-  <p:timing>
-    <p:tnLst>
-      <p:par>
-        <p:cTn id="1" dur="indefinite" restart="never" nodeType="tmRoot"/>
-      </p:par>
-    </p:tnLst>
-  </p:timing>
 </p:sld>
 </file>
 
@@ -12375,10 +12122,9 @@
           <a:lstStyle/>
           <a:p>
             <a:r>
-              <a:rPr lang="zh-CN" altLang="en-US" smtClean="0"/>
+              <a:rPr lang="zh-CN" altLang="en-US"/>
               <a:t>设置表函数考虑的要点</a:t>
             </a:r>
-            <a:endParaRPr lang="zh-CN" altLang="en-US"/>
           </a:p>
         </p:txBody>
       </p:sp>
@@ -12402,10 +12148,10 @@
               <a:buChar char="u"/>
             </a:pPr>
             <a:r>
-              <a:rPr lang="zh-CN" altLang="en-US" smtClean="0"/>
+              <a:rPr lang="zh-CN" altLang="en-US"/>
               <a:t>明确因果关系：明确自变量因变量</a:t>
             </a:r>
-            <a:endParaRPr lang="en-US" altLang="zh-CN" smtClean="0"/>
+            <a:endParaRPr lang="en-US" altLang="zh-CN"/>
           </a:p>
           <a:p>
             <a:pPr>
@@ -12413,10 +12159,10 @@
               <a:buChar char="u"/>
             </a:pPr>
             <a:r>
-              <a:rPr lang="zh-CN" altLang="en-US" smtClean="0"/>
+              <a:rPr lang="zh-CN" altLang="en-US"/>
               <a:t>确定范围：确定数据范围</a:t>
             </a:r>
-            <a:endParaRPr lang="en-US" altLang="zh-CN" smtClean="0"/>
+            <a:endParaRPr lang="en-US" altLang="zh-CN"/>
           </a:p>
           <a:p>
             <a:pPr>
@@ -12424,10 +12170,10 @@
               <a:buChar char="u"/>
             </a:pPr>
             <a:r>
-              <a:rPr lang="zh-CN" altLang="en-US" smtClean="0"/>
+              <a:rPr lang="zh-CN" altLang="en-US"/>
               <a:t>考虑关键点：考虑曲线端点、驻点、拐点</a:t>
             </a:r>
-            <a:endParaRPr lang="en-US" altLang="zh-CN" smtClean="0"/>
+            <a:endParaRPr lang="en-US" altLang="zh-CN"/>
           </a:p>
           <a:p>
             <a:pPr>
@@ -12435,10 +12181,10 @@
               <a:buChar char="u"/>
             </a:pPr>
             <a:r>
-              <a:rPr lang="zh-CN" altLang="en-US" smtClean="0"/>
+              <a:rPr lang="zh-CN" altLang="en-US"/>
               <a:t>考虑平缓：逐段考虑曲线变化形状，曲线斜率是否平缓</a:t>
             </a:r>
-            <a:endParaRPr lang="en-US" altLang="zh-CN" smtClean="0"/>
+            <a:endParaRPr lang="en-US" altLang="zh-CN"/>
           </a:p>
           <a:p>
             <a:pPr>
@@ -12471,13 +12217,6 @@
       </p:transition>
     </mc:Fallback>
   </mc:AlternateContent>
-  <p:timing>
-    <p:tnLst>
-      <p:par>
-        <p:cTn id="1" dur="indefinite" restart="never" nodeType="tmRoot"/>
-      </p:par>
-    </p:tnLst>
-  </p:timing>
 </p:sld>
 </file>
 
@@ -13082,11 +12821,29 @@
 
 <file path=customXml/item2.xml><?xml version="1.0" encoding="utf-8"?>
 <Control xmlns="http://schemas.microsoft.com/VisualStudio/2011/storyboarding/control">
-  <Id Name="5e505f8e-b0aa-429a-bb4c-92ab0e8a8ee6" RevisionId="d2083f08-ba4f-4330-87aa-e4d23a4443d7" Stencil="172d6d98-e5c9-42e9-a209-79f7a94bbd38" StencilRevisionId="00000000-0000-0000-0000-000000000000" StencilVersion="0.0"/>
+  <Id Name="System.Storyboarding.Annotation.StickyNote" Revision="1" Stencil="System.Storyboarding.Annotation" StencilVersion="0.1"/>
 </Control>
 </file>
 
 <file path=customXml/item3.xml><?xml version="1.0" encoding="utf-8"?>
+<Control xmlns="http://schemas.microsoft.com/VisualStudio/2011/storyboarding/control">
+  <Id Name="System.Storyboarding.WindowsApps.WindowsAppsProgressRing" Revision="1" Stencil="System.Storyboarding.WindowsApps" StencilVersion="0.1"/>
+</Control>
+</file>
+
+<file path=customXml/item4.xml><?xml version="1.0" encoding="utf-8"?>
+<Control xmlns="http://schemas.microsoft.com/VisualStudio/2011/storyboarding/control">
+  <Id Name="System.Storyboarding.WindowsApps.WindowsAppsListBox" Revision="1" Stencil="System.Storyboarding.WindowsApps" StencilVersion="0.1"/>
+</Control>
+</file>
+
+<file path=customXml/item5.xml><?xml version="1.0" encoding="utf-8"?>
+<Control xmlns="http://schemas.microsoft.com/VisualStudio/2011/storyboarding/control">
+  <Id Name="System.Storyboarding.Annotation.StickyNote" Revision="1" Stencil="System.Storyboarding.Annotation" StencilVersion="0.1"/>
+</Control>
+</file>
+
+<file path=customXml/item6.xml><?xml version="1.0" encoding="utf-8"?>
 <p:properties xmlns:p="http://schemas.microsoft.com/office/2006/metadata/properties" xmlns:xsi="http://www.w3.org/2001/XMLSchema-instance" xmlns:pc="http://schemas.microsoft.com/office/infopath/2007/PartnerControls">
   <documentManagement>
     <_dlc_DocId xmlns="b4ebf394-daf6-497a-96c5-a2f8c10b38cf">TT6HZDVJM2HV-178-321</_dlc_DocId>
@@ -13098,24 +12855,6 @@
 </p:properties>
 </file>
 
-<file path=customXml/item4.xml><?xml version="1.0" encoding="utf-8"?>
-<Control xmlns="http://schemas.microsoft.com/VisualStudio/2011/storyboarding/control">
-  <Id Name="System.Storyboarding.WindowsApps.WindowsAppsListBox" Revision="1" Stencil="System.Storyboarding.WindowsApps" StencilVersion="0.1"/>
-</Control>
-</file>
-
-<file path=customXml/item5.xml><?xml version="1.0" encoding="utf-8"?>
-<Control xmlns="http://schemas.microsoft.com/VisualStudio/2011/storyboarding/control">
-  <Id Name="System.Storyboarding.WindowsApps.WindowsAppsProgressRing" Revision="1" Stencil="System.Storyboarding.WindowsApps" StencilVersion="0.1"/>
-</Control>
-</file>
-
-<file path=customXml/item6.xml><?xml version="1.0" encoding="utf-8"?>
-<Control xmlns="http://schemas.microsoft.com/VisualStudio/2011/storyboarding/control">
-  <Id Name="System.Storyboarding.Annotation.StickyNote" Revision="1" Stencil="System.Storyboarding.Annotation" StencilVersion="0.1"/>
-</Control>
-</file>
-
 <file path=customXml/item7.xml><?xml version="1.0" encoding="utf-8"?>
 <Control xmlns="http://schemas.microsoft.com/VisualStudio/2011/storyboarding/control">
   <Id Name="System.Storyboarding.Common.DragSelection" Revision="1" Stencil="System.Storyboarding.Common" StencilVersion="0.1"/>
@@ -13124,7 +12863,7 @@
 
 <file path=customXml/item8.xml><?xml version="1.0" encoding="utf-8"?>
 <Control xmlns="http://schemas.microsoft.com/VisualStudio/2011/storyboarding/control">
-  <Id Name="System.Storyboarding.Annotation.StickyNote" Revision="1" Stencil="System.Storyboarding.Annotation" StencilVersion="0.1"/>
+  <Id Name="5e505f8e-b0aa-429a-bb4c-92ab0e8a8ee6" RevisionId="d2083f08-ba4f-4330-87aa-e4d23a4443d7" Stencil="172d6d98-e5c9-42e9-a209-79f7a94bbd38" StencilRevisionId="00000000-0000-0000-0000-000000000000" StencilVersion="0.0"/>
 </Control>
 </file>
 
@@ -13137,7 +12876,7 @@
 </file>
 
 <file path=customXml/itemProps2.xml><?xml version="1.0" encoding="utf-8"?>
-<ds:datastoreItem xmlns:ds="http://schemas.openxmlformats.org/officeDocument/2006/customXml" ds:itemID="{22271091-DDCE-44B5-B608-BB96BCA0C299}">
+<ds:datastoreItem xmlns:ds="http://schemas.openxmlformats.org/officeDocument/2006/customXml" ds:itemID="{C83C598A-8CB1-49BE-A132-CFCF837BD013}">
   <ds:schemaRefs>
     <ds:schemaRef ds:uri="http://schemas.microsoft.com/VisualStudio/2011/storyboarding/control"/>
   </ds:schemaRefs>
@@ -13145,11 +12884,9 @@
 </file>
 
 <file path=customXml/itemProps3.xml><?xml version="1.0" encoding="utf-8"?>
-<ds:datastoreItem xmlns:ds="http://schemas.openxmlformats.org/officeDocument/2006/customXml" ds:itemID="{1322E1B6-B69B-4B1E-9F64-FFB1E4A65691}">
+<ds:datastoreItem xmlns:ds="http://schemas.openxmlformats.org/officeDocument/2006/customXml" ds:itemID="{EE994FE8-9D1B-4C75-9803-F4D3D8088B5B}">
   <ds:schemaRefs>
-    <ds:schemaRef ds:uri="http://schemas.microsoft.com/office/2006/metadata/properties"/>
-    <ds:schemaRef ds:uri="http://schemas.microsoft.com/office/infopath/2007/PartnerControls"/>
-    <ds:schemaRef ds:uri="b4ebf394-daf6-497a-96c5-a2f8c10b38cf"/>
+    <ds:schemaRef ds:uri="http://schemas.microsoft.com/VisualStudio/2011/storyboarding/control"/>
   </ds:schemaRefs>
 </ds:datastoreItem>
 </file>
@@ -13163,7 +12900,7 @@
 </file>
 
 <file path=customXml/itemProps5.xml><?xml version="1.0" encoding="utf-8"?>
-<ds:datastoreItem xmlns:ds="http://schemas.openxmlformats.org/officeDocument/2006/customXml" ds:itemID="{EE994FE8-9D1B-4C75-9803-F4D3D8088B5B}">
+<ds:datastoreItem xmlns:ds="http://schemas.openxmlformats.org/officeDocument/2006/customXml" ds:itemID="{35CD12A2-2187-402A-B9D9-EF68624DB0B9}">
   <ds:schemaRefs>
     <ds:schemaRef ds:uri="http://schemas.microsoft.com/VisualStudio/2011/storyboarding/control"/>
   </ds:schemaRefs>
@@ -13171,9 +12908,11 @@
 </file>
 
 <file path=customXml/itemProps6.xml><?xml version="1.0" encoding="utf-8"?>
-<ds:datastoreItem xmlns:ds="http://schemas.openxmlformats.org/officeDocument/2006/customXml" ds:itemID="{C83C598A-8CB1-49BE-A132-CFCF837BD013}">
+<ds:datastoreItem xmlns:ds="http://schemas.openxmlformats.org/officeDocument/2006/customXml" ds:itemID="{1322E1B6-B69B-4B1E-9F64-FFB1E4A65691}">
   <ds:schemaRefs>
-    <ds:schemaRef ds:uri="http://schemas.microsoft.com/VisualStudio/2011/storyboarding/control"/>
+    <ds:schemaRef ds:uri="http://schemas.microsoft.com/office/2006/metadata/properties"/>
+    <ds:schemaRef ds:uri="http://schemas.microsoft.com/office/infopath/2007/PartnerControls"/>
+    <ds:schemaRef ds:uri="b4ebf394-daf6-497a-96c5-a2f8c10b38cf"/>
   </ds:schemaRefs>
 </ds:datastoreItem>
 </file>
@@ -13187,7 +12926,7 @@
 </file>
 
 <file path=customXml/itemProps8.xml><?xml version="1.0" encoding="utf-8"?>
-<ds:datastoreItem xmlns:ds="http://schemas.openxmlformats.org/officeDocument/2006/customXml" ds:itemID="{35CD12A2-2187-402A-B9D9-EF68624DB0B9}">
+<ds:datastoreItem xmlns:ds="http://schemas.openxmlformats.org/officeDocument/2006/customXml" ds:itemID="{22271091-DDCE-44B5-B608-BB96BCA0C299}">
   <ds:schemaRefs>
     <ds:schemaRef ds:uri="http://schemas.microsoft.com/VisualStudio/2011/storyboarding/control"/>
   </ds:schemaRefs>

--- a/2019系统仿真-4-动态函数.pptx
+++ b/2019系统仿真-4-动态函数.pptx
@@ -257,7 +257,7 @@
                 <a:latin typeface="微软雅黑" panose="020B0503020204020204" pitchFamily="34" charset="-122"/>
                 <a:ea typeface="微软雅黑" panose="020B0503020204020204" pitchFamily="34" charset="-122"/>
               </a:rPr>
-              <a:t>2019年3月15日 Friday</a:t>
+              <a:t>2019年4月28日 Sunday</a:t>
             </a:fld>
             <a:endParaRPr lang="zh-CN" altLang="en-US" dirty="0">
               <a:latin typeface="微软雅黑" panose="020B0503020204020204" pitchFamily="34" charset="-122"/>
@@ -449,7 +449,7 @@
             <a:fld id="{07D6BDDC-F39A-4E16-93D6-E40B88AA6D58}" type="datetime2">
               <a:rPr lang="zh-CN" altLang="en-US" smtClean="0"/>
               <a:pPr/>
-              <a:t>2019年3月15日 Friday</a:t>
+              <a:t>2019年4月28日 Sunday</a:t>
             </a:fld>
             <a:endParaRPr lang="zh-CN" altLang="en-US" dirty="0"/>
           </a:p>
@@ -1767,7 +1767,7 @@
             <a:fld id="{4947C3F0-2957-4D41-9FB7-182757A04D67}" type="datetime2">
               <a:rPr lang="zh-CN" altLang="en-US" smtClean="0"/>
               <a:pPr/>
-              <a:t>2019年3月15日 Friday</a:t>
+              <a:t>2019年4月28日 Sunday</a:t>
             </a:fld>
             <a:endParaRPr lang="zh-CN" altLang="en-US" dirty="0"/>
           </a:p>
@@ -2000,7 +2000,7 @@
             <a:fld id="{8DF8E148-EC1F-43A2-8C9E-1F57F6D08A76}" type="datetime2">
               <a:rPr lang="zh-CN" altLang="en-US" smtClean="0"/>
               <a:pPr/>
-              <a:t>2019年3月15日 Friday</a:t>
+              <a:t>2019年4月28日 Sunday</a:t>
             </a:fld>
             <a:endParaRPr lang="zh-CN" altLang="en-US" dirty="0"/>
           </a:p>
@@ -2883,7 +2883,7 @@
             <a:fld id="{FB7B4C11-1E14-4887-9E78-A9346EC068F1}" type="datetime2">
               <a:rPr lang="zh-CN" altLang="en-US" smtClean="0"/>
               <a:pPr/>
-              <a:t>2019年3月15日 Friday</a:t>
+              <a:t>2019年4月28日 Sunday</a:t>
             </a:fld>
             <a:endParaRPr lang="zh-CN" altLang="en-US" dirty="0"/>
           </a:p>
@@ -3142,7 +3142,7 @@
             <a:fld id="{86FD5D46-E987-42B2-B42C-B8920598FADE}" type="datetime2">
               <a:rPr lang="zh-CN" altLang="en-US" smtClean="0"/>
               <a:pPr/>
-              <a:t>2019年3月15日 Friday</a:t>
+              <a:t>2019年4月28日 Sunday</a:t>
             </a:fld>
             <a:endParaRPr lang="zh-CN" altLang="en-US" dirty="0"/>
           </a:p>
@@ -4469,7 +4469,7 @@
             <a:fld id="{8365F240-A7EF-41C8-A85B-C448CF84B5E5}" type="datetime2">
               <a:rPr lang="zh-CN" altLang="en-US" smtClean="0"/>
               <a:pPr/>
-              <a:t>2019年3月15日 Friday</a:t>
+              <a:t>2019年4月28日 Sunday</a:t>
             </a:fld>
             <a:endParaRPr lang="zh-CN" altLang="en-US" dirty="0"/>
           </a:p>
@@ -4804,7 +4804,7 @@
             <a:fld id="{F770B30E-8728-44DB-AEE3-E4A75AEDBBD9}" type="datetime2">
               <a:rPr lang="zh-CN" altLang="en-US" smtClean="0"/>
               <a:pPr/>
-              <a:t>2019年3月15日 Friday</a:t>
+              <a:t>2019年4月28日 Sunday</a:t>
             </a:fld>
             <a:endParaRPr lang="zh-CN" altLang="en-US" dirty="0"/>
           </a:p>
@@ -5305,7 +5305,7 @@
             <a:fld id="{680BCF82-A51A-4389-A573-378AD02C5141}" type="datetime2">
               <a:rPr lang="zh-CN" altLang="en-US" smtClean="0"/>
               <a:pPr/>
-              <a:t>2019年3月15日 Friday</a:t>
+              <a:t>2019年4月28日 Sunday</a:t>
             </a:fld>
             <a:endParaRPr lang="zh-CN" altLang="en-US" dirty="0"/>
           </a:p>
@@ -5460,7 +5460,7 @@
             <a:fld id="{CE03A716-E3DC-4D9D-823C-60FCD8C9B163}" type="datetime2">
               <a:rPr lang="zh-CN" altLang="en-US" smtClean="0"/>
               <a:pPr/>
-              <a:t>2019年3月15日 Friday</a:t>
+              <a:t>2019年4月28日 Sunday</a:t>
             </a:fld>
             <a:endParaRPr lang="zh-CN" altLang="en-US" dirty="0"/>
           </a:p>
@@ -5820,7 +5820,7 @@
             <a:fld id="{C16B8A94-44E5-4844-A22C-F796FCAA90D9}" type="datetime2">
               <a:rPr lang="zh-CN" altLang="en-US" smtClean="0"/>
               <a:pPr/>
-              <a:t>2019年3月15日 Friday</a:t>
+              <a:t>2019年4月28日 Sunday</a:t>
             </a:fld>
             <a:endParaRPr lang="zh-CN" altLang="en-US" dirty="0"/>
           </a:p>
@@ -6362,7 +6362,7 @@
             <a:fld id="{F288B2AC-AC0A-4E49-82A3-94EE74FA7FBF}" type="datetime2">
               <a:rPr lang="zh-CN" altLang="en-US" smtClean="0"/>
               <a:pPr/>
-              <a:t>2019年3月15日 Friday</a:t>
+              <a:t>2019年4月28日 Sunday</a:t>
             </a:fld>
             <a:endParaRPr lang="zh-CN" altLang="en-US" dirty="0"/>
           </a:p>
@@ -6848,7 +6848,7 @@
             <a:fld id="{1878E339-1BD2-4FEE-A113-9A0301740CF6}" type="datetime2">
               <a:rPr lang="zh-CN" altLang="en-US" smtClean="0"/>
               <a:pPr/>
-              <a:t>2019年3月15日 Friday</a:t>
+              <a:t>2019年4月28日 Sunday</a:t>
             </a:fld>
             <a:endParaRPr lang="zh-CN" altLang="en-US" dirty="0"/>
           </a:p>
@@ -7772,7 +7772,7 @@
             <a:fld id="{A339CB27-C670-4AAB-948C-7E3D1D9FAE30}" type="datetime2">
               <a:rPr lang="zh-CN" altLang="en-US" smtClean="0"/>
               <a:pPr/>
-              <a:t>2019年3月15日 Friday</a:t>
+              <a:t>2019年4月28日 Sunday</a:t>
             </a:fld>
             <a:endParaRPr lang="zh-CN" altLang="en-US" dirty="0"/>
           </a:p>
@@ -8281,6 +8281,36 @@
           </a:p>
         </p:txBody>
       </p:sp>
+      <p:pic>
+        <p:nvPicPr>
+          <p:cNvPr id="5" name="图片 4">
+            <a:extLst>
+              <a:ext uri="{FF2B5EF4-FFF2-40B4-BE49-F238E27FC236}">
+                <a16:creationId xmlns:a16="http://schemas.microsoft.com/office/drawing/2014/main" id="{80989ABF-1A57-2946-8351-FBF9E754266E}"/>
+              </a:ext>
+            </a:extLst>
+          </p:cNvPr>
+          <p:cNvPicPr>
+            <a:picLocks noChangeAspect="1"/>
+          </p:cNvPicPr>
+          <p:nvPr/>
+        </p:nvPicPr>
+        <p:blipFill>
+          <a:blip r:link="rId3"/>
+          <a:stretch>
+            <a:fillRect/>
+          </a:stretch>
+        </p:blipFill>
+        <p:spPr>
+          <a:xfrm>
+            <a:off x="1270000" y="1270000"/>
+            <a:ext cx="63500" cy="76200"/>
+          </a:xfrm>
+          <a:prstGeom prst="rect">
+            <a:avLst/>
+          </a:prstGeom>
+        </p:spPr>
+      </p:pic>
     </p:spTree>
     <p:extLst>
       <p:ext uri="{BB962C8B-B14F-4D97-AF65-F5344CB8AC3E}">
@@ -8729,59 +8759,59 @@
           <a:lstStyle/>
           <a:p>
             <a:r>
-              <a:rPr lang="zh-CN" altLang="en-US"/>
+              <a:rPr lang="zh-CN" altLang="en-US" dirty="0"/>
               <a:t>在某时间段内从</a:t>
             </a:r>
             <a:r>
-              <a:rPr lang="en-US" altLang="zh-CN"/>
+              <a:rPr lang="en-US" altLang="zh-CN" dirty="0"/>
               <a:t>0</a:t>
             </a:r>
             <a:r>
-              <a:rPr lang="zh-CN" altLang="en-US"/>
+              <a:rPr lang="zh-CN" altLang="en-US" dirty="0"/>
               <a:t>逐步抬升至制定值</a:t>
             </a:r>
-            <a:endParaRPr lang="en-US" altLang="zh-CN"/>
+            <a:endParaRPr lang="en-US" altLang="zh-CN" dirty="0"/>
           </a:p>
           <a:p>
             <a:pPr marL="0" indent="0">
               <a:buNone/>
             </a:pPr>
             <a:r>
-              <a:rPr lang="zh-CN" altLang="en-US"/>
+              <a:rPr lang="zh-CN" altLang="en-US" dirty="0"/>
               <a:t>表达式：</a:t>
             </a:r>
-            <a:endParaRPr lang="en-US" altLang="zh-CN"/>
+            <a:endParaRPr lang="en-US" altLang="zh-CN" dirty="0"/>
           </a:p>
           <a:p>
             <a:pPr marL="0" indent="0">
               <a:buNone/>
             </a:pPr>
             <a:r>
-              <a:rPr lang="en-US" altLang="zh-CN"/>
+              <a:rPr lang="en-US" altLang="zh-CN" dirty="0"/>
               <a:t>RAMP(</a:t>
             </a:r>
             <a:r>
-              <a:rPr lang="zh-CN" altLang="en-US"/>
-              <a:t>数值</a:t>
-            </a:r>
-            <a:r>
-              <a:rPr lang="en-US" altLang="zh-CN"/>
+              <a:rPr lang="zh-CN" altLang="en-US" dirty="0"/>
+              <a:t>斜率</a:t>
+            </a:r>
+            <a:r>
+              <a:rPr lang="en-US" altLang="zh-CN" dirty="0"/>
               <a:t>,</a:t>
             </a:r>
             <a:r>
-              <a:rPr lang="zh-CN" altLang="en-US"/>
+              <a:rPr lang="zh-CN" altLang="en-US" dirty="0"/>
               <a:t>开始时间</a:t>
             </a:r>
             <a:r>
-              <a:rPr lang="en-US" altLang="zh-CN"/>
+              <a:rPr lang="en-US" altLang="zh-CN" dirty="0"/>
               <a:t>,</a:t>
             </a:r>
             <a:r>
-              <a:rPr lang="zh-CN" altLang="en-US"/>
+              <a:rPr lang="zh-CN" altLang="en-US" dirty="0"/>
               <a:t>结束时间</a:t>
             </a:r>
             <a:r>
-              <a:rPr lang="en-US" altLang="zh-CN"/>
+              <a:rPr lang="en-US" altLang="zh-CN" dirty="0"/>
               <a:t>)</a:t>
             </a:r>
           </a:p>
@@ -8790,20 +8820,20 @@
               <a:buNone/>
             </a:pPr>
             <a:r>
-              <a:rPr lang="zh-CN" altLang="en-US"/>
+              <a:rPr lang="zh-CN" altLang="en-US" dirty="0"/>
               <a:t>例：</a:t>
             </a:r>
-            <a:endParaRPr lang="en-US" altLang="zh-CN"/>
+            <a:endParaRPr lang="en-US" altLang="zh-CN" dirty="0"/>
           </a:p>
           <a:p>
             <a:pPr marL="0" indent="0">
               <a:buNone/>
             </a:pPr>
             <a:r>
-              <a:rPr lang="en-US" altLang="zh-CN"/>
+              <a:rPr lang="en-US" altLang="zh-CN" dirty="0"/>
               <a:t>inflow=ramp(15,20,50)</a:t>
             </a:r>
-            <a:endParaRPr lang="zh-CN" altLang="en-US"/>
+            <a:endParaRPr lang="zh-CN" altLang="en-US" dirty="0"/>
           </a:p>
         </p:txBody>
       </p:sp>
@@ -12815,35 +12845,17 @@
 
 <file path=customXml/item1.xml><?xml version="1.0" encoding="utf-8"?>
 <Control xmlns="http://schemas.microsoft.com/VisualStudio/2011/storyboarding/control">
-  <Id Name="System.Storyboarding.Common.TextInput" Revision="1" Stencil="System.Storyboarding.Common" StencilVersion="0.1"/>
+  <Id Name="System.Storyboarding.Annotation.StickyNote" Revision="1" Stencil="System.Storyboarding.Annotation" StencilVersion="0.1"/>
 </Control>
 </file>
 
 <file path=customXml/item2.xml><?xml version="1.0" encoding="utf-8"?>
 <Control xmlns="http://schemas.microsoft.com/VisualStudio/2011/storyboarding/control">
-  <Id Name="System.Storyboarding.Annotation.StickyNote" Revision="1" Stencil="System.Storyboarding.Annotation" StencilVersion="0.1"/>
+  <Id Name="System.Storyboarding.Common.TextInput" Revision="1" Stencil="System.Storyboarding.Common" StencilVersion="0.1"/>
 </Control>
 </file>
 
 <file path=customXml/item3.xml><?xml version="1.0" encoding="utf-8"?>
-<Control xmlns="http://schemas.microsoft.com/VisualStudio/2011/storyboarding/control">
-  <Id Name="System.Storyboarding.WindowsApps.WindowsAppsProgressRing" Revision="1" Stencil="System.Storyboarding.WindowsApps" StencilVersion="0.1"/>
-</Control>
-</file>
-
-<file path=customXml/item4.xml><?xml version="1.0" encoding="utf-8"?>
-<Control xmlns="http://schemas.microsoft.com/VisualStudio/2011/storyboarding/control">
-  <Id Name="System.Storyboarding.WindowsApps.WindowsAppsListBox" Revision="1" Stencil="System.Storyboarding.WindowsApps" StencilVersion="0.1"/>
-</Control>
-</file>
-
-<file path=customXml/item5.xml><?xml version="1.0" encoding="utf-8"?>
-<Control xmlns="http://schemas.microsoft.com/VisualStudio/2011/storyboarding/control">
-  <Id Name="System.Storyboarding.Annotation.StickyNote" Revision="1" Stencil="System.Storyboarding.Annotation" StencilVersion="0.1"/>
-</Control>
-</file>
-
-<file path=customXml/item6.xml><?xml version="1.0" encoding="utf-8"?>
 <p:properties xmlns:p="http://schemas.microsoft.com/office/2006/metadata/properties" xmlns:xsi="http://www.w3.org/2001/XMLSchema-instance" xmlns:pc="http://schemas.microsoft.com/office/infopath/2007/PartnerControls">
   <documentManagement>
     <_dlc_DocId xmlns="b4ebf394-daf6-497a-96c5-a2f8c10b38cf">TT6HZDVJM2HV-178-321</_dlc_DocId>
@@ -12855,19 +12867,45 @@
 </p:properties>
 </file>
 
+<file path=customXml/item4.xml><?xml version="1.0" encoding="utf-8"?>
+<Control xmlns="http://schemas.microsoft.com/VisualStudio/2011/storyboarding/control">
+  <Id Name="System.Storyboarding.Annotation.StickyNote" Revision="1" Stencil="System.Storyboarding.Annotation" StencilVersion="0.1"/>
+</Control>
+</file>
+
+<file path=customXml/item5.xml><?xml version="1.0" encoding="utf-8"?>
+<Control xmlns="http://schemas.microsoft.com/VisualStudio/2011/storyboarding/control">
+  <Id Name="System.Storyboarding.WindowsApps.WindowsAppsListBox" Revision="1" Stencil="System.Storyboarding.WindowsApps" StencilVersion="0.1"/>
+</Control>
+</file>
+
+<file path=customXml/item6.xml><?xml version="1.0" encoding="utf-8"?>
+<Control xmlns="http://schemas.microsoft.com/VisualStudio/2011/storyboarding/control">
+  <Id Name="5e505f8e-b0aa-429a-bb4c-92ab0e8a8ee6" RevisionId="d2083f08-ba4f-4330-87aa-e4d23a4443d7" Stencil="172d6d98-e5c9-42e9-a209-79f7a94bbd38" StencilRevisionId="00000000-0000-0000-0000-000000000000" StencilVersion="0.0"/>
+</Control>
+</file>
+
 <file path=customXml/item7.xml><?xml version="1.0" encoding="utf-8"?>
+<Control xmlns="http://schemas.microsoft.com/VisualStudio/2011/storyboarding/control">
+  <Id Name="System.Storyboarding.WindowsApps.WindowsAppsProgressRing" Revision="1" Stencil="System.Storyboarding.WindowsApps" StencilVersion="0.1"/>
+</Control>
+</file>
+
+<file path=customXml/item8.xml><?xml version="1.0" encoding="utf-8"?>
 <Control xmlns="http://schemas.microsoft.com/VisualStudio/2011/storyboarding/control">
   <Id Name="System.Storyboarding.Common.DragSelection" Revision="1" Stencil="System.Storyboarding.Common" StencilVersion="0.1"/>
 </Control>
 </file>
 
-<file path=customXml/item8.xml><?xml version="1.0" encoding="utf-8"?>
-<Control xmlns="http://schemas.microsoft.com/VisualStudio/2011/storyboarding/control">
-  <Id Name="5e505f8e-b0aa-429a-bb4c-92ab0e8a8ee6" RevisionId="d2083f08-ba4f-4330-87aa-e4d23a4443d7" Stencil="172d6d98-e5c9-42e9-a209-79f7a94bbd38" StencilRevisionId="00000000-0000-0000-0000-000000000000" StencilVersion="0.0"/>
-</Control>
+<file path=customXml/itemProps1.xml><?xml version="1.0" encoding="utf-8"?>
+<ds:datastoreItem xmlns:ds="http://schemas.openxmlformats.org/officeDocument/2006/customXml" ds:itemID="{C83C598A-8CB1-49BE-A132-CFCF837BD013}">
+  <ds:schemaRefs>
+    <ds:schemaRef ds:uri="http://schemas.microsoft.com/VisualStudio/2011/storyboarding/control"/>
+  </ds:schemaRefs>
+</ds:datastoreItem>
 </file>
 
-<file path=customXml/itemProps1.xml><?xml version="1.0" encoding="utf-8"?>
+<file path=customXml/itemProps2.xml><?xml version="1.0" encoding="utf-8"?>
 <ds:datastoreItem xmlns:ds="http://schemas.openxmlformats.org/officeDocument/2006/customXml" ds:itemID="{195C3A57-25C5-4CAC-A396-8711CE839175}">
   <ds:schemaRefs>
     <ds:schemaRef ds:uri="http://schemas.microsoft.com/VisualStudio/2011/storyboarding/control"/>
@@ -12875,39 +12913,7 @@
 </ds:datastoreItem>
 </file>
 
-<file path=customXml/itemProps2.xml><?xml version="1.0" encoding="utf-8"?>
-<ds:datastoreItem xmlns:ds="http://schemas.openxmlformats.org/officeDocument/2006/customXml" ds:itemID="{C83C598A-8CB1-49BE-A132-CFCF837BD013}">
-  <ds:schemaRefs>
-    <ds:schemaRef ds:uri="http://schemas.microsoft.com/VisualStudio/2011/storyboarding/control"/>
-  </ds:schemaRefs>
-</ds:datastoreItem>
-</file>
-
 <file path=customXml/itemProps3.xml><?xml version="1.0" encoding="utf-8"?>
-<ds:datastoreItem xmlns:ds="http://schemas.openxmlformats.org/officeDocument/2006/customXml" ds:itemID="{EE994FE8-9D1B-4C75-9803-F4D3D8088B5B}">
-  <ds:schemaRefs>
-    <ds:schemaRef ds:uri="http://schemas.microsoft.com/VisualStudio/2011/storyboarding/control"/>
-  </ds:schemaRefs>
-</ds:datastoreItem>
-</file>
-
-<file path=customXml/itemProps4.xml><?xml version="1.0" encoding="utf-8"?>
-<ds:datastoreItem xmlns:ds="http://schemas.openxmlformats.org/officeDocument/2006/customXml" ds:itemID="{925928FA-66B2-4992-9AF7-6AAB34665E06}">
-  <ds:schemaRefs>
-    <ds:schemaRef ds:uri="http://schemas.microsoft.com/VisualStudio/2011/storyboarding/control"/>
-  </ds:schemaRefs>
-</ds:datastoreItem>
-</file>
-
-<file path=customXml/itemProps5.xml><?xml version="1.0" encoding="utf-8"?>
-<ds:datastoreItem xmlns:ds="http://schemas.openxmlformats.org/officeDocument/2006/customXml" ds:itemID="{35CD12A2-2187-402A-B9D9-EF68624DB0B9}">
-  <ds:schemaRefs>
-    <ds:schemaRef ds:uri="http://schemas.microsoft.com/VisualStudio/2011/storyboarding/control"/>
-  </ds:schemaRefs>
-</ds:datastoreItem>
-</file>
-
-<file path=customXml/itemProps6.xml><?xml version="1.0" encoding="utf-8"?>
 <ds:datastoreItem xmlns:ds="http://schemas.openxmlformats.org/officeDocument/2006/customXml" ds:itemID="{1322E1B6-B69B-4B1E-9F64-FFB1E4A65691}">
   <ds:schemaRefs>
     <ds:schemaRef ds:uri="http://schemas.microsoft.com/office/2006/metadata/properties"/>
@@ -12917,8 +12923,32 @@
 </ds:datastoreItem>
 </file>
 
+<file path=customXml/itemProps4.xml><?xml version="1.0" encoding="utf-8"?>
+<ds:datastoreItem xmlns:ds="http://schemas.openxmlformats.org/officeDocument/2006/customXml" ds:itemID="{35CD12A2-2187-402A-B9D9-EF68624DB0B9}">
+  <ds:schemaRefs>
+    <ds:schemaRef ds:uri="http://schemas.microsoft.com/VisualStudio/2011/storyboarding/control"/>
+  </ds:schemaRefs>
+</ds:datastoreItem>
+</file>
+
+<file path=customXml/itemProps5.xml><?xml version="1.0" encoding="utf-8"?>
+<ds:datastoreItem xmlns:ds="http://schemas.openxmlformats.org/officeDocument/2006/customXml" ds:itemID="{925928FA-66B2-4992-9AF7-6AAB34665E06}">
+  <ds:schemaRefs>
+    <ds:schemaRef ds:uri="http://schemas.microsoft.com/VisualStudio/2011/storyboarding/control"/>
+  </ds:schemaRefs>
+</ds:datastoreItem>
+</file>
+
+<file path=customXml/itemProps6.xml><?xml version="1.0" encoding="utf-8"?>
+<ds:datastoreItem xmlns:ds="http://schemas.openxmlformats.org/officeDocument/2006/customXml" ds:itemID="{22271091-DDCE-44B5-B608-BB96BCA0C299}">
+  <ds:schemaRefs>
+    <ds:schemaRef ds:uri="http://schemas.microsoft.com/VisualStudio/2011/storyboarding/control"/>
+  </ds:schemaRefs>
+</ds:datastoreItem>
+</file>
+
 <file path=customXml/itemProps7.xml><?xml version="1.0" encoding="utf-8"?>
-<ds:datastoreItem xmlns:ds="http://schemas.openxmlformats.org/officeDocument/2006/customXml" ds:itemID="{74F50758-6994-47AF-ADB4-84074E43B95D}">
+<ds:datastoreItem xmlns:ds="http://schemas.openxmlformats.org/officeDocument/2006/customXml" ds:itemID="{EE994FE8-9D1B-4C75-9803-F4D3D8088B5B}">
   <ds:schemaRefs>
     <ds:schemaRef ds:uri="http://schemas.microsoft.com/VisualStudio/2011/storyboarding/control"/>
   </ds:schemaRefs>
@@ -12926,7 +12956,7 @@
 </file>
 
 <file path=customXml/itemProps8.xml><?xml version="1.0" encoding="utf-8"?>
-<ds:datastoreItem xmlns:ds="http://schemas.openxmlformats.org/officeDocument/2006/customXml" ds:itemID="{22271091-DDCE-44B5-B608-BB96BCA0C299}">
+<ds:datastoreItem xmlns:ds="http://schemas.openxmlformats.org/officeDocument/2006/customXml" ds:itemID="{74F50758-6994-47AF-ADB4-84074E43B95D}">
   <ds:schemaRefs>
     <ds:schemaRef ds:uri="http://schemas.microsoft.com/VisualStudio/2011/storyboarding/control"/>
   </ds:schemaRefs>

--- a/2019系统仿真-4-动态函数.pptx
+++ b/2019系统仿真-4-动态函数.pptx
@@ -257,7 +257,7 @@
                 <a:latin typeface="微软雅黑" panose="020B0503020204020204" pitchFamily="34" charset="-122"/>
                 <a:ea typeface="微软雅黑" panose="020B0503020204020204" pitchFamily="34" charset="-122"/>
               </a:rPr>
-              <a:t>2019年4月28日 Sunday</a:t>
+              <a:t>2019年6月20日 Thursday</a:t>
             </a:fld>
             <a:endParaRPr lang="zh-CN" altLang="en-US" dirty="0">
               <a:latin typeface="微软雅黑" panose="020B0503020204020204" pitchFamily="34" charset="-122"/>
@@ -449,7 +449,7 @@
             <a:fld id="{07D6BDDC-F39A-4E16-93D6-E40B88AA6D58}" type="datetime2">
               <a:rPr lang="zh-CN" altLang="en-US" smtClean="0"/>
               <a:pPr/>
-              <a:t>2019年4月28日 Sunday</a:t>
+              <a:t>2019年6月20日 Thursday</a:t>
             </a:fld>
             <a:endParaRPr lang="zh-CN" altLang="en-US" dirty="0"/>
           </a:p>
@@ -1558,7 +1558,6 @@
               <a:schemeClr val="bg1"/>
             </a:solidFill>
           </a:ln>
-          <a:extLst/>
         </p:spPr>
         <p:txBody>
           <a:bodyPr vert="horz" wrap="square" lIns="121899" tIns="60949" rIns="121899" bIns="60949" numCol="1" rtlCol="0" anchor="t" anchorCtr="0" compatLnSpc="1">
@@ -1767,7 +1766,7 @@
             <a:fld id="{4947C3F0-2957-4D41-9FB7-182757A04D67}" type="datetime2">
               <a:rPr lang="zh-CN" altLang="en-US" smtClean="0"/>
               <a:pPr/>
-              <a:t>2019年4月28日 Sunday</a:t>
+              <a:t>2019年6月20日 Thursday</a:t>
             </a:fld>
             <a:endParaRPr lang="zh-CN" altLang="en-US" dirty="0"/>
           </a:p>
@@ -2000,7 +1999,7 @@
             <a:fld id="{8DF8E148-EC1F-43A2-8C9E-1F57F6D08A76}" type="datetime2">
               <a:rPr lang="zh-CN" altLang="en-US" smtClean="0"/>
               <a:pPr/>
-              <a:t>2019年4月28日 Sunday</a:t>
+              <a:t>2019年6月20日 Thursday</a:t>
             </a:fld>
             <a:endParaRPr lang="zh-CN" altLang="en-US" dirty="0"/>
           </a:p>
@@ -2681,7 +2680,6 @@
           <a:ln>
             <a:noFill/>
           </a:ln>
-          <a:extLst/>
         </p:spPr>
         <p:txBody>
           <a:bodyPr vert="horz" wrap="square" lIns="91440" tIns="45720" rIns="91440" bIns="45720" numCol="1" rtlCol="0" anchor="t" anchorCtr="0" compatLnSpc="1">
@@ -2883,7 +2881,7 @@
             <a:fld id="{FB7B4C11-1E14-4887-9E78-A9346EC068F1}" type="datetime2">
               <a:rPr lang="zh-CN" altLang="en-US" smtClean="0"/>
               <a:pPr/>
-              <a:t>2019年4月28日 Sunday</a:t>
+              <a:t>2019年6月20日 Thursday</a:t>
             </a:fld>
             <a:endParaRPr lang="zh-CN" altLang="en-US" dirty="0"/>
           </a:p>
@@ -3142,7 +3140,7 @@
             <a:fld id="{86FD5D46-E987-42B2-B42C-B8920598FADE}" type="datetime2">
               <a:rPr lang="zh-CN" altLang="en-US" smtClean="0"/>
               <a:pPr/>
-              <a:t>2019年4月28日 Sunday</a:t>
+              <a:t>2019年6月20日 Thursday</a:t>
             </a:fld>
             <a:endParaRPr lang="zh-CN" altLang="en-US" dirty="0"/>
           </a:p>
@@ -3852,7 +3850,6 @@
               <a:schemeClr val="bg1"/>
             </a:solidFill>
           </a:ln>
-          <a:extLst/>
         </p:spPr>
         <p:txBody>
           <a:bodyPr vert="horz" wrap="square" lIns="121899" tIns="60949" rIns="121899" bIns="60949" numCol="1" rtlCol="0" anchor="t" anchorCtr="0" compatLnSpc="1">
@@ -4469,7 +4466,7 @@
             <a:fld id="{8365F240-A7EF-41C8-A85B-C448CF84B5E5}" type="datetime2">
               <a:rPr lang="zh-CN" altLang="en-US" smtClean="0"/>
               <a:pPr/>
-              <a:t>2019年4月28日 Sunday</a:t>
+              <a:t>2019年6月20日 Thursday</a:t>
             </a:fld>
             <a:endParaRPr lang="zh-CN" altLang="en-US" dirty="0"/>
           </a:p>
@@ -4804,7 +4801,7 @@
             <a:fld id="{F770B30E-8728-44DB-AEE3-E4A75AEDBBD9}" type="datetime2">
               <a:rPr lang="zh-CN" altLang="en-US" smtClean="0"/>
               <a:pPr/>
-              <a:t>2019年4月28日 Sunday</a:t>
+              <a:t>2019年6月20日 Thursday</a:t>
             </a:fld>
             <a:endParaRPr lang="zh-CN" altLang="en-US" dirty="0"/>
           </a:p>
@@ -5305,7 +5302,7 @@
             <a:fld id="{680BCF82-A51A-4389-A573-378AD02C5141}" type="datetime2">
               <a:rPr lang="zh-CN" altLang="en-US" smtClean="0"/>
               <a:pPr/>
-              <a:t>2019年4月28日 Sunday</a:t>
+              <a:t>2019年6月20日 Thursday</a:t>
             </a:fld>
             <a:endParaRPr lang="zh-CN" altLang="en-US" dirty="0"/>
           </a:p>
@@ -5460,7 +5457,7 @@
             <a:fld id="{CE03A716-E3DC-4D9D-823C-60FCD8C9B163}" type="datetime2">
               <a:rPr lang="zh-CN" altLang="en-US" smtClean="0"/>
               <a:pPr/>
-              <a:t>2019年4月28日 Sunday</a:t>
+              <a:t>2019年6月20日 Thursday</a:t>
             </a:fld>
             <a:endParaRPr lang="zh-CN" altLang="en-US" dirty="0"/>
           </a:p>
@@ -5820,7 +5817,7 @@
             <a:fld id="{C16B8A94-44E5-4844-A22C-F796FCAA90D9}" type="datetime2">
               <a:rPr lang="zh-CN" altLang="en-US" smtClean="0"/>
               <a:pPr/>
-              <a:t>2019年4月28日 Sunday</a:t>
+              <a:t>2019年6月20日 Thursday</a:t>
             </a:fld>
             <a:endParaRPr lang="zh-CN" altLang="en-US" dirty="0"/>
           </a:p>
@@ -6362,7 +6359,7 @@
             <a:fld id="{F288B2AC-AC0A-4E49-82A3-94EE74FA7FBF}" type="datetime2">
               <a:rPr lang="zh-CN" altLang="en-US" smtClean="0"/>
               <a:pPr/>
-              <a:t>2019年4月28日 Sunday</a:t>
+              <a:t>2019年6月20日 Thursday</a:t>
             </a:fld>
             <a:endParaRPr lang="zh-CN" altLang="en-US" dirty="0"/>
           </a:p>
@@ -6848,7 +6845,7 @@
             <a:fld id="{1878E339-1BD2-4FEE-A113-9A0301740CF6}" type="datetime2">
               <a:rPr lang="zh-CN" altLang="en-US" smtClean="0"/>
               <a:pPr/>
-              <a:t>2019年4月28日 Sunday</a:t>
+              <a:t>2019年6月20日 Thursday</a:t>
             </a:fld>
             <a:endParaRPr lang="zh-CN" altLang="en-US" dirty="0"/>
           </a:p>
@@ -7589,7 +7586,6 @@
           <a:ln>
             <a:noFill/>
           </a:ln>
-          <a:extLst/>
         </p:spPr>
         <p:txBody>
           <a:bodyPr vert="horz" wrap="square" lIns="91440" tIns="45720" rIns="91440" bIns="45720" numCol="1" rtlCol="0" anchor="t" anchorCtr="0" compatLnSpc="1">
@@ -7772,7 +7768,7 @@
             <a:fld id="{A339CB27-C670-4AAB-948C-7E3D1D9FAE30}" type="datetime2">
               <a:rPr lang="zh-CN" altLang="en-US" smtClean="0"/>
               <a:pPr/>
-              <a:t>2019年4月28日 Sunday</a:t>
+              <a:t>2019年6月20日 Thursday</a:t>
             </a:fld>
             <a:endParaRPr lang="zh-CN" altLang="en-US" dirty="0"/>
           </a:p>
@@ -8176,7 +8172,7 @@
       </a:lvl9pPr>
     </p:otherStyle>
   </p:txStyles>
-  <p:extLst mod="1">
+  <p:extLst>
     <p:ext uri="{27BBF7A9-308A-43DC-89C8-2F10F3537804}">
       <p15:sldGuideLst xmlns:p15="http://schemas.microsoft.com/office/powerpoint/2012/main">
         <p15:guide id="1" orient="horz" pos="2160" userDrawn="1">
@@ -8287,6 +8283,36 @@
             <a:extLst>
               <a:ext uri="{FF2B5EF4-FFF2-40B4-BE49-F238E27FC236}">
                 <a16:creationId xmlns:a16="http://schemas.microsoft.com/office/drawing/2014/main" id="{80989ABF-1A57-2946-8351-FBF9E754266E}"/>
+              </a:ext>
+            </a:extLst>
+          </p:cNvPr>
+          <p:cNvPicPr>
+            <a:picLocks noChangeAspect="1"/>
+          </p:cNvPicPr>
+          <p:nvPr/>
+        </p:nvPicPr>
+        <p:blipFill>
+          <a:blip r:link="rId3"/>
+          <a:stretch>
+            <a:fillRect/>
+          </a:stretch>
+        </p:blipFill>
+        <p:spPr>
+          <a:xfrm>
+            <a:off x="1270000" y="1270000"/>
+            <a:ext cx="63500" cy="76200"/>
+          </a:xfrm>
+          <a:prstGeom prst="rect">
+            <a:avLst/>
+          </a:prstGeom>
+        </p:spPr>
+      </p:pic>
+      <p:pic>
+        <p:nvPicPr>
+          <p:cNvPr id="6" name="图片 5">
+            <a:extLst>
+              <a:ext uri="{FF2B5EF4-FFF2-40B4-BE49-F238E27FC236}">
+                <a16:creationId xmlns:a16="http://schemas.microsoft.com/office/drawing/2014/main" id="{BB1E621E-8B93-F346-ABE0-6AE7D4B9172B}"/>
               </a:ext>
             </a:extLst>
           </p:cNvPr>
@@ -11241,17 +11267,17 @@
               <a:buNone/>
             </a:pPr>
             <a:r>
-              <a:rPr lang="zh-CN" altLang="en-US"/>
+              <a:rPr lang="zh-CN" altLang="en-US" dirty="0"/>
               <a:t>主供应商和次供应商提供的价格随市场波动，价格不同将采取不同采购策略</a:t>
             </a:r>
-            <a:endParaRPr lang="en-US" altLang="zh-CN"/>
+            <a:endParaRPr lang="en-US" altLang="zh-CN" dirty="0"/>
           </a:p>
           <a:p>
             <a:pPr marL="0" indent="0">
               <a:buNone/>
             </a:pPr>
             <a:r>
-              <a:rPr lang="en-US" altLang="zh-CN"/>
+              <a:rPr lang="en-US" altLang="zh-CN" dirty="0"/>
               <a:t>price1=sin(0.2*t)+1.2</a:t>
             </a:r>
           </a:p>
@@ -11260,7 +11286,7 @@
               <a:buNone/>
             </a:pPr>
             <a:r>
-              <a:rPr lang="en-US" altLang="zh-CN"/>
+              <a:rPr lang="en-US" altLang="zh-CN" dirty="0"/>
               <a:t>price2=cos(0.3*t)+1.2</a:t>
             </a:r>
           </a:p>
@@ -11269,39 +11295,39 @@
               <a:buNone/>
             </a:pPr>
             <a:r>
-              <a:rPr lang="zh-CN" altLang="en-US"/>
+              <a:rPr lang="zh-CN" altLang="en-US" dirty="0"/>
               <a:t>当</a:t>
             </a:r>
             <a:r>
-              <a:rPr lang="en-US" altLang="zh-CN"/>
+              <a:rPr lang="en-US" altLang="zh-CN" dirty="0"/>
               <a:t>price1</a:t>
             </a:r>
             <a:r>
-              <a:rPr lang="zh-CN" altLang="en-US"/>
+              <a:rPr lang="zh-CN" altLang="en-US" dirty="0"/>
               <a:t>低于</a:t>
             </a:r>
             <a:r>
-              <a:rPr lang="en-US" altLang="zh-CN"/>
+              <a:rPr lang="en-US" altLang="zh-CN" dirty="0"/>
               <a:t>price2</a:t>
             </a:r>
             <a:r>
-              <a:rPr lang="zh-CN" altLang="en-US"/>
+              <a:rPr lang="zh-CN" altLang="en-US" dirty="0"/>
               <a:t>时，每次采购量为</a:t>
             </a:r>
             <a:r>
-              <a:rPr lang="en-US" altLang="zh-CN"/>
+              <a:rPr lang="en-US" altLang="zh-CN" dirty="0"/>
               <a:t>1</a:t>
             </a:r>
             <a:r>
-              <a:rPr lang="zh-CN" altLang="en-US"/>
+              <a:rPr lang="zh-CN" altLang="en-US" dirty="0"/>
               <a:t>（吨），反之则一共采购量</a:t>
             </a:r>
             <a:r>
-              <a:rPr lang="en-US" altLang="zh-CN"/>
+              <a:rPr lang="en-US" altLang="zh-CN" dirty="0"/>
               <a:t>0.5</a:t>
             </a:r>
             <a:r>
-              <a:rPr lang="zh-CN" altLang="en-US"/>
+              <a:rPr lang="zh-CN" altLang="en-US" dirty="0"/>
               <a:t>（吨）</a:t>
             </a:r>
           </a:p>
@@ -11474,18 +11500,18 @@
               </a:lnSpc>
             </a:pPr>
             <a:r>
-              <a:rPr lang="zh-CN" altLang="en-US"/>
+              <a:rPr lang="zh-CN" altLang="en-US" dirty="0"/>
               <a:t>继续双供应商案例，我们不但要求主供应商价格要低于次供应商，还要求主供应商价格在</a:t>
             </a:r>
             <a:r>
-              <a:rPr lang="en-US" altLang="zh-CN"/>
+              <a:rPr lang="en-US" altLang="zh-CN" dirty="0"/>
               <a:t>1.0</a:t>
             </a:r>
             <a:r>
-              <a:rPr lang="zh-CN" altLang="en-US"/>
+              <a:rPr lang="zh-CN" altLang="en-US" dirty="0"/>
               <a:t>（万）之上才会执行高采购策略，否则会担心质量问题。</a:t>
             </a:r>
-            <a:endParaRPr lang="en-US" altLang="zh-CN"/>
+            <a:endParaRPr lang="en-US" altLang="zh-CN" dirty="0"/>
           </a:p>
           <a:p>
             <a:pPr>
@@ -11494,7 +11520,7 @@
               </a:lnSpc>
             </a:pPr>
             <a:r>
-              <a:rPr lang="zh-CN" altLang="en-US"/>
+              <a:rPr lang="zh-CN" altLang="en-US" dirty="0"/>
               <a:t>尝试做出库存仿真</a:t>
             </a:r>
           </a:p>
@@ -11703,28 +11729,28 @@
           <a:lstStyle/>
           <a:p>
             <a:r>
-              <a:rPr lang="en-US" altLang="zh-CN"/>
+              <a:rPr lang="en-US" altLang="zh-CN" dirty="0"/>
               <a:t>stock=INTEG(inflow,20)</a:t>
             </a:r>
           </a:p>
           <a:p>
             <a:r>
-              <a:rPr lang="en-US" altLang="zh-CN"/>
-              <a:t>inflow=IF THEN ELSE (price1&gt;price2:and:price1&gt;1,2,0.5)</a:t>
-            </a:r>
-          </a:p>
-          <a:p>
-            <a:r>
-              <a:rPr lang="en-US" altLang="zh-CN"/>
+              <a:rPr lang="en-US" altLang="zh-CN" dirty="0"/>
+              <a:t>inflow=IF THEN ELSE (price1&gt;price2:and:price1&gt;1,1,0.5)</a:t>
+            </a:r>
+          </a:p>
+          <a:p>
+            <a:r>
+              <a:rPr lang="en-US" altLang="zh-CN" dirty="0"/>
               <a:t>price1=1.2*sin(0.2*Time)</a:t>
             </a:r>
           </a:p>
           <a:p>
             <a:r>
-              <a:rPr lang="en-US" altLang="zh-CN"/>
+              <a:rPr lang="en-US" altLang="zh-CN" dirty="0"/>
               <a:t>price2=1.2*cos(0.3*Time)</a:t>
             </a:r>
-            <a:endParaRPr lang="zh-CN" altLang="en-US"/>
+            <a:endParaRPr lang="zh-CN" altLang="en-US" dirty="0"/>
           </a:p>
         </p:txBody>
       </p:sp>
@@ -12845,17 +12871,41 @@
 
 <file path=customXml/item1.xml><?xml version="1.0" encoding="utf-8"?>
 <Control xmlns="http://schemas.microsoft.com/VisualStudio/2011/storyboarding/control">
-  <Id Name="System.Storyboarding.Annotation.StickyNote" Revision="1" Stencil="System.Storyboarding.Annotation" StencilVersion="0.1"/>
+  <Id Name="System.Storyboarding.Common.TextInput" Revision="1" Stencil="System.Storyboarding.Common" StencilVersion="0.1"/>
 </Control>
 </file>
 
 <file path=customXml/item2.xml><?xml version="1.0" encoding="utf-8"?>
 <Control xmlns="http://schemas.microsoft.com/VisualStudio/2011/storyboarding/control">
-  <Id Name="System.Storyboarding.Common.TextInput" Revision="1" Stencil="System.Storyboarding.Common" StencilVersion="0.1"/>
+  <Id Name="System.Storyboarding.Annotation.StickyNote" Revision="1" Stencil="System.Storyboarding.Annotation" StencilVersion="0.1"/>
 </Control>
 </file>
 
 <file path=customXml/item3.xml><?xml version="1.0" encoding="utf-8"?>
+<Control xmlns="http://schemas.microsoft.com/VisualStudio/2011/storyboarding/control">
+  <Id Name="5e505f8e-b0aa-429a-bb4c-92ab0e8a8ee6" RevisionId="d2083f08-ba4f-4330-87aa-e4d23a4443d7" Stencil="172d6d98-e5c9-42e9-a209-79f7a94bbd38" StencilRevisionId="00000000-0000-0000-0000-000000000000" StencilVersion="0.0"/>
+</Control>
+</file>
+
+<file path=customXml/item4.xml><?xml version="1.0" encoding="utf-8"?>
+<Control xmlns="http://schemas.microsoft.com/VisualStudio/2011/storyboarding/control">
+  <Id Name="System.Storyboarding.WindowsApps.WindowsAppsListBox" Revision="1" Stencil="System.Storyboarding.WindowsApps" StencilVersion="0.1"/>
+</Control>
+</file>
+
+<file path=customXml/item5.xml><?xml version="1.0" encoding="utf-8"?>
+<Control xmlns="http://schemas.microsoft.com/VisualStudio/2011/storyboarding/control">
+  <Id Name="System.Storyboarding.Annotation.StickyNote" Revision="1" Stencil="System.Storyboarding.Annotation" StencilVersion="0.1"/>
+</Control>
+</file>
+
+<file path=customXml/item6.xml><?xml version="1.0" encoding="utf-8"?>
+<Control xmlns="http://schemas.microsoft.com/VisualStudio/2011/storyboarding/control">
+  <Id Name="System.Storyboarding.Common.DragSelection" Revision="1" Stencil="System.Storyboarding.Common" StencilVersion="0.1"/>
+</Control>
+</file>
+
+<file path=customXml/item7.xml><?xml version="1.0" encoding="utf-8"?>
 <p:properties xmlns:p="http://schemas.microsoft.com/office/2006/metadata/properties" xmlns:xsi="http://www.w3.org/2001/XMLSchema-instance" xmlns:pc="http://schemas.microsoft.com/office/infopath/2007/PartnerControls">
   <documentManagement>
     <_dlc_DocId xmlns="b4ebf394-daf6-497a-96c5-a2f8c10b38cf">TT6HZDVJM2HV-178-321</_dlc_DocId>
@@ -12867,37 +12917,21 @@
 </p:properties>
 </file>
 
-<file path=customXml/item4.xml><?xml version="1.0" encoding="utf-8"?>
-<Control xmlns="http://schemas.microsoft.com/VisualStudio/2011/storyboarding/control">
-  <Id Name="System.Storyboarding.Annotation.StickyNote" Revision="1" Stencil="System.Storyboarding.Annotation" StencilVersion="0.1"/>
-</Control>
-</file>
-
-<file path=customXml/item5.xml><?xml version="1.0" encoding="utf-8"?>
-<Control xmlns="http://schemas.microsoft.com/VisualStudio/2011/storyboarding/control">
-  <Id Name="System.Storyboarding.WindowsApps.WindowsAppsListBox" Revision="1" Stencil="System.Storyboarding.WindowsApps" StencilVersion="0.1"/>
-</Control>
-</file>
-
-<file path=customXml/item6.xml><?xml version="1.0" encoding="utf-8"?>
-<Control xmlns="http://schemas.microsoft.com/VisualStudio/2011/storyboarding/control">
-  <Id Name="5e505f8e-b0aa-429a-bb4c-92ab0e8a8ee6" RevisionId="d2083f08-ba4f-4330-87aa-e4d23a4443d7" Stencil="172d6d98-e5c9-42e9-a209-79f7a94bbd38" StencilRevisionId="00000000-0000-0000-0000-000000000000" StencilVersion="0.0"/>
-</Control>
-</file>
-
-<file path=customXml/item7.xml><?xml version="1.0" encoding="utf-8"?>
+<file path=customXml/item8.xml><?xml version="1.0" encoding="utf-8"?>
 <Control xmlns="http://schemas.microsoft.com/VisualStudio/2011/storyboarding/control">
   <Id Name="System.Storyboarding.WindowsApps.WindowsAppsProgressRing" Revision="1" Stencil="System.Storyboarding.WindowsApps" StencilVersion="0.1"/>
 </Control>
 </file>
 
-<file path=customXml/item8.xml><?xml version="1.0" encoding="utf-8"?>
-<Control xmlns="http://schemas.microsoft.com/VisualStudio/2011/storyboarding/control">
-  <Id Name="System.Storyboarding.Common.DragSelection" Revision="1" Stencil="System.Storyboarding.Common" StencilVersion="0.1"/>
-</Control>
+<file path=customXml/itemProps1.xml><?xml version="1.0" encoding="utf-8"?>
+<ds:datastoreItem xmlns:ds="http://schemas.openxmlformats.org/officeDocument/2006/customXml" ds:itemID="{195C3A57-25C5-4CAC-A396-8711CE839175}">
+  <ds:schemaRefs>
+    <ds:schemaRef ds:uri="http://schemas.microsoft.com/VisualStudio/2011/storyboarding/control"/>
+  </ds:schemaRefs>
+</ds:datastoreItem>
 </file>
 
-<file path=customXml/itemProps1.xml><?xml version="1.0" encoding="utf-8"?>
+<file path=customXml/itemProps2.xml><?xml version="1.0" encoding="utf-8"?>
 <ds:datastoreItem xmlns:ds="http://schemas.openxmlformats.org/officeDocument/2006/customXml" ds:itemID="{C83C598A-8CB1-49BE-A132-CFCF837BD013}">
   <ds:schemaRefs>
     <ds:schemaRef ds:uri="http://schemas.microsoft.com/VisualStudio/2011/storyboarding/control"/>
@@ -12905,15 +12939,39 @@
 </ds:datastoreItem>
 </file>
 
-<file path=customXml/itemProps2.xml><?xml version="1.0" encoding="utf-8"?>
-<ds:datastoreItem xmlns:ds="http://schemas.openxmlformats.org/officeDocument/2006/customXml" ds:itemID="{195C3A57-25C5-4CAC-A396-8711CE839175}">
+<file path=customXml/itemProps3.xml><?xml version="1.0" encoding="utf-8"?>
+<ds:datastoreItem xmlns:ds="http://schemas.openxmlformats.org/officeDocument/2006/customXml" ds:itemID="{22271091-DDCE-44B5-B608-BB96BCA0C299}">
   <ds:schemaRefs>
     <ds:schemaRef ds:uri="http://schemas.microsoft.com/VisualStudio/2011/storyboarding/control"/>
   </ds:schemaRefs>
 </ds:datastoreItem>
 </file>
 
-<file path=customXml/itemProps3.xml><?xml version="1.0" encoding="utf-8"?>
+<file path=customXml/itemProps4.xml><?xml version="1.0" encoding="utf-8"?>
+<ds:datastoreItem xmlns:ds="http://schemas.openxmlformats.org/officeDocument/2006/customXml" ds:itemID="{925928FA-66B2-4992-9AF7-6AAB34665E06}">
+  <ds:schemaRefs>
+    <ds:schemaRef ds:uri="http://schemas.microsoft.com/VisualStudio/2011/storyboarding/control"/>
+  </ds:schemaRefs>
+</ds:datastoreItem>
+</file>
+
+<file path=customXml/itemProps5.xml><?xml version="1.0" encoding="utf-8"?>
+<ds:datastoreItem xmlns:ds="http://schemas.openxmlformats.org/officeDocument/2006/customXml" ds:itemID="{35CD12A2-2187-402A-B9D9-EF68624DB0B9}">
+  <ds:schemaRefs>
+    <ds:schemaRef ds:uri="http://schemas.microsoft.com/VisualStudio/2011/storyboarding/control"/>
+  </ds:schemaRefs>
+</ds:datastoreItem>
+</file>
+
+<file path=customXml/itemProps6.xml><?xml version="1.0" encoding="utf-8"?>
+<ds:datastoreItem xmlns:ds="http://schemas.openxmlformats.org/officeDocument/2006/customXml" ds:itemID="{74F50758-6994-47AF-ADB4-84074E43B95D}">
+  <ds:schemaRefs>
+    <ds:schemaRef ds:uri="http://schemas.microsoft.com/VisualStudio/2011/storyboarding/control"/>
+  </ds:schemaRefs>
+</ds:datastoreItem>
+</file>
+
+<file path=customXml/itemProps7.xml><?xml version="1.0" encoding="utf-8"?>
 <ds:datastoreItem xmlns:ds="http://schemas.openxmlformats.org/officeDocument/2006/customXml" ds:itemID="{1322E1B6-B69B-4B1E-9F64-FFB1E4A65691}">
   <ds:schemaRefs>
     <ds:schemaRef ds:uri="http://schemas.microsoft.com/office/2006/metadata/properties"/>
@@ -12923,42 +12981,10 @@
 </ds:datastoreItem>
 </file>
 
-<file path=customXml/itemProps4.xml><?xml version="1.0" encoding="utf-8"?>
-<ds:datastoreItem xmlns:ds="http://schemas.openxmlformats.org/officeDocument/2006/customXml" ds:itemID="{35CD12A2-2187-402A-B9D9-EF68624DB0B9}">
-  <ds:schemaRefs>
-    <ds:schemaRef ds:uri="http://schemas.microsoft.com/VisualStudio/2011/storyboarding/control"/>
-  </ds:schemaRefs>
-</ds:datastoreItem>
-</file>
-
-<file path=customXml/itemProps5.xml><?xml version="1.0" encoding="utf-8"?>
-<ds:datastoreItem xmlns:ds="http://schemas.openxmlformats.org/officeDocument/2006/customXml" ds:itemID="{925928FA-66B2-4992-9AF7-6AAB34665E06}">
-  <ds:schemaRefs>
-    <ds:schemaRef ds:uri="http://schemas.microsoft.com/VisualStudio/2011/storyboarding/control"/>
-  </ds:schemaRefs>
-</ds:datastoreItem>
-</file>
-
-<file path=customXml/itemProps6.xml><?xml version="1.0" encoding="utf-8"?>
-<ds:datastoreItem xmlns:ds="http://schemas.openxmlformats.org/officeDocument/2006/customXml" ds:itemID="{22271091-DDCE-44B5-B608-BB96BCA0C299}">
-  <ds:schemaRefs>
-    <ds:schemaRef ds:uri="http://schemas.microsoft.com/VisualStudio/2011/storyboarding/control"/>
-  </ds:schemaRefs>
-</ds:datastoreItem>
-</file>
-
-<file path=customXml/itemProps7.xml><?xml version="1.0" encoding="utf-8"?>
+<file path=customXml/itemProps8.xml><?xml version="1.0" encoding="utf-8"?>
 <ds:datastoreItem xmlns:ds="http://schemas.openxmlformats.org/officeDocument/2006/customXml" ds:itemID="{EE994FE8-9D1B-4C75-9803-F4D3D8088B5B}">
   <ds:schemaRefs>
     <ds:schemaRef ds:uri="http://schemas.microsoft.com/VisualStudio/2011/storyboarding/control"/>
   </ds:schemaRefs>
 </ds:datastoreItem>
-</file>
-
-<file path=customXml/itemProps8.xml><?xml version="1.0" encoding="utf-8"?>
-<ds:datastoreItem xmlns:ds="http://schemas.openxmlformats.org/officeDocument/2006/customXml" ds:itemID="{74F50758-6994-47AF-ADB4-84074E43B95D}">
-  <ds:schemaRefs>
-    <ds:schemaRef ds:uri="http://schemas.microsoft.com/VisualStudio/2011/storyboarding/control"/>
-  </ds:schemaRefs>
-</ds:datastoreItem>
 </file>